--- a/tSNE and UMAP/UMAP.pptx
+++ b/tSNE and UMAP/UMAP.pptx
@@ -2,18 +2,21 @@
 <file path=ppt/presentation.xml><?xml version="1.0" encoding="utf-8"?>
 <p:presentation xmlns:a="http://schemas.openxmlformats.org/drawingml/2006/main" xmlns:r="http://schemas.openxmlformats.org/officeDocument/2006/relationships" xmlns:mc="http://schemas.openxmlformats.org/markup-compatibility/2006" xmlns:mv="urn:schemas-microsoft-com:mac:vml" xmlns:p="http://schemas.openxmlformats.org/presentationml/2006/main" xmlns:c="http://schemas.openxmlformats.org/drawingml/2006/chart" xmlns:dgm="http://schemas.openxmlformats.org/drawingml/2006/diagram" xmlns:o="urn:schemas-microsoft-com:office:office" xmlns:v="urn:schemas-microsoft-com:vml" xmlns:pvml="urn:schemas-microsoft-com:office:powerpoint" xmlns:com="http://schemas.openxmlformats.org/drawingml/2006/compatibility" xmlns:p14="http://schemas.microsoft.com/office/powerpoint/2010/main" xmlns:p15="http://schemas.microsoft.com/office/powerpoint/2012/main" autoCompressPictures="0" strictFirstAndLastChars="0" saveSubsetFonts="1">
   <p:sldMasterIdLst>
-    <p:sldMasterId id="2147483659" r:id="rId4"/>
+    <p:sldMasterId id="2147483670" r:id="rId4"/>
+    <p:sldMasterId id="2147483671" r:id="rId5"/>
   </p:sldMasterIdLst>
   <p:notesMasterIdLst>
-    <p:notesMasterId r:id="rId5"/>
+    <p:notesMasterId r:id="rId6"/>
   </p:notesMasterIdLst>
   <p:sldIdLst>
-    <p:sldId id="256" r:id="rId6"/>
-    <p:sldId id="257" r:id="rId7"/>
-    <p:sldId id="258" r:id="rId8"/>
-    <p:sldId id="259" r:id="rId9"/>
-    <p:sldId id="260" r:id="rId10"/>
-    <p:sldId id="261" r:id="rId11"/>
+    <p:sldId id="256" r:id="rId7"/>
+    <p:sldId id="257" r:id="rId8"/>
+    <p:sldId id="258" r:id="rId9"/>
+    <p:sldId id="259" r:id="rId10"/>
+    <p:sldId id="260" r:id="rId11"/>
+    <p:sldId id="261" r:id="rId12"/>
+    <p:sldId id="262" r:id="rId13"/>
+    <p:sldId id="263" r:id="rId14"/>
   </p:sldIdLst>
   <p:sldSz cy="5143500" cx="9144000"/>
   <p:notesSz cx="6858000" cy="9144000"/>
@@ -694,7 +697,7 @@
   <p:cSld>
     <p:spTree>
       <p:nvGrpSpPr>
-        <p:cNvPr id="50" name="Shape 50"/>
+        <p:cNvPr id="95" name="Shape 95"/>
         <p:cNvGrpSpPr/>
         <p:nvPr/>
       </p:nvGrpSpPr>
@@ -708,7 +711,7 @@
       </p:grpSpPr>
       <p:sp>
         <p:nvSpPr>
-          <p:cNvPr id="51" name="Google Shape;51;p:notes"/>
+          <p:cNvPr id="96" name="Google Shape;96;p:notes"/>
           <p:cNvSpPr/>
           <p:nvPr>
             <p:ph idx="2" type="sldImg"/>
@@ -743,7 +746,7 @@
       </p:sp>
       <p:sp>
         <p:nvSpPr>
-          <p:cNvPr id="52" name="Google Shape;52;p:notes"/>
+          <p:cNvPr id="97" name="Google Shape;97;p:notes"/>
           <p:cNvSpPr txBox="1"/>
           <p:nvPr>
             <p:ph idx="1" type="body"/>
@@ -793,7 +796,7 @@
   <p:cSld>
     <p:spTree>
       <p:nvGrpSpPr>
-        <p:cNvPr id="56" name="Shape 56"/>
+        <p:cNvPr id="101" name="Shape 101"/>
         <p:cNvGrpSpPr/>
         <p:nvPr/>
       </p:nvGrpSpPr>
@@ -807,7 +810,7 @@
       </p:grpSpPr>
       <p:sp>
         <p:nvSpPr>
-          <p:cNvPr id="57" name="Google Shape;57;g57af43f6ad_1_0:notes"/>
+          <p:cNvPr id="102" name="Google Shape;102;g57af43f6ad_1_0:notes"/>
           <p:cNvSpPr/>
           <p:nvPr>
             <p:ph idx="2" type="sldImg"/>
@@ -842,7 +845,7 @@
       </p:sp>
       <p:sp>
         <p:nvSpPr>
-          <p:cNvPr id="58" name="Google Shape;58;g57af43f6ad_1_0:notes"/>
+          <p:cNvPr id="103" name="Google Shape;103;g57af43f6ad_1_0:notes"/>
           <p:cNvSpPr txBox="1"/>
           <p:nvPr>
             <p:ph idx="1" type="body"/>
@@ -892,7 +895,7 @@
   <p:cSld>
     <p:spTree>
       <p:nvGrpSpPr>
-        <p:cNvPr id="62" name="Shape 62"/>
+        <p:cNvPr id="107" name="Shape 107"/>
         <p:cNvGrpSpPr/>
         <p:nvPr/>
       </p:nvGrpSpPr>
@@ -906,7 +909,7 @@
       </p:grpSpPr>
       <p:sp>
         <p:nvSpPr>
-          <p:cNvPr id="63" name="Google Shape;63;g5780d04fef_0_5:notes"/>
+          <p:cNvPr id="108" name="Google Shape;108;g5780d04fef_0_5:notes"/>
           <p:cNvSpPr/>
           <p:nvPr>
             <p:ph idx="2" type="sldImg"/>
@@ -941,7 +944,7 @@
       </p:sp>
       <p:sp>
         <p:nvSpPr>
-          <p:cNvPr id="64" name="Google Shape;64;g5780d04fef_0_5:notes"/>
+          <p:cNvPr id="109" name="Google Shape;109;g5780d04fef_0_5:notes"/>
           <p:cNvSpPr txBox="1"/>
           <p:nvPr>
             <p:ph idx="1" type="body"/>
@@ -991,7 +994,7 @@
   <p:cSld>
     <p:spTree>
       <p:nvGrpSpPr>
-        <p:cNvPr id="68" name="Shape 68"/>
+        <p:cNvPr id="113" name="Shape 113"/>
         <p:cNvGrpSpPr/>
         <p:nvPr/>
       </p:nvGrpSpPr>
@@ -1005,7 +1008,7 @@
       </p:grpSpPr>
       <p:sp>
         <p:nvSpPr>
-          <p:cNvPr id="69" name="Google Shape;69;g57af43f6ad_1_24:notes"/>
+          <p:cNvPr id="114" name="Google Shape;114;g57af43f6ad_1_24:notes"/>
           <p:cNvSpPr/>
           <p:nvPr>
             <p:ph idx="2" type="sldImg"/>
@@ -1040,7 +1043,7 @@
       </p:sp>
       <p:sp>
         <p:nvSpPr>
-          <p:cNvPr id="70" name="Google Shape;70;g57af43f6ad_1_24:notes"/>
+          <p:cNvPr id="115" name="Google Shape;115;g57af43f6ad_1_24:notes"/>
           <p:cNvSpPr txBox="1"/>
           <p:nvPr>
             <p:ph idx="1" type="body"/>
@@ -1090,7 +1093,7 @@
   <p:cSld>
     <p:spTree>
       <p:nvGrpSpPr>
-        <p:cNvPr id="75" name="Shape 75"/>
+        <p:cNvPr id="120" name="Shape 120"/>
         <p:cNvGrpSpPr/>
         <p:nvPr/>
       </p:nvGrpSpPr>
@@ -1104,7 +1107,7 @@
       </p:grpSpPr>
       <p:sp>
         <p:nvSpPr>
-          <p:cNvPr id="76" name="Google Shape;76;g5780d04fef_0_35:notes"/>
+          <p:cNvPr id="121" name="Google Shape;121;g5780d04fef_0_35:notes"/>
           <p:cNvSpPr/>
           <p:nvPr>
             <p:ph idx="2" type="sldImg"/>
@@ -1139,7 +1142,7 @@
       </p:sp>
       <p:sp>
         <p:nvSpPr>
-          <p:cNvPr id="77" name="Google Shape;77;g5780d04fef_0_35:notes"/>
+          <p:cNvPr id="122" name="Google Shape;122;g5780d04fef_0_35:notes"/>
           <p:cNvSpPr txBox="1"/>
           <p:nvPr>
             <p:ph idx="1" type="body"/>
@@ -1189,7 +1192,7 @@
   <p:cSld>
     <p:spTree>
       <p:nvGrpSpPr>
-        <p:cNvPr id="82" name="Shape 82"/>
+        <p:cNvPr id="127" name="Shape 127"/>
         <p:cNvGrpSpPr/>
         <p:nvPr/>
       </p:nvGrpSpPr>
@@ -1203,7 +1206,7 @@
       </p:grpSpPr>
       <p:sp>
         <p:nvSpPr>
-          <p:cNvPr id="83" name="Google Shape;83;g57af43f6ad_1_19:notes"/>
+          <p:cNvPr id="128" name="Google Shape;128;g5840129ff4_0_0:notes"/>
           <p:cNvSpPr/>
           <p:nvPr>
             <p:ph idx="2" type="sldImg"/>
@@ -1238,7 +1241,237 @@
       </p:sp>
       <p:sp>
         <p:nvSpPr>
-          <p:cNvPr id="84" name="Google Shape;84;g57af43f6ad_1_19:notes"/>
+          <p:cNvPr id="129" name="Google Shape;129;g5840129ff4_0_0:notes"/>
+          <p:cNvSpPr txBox="1"/>
+          <p:nvPr>
+            <p:ph idx="1" type="body"/>
+          </p:nvPr>
+        </p:nvSpPr>
+        <p:spPr>
+          <a:xfrm>
+            <a:off x="685800" y="4343400"/>
+            <a:ext cx="5486400" cy="4114800"/>
+          </a:xfrm>
+          <a:prstGeom prst="rect">
+            <a:avLst/>
+          </a:prstGeom>
+        </p:spPr>
+        <p:txBody>
+          <a:bodyPr anchorCtr="0" anchor="t" bIns="91425" lIns="91425" spcFirstLastPara="1" rIns="91425" wrap="square" tIns="91425">
+            <a:noAutofit/>
+          </a:bodyPr>
+          <a:lstStyle/>
+          <a:p>
+            <a:pPr indent="0" lvl="0" marL="0" rtl="0" algn="l">
+              <a:spcBef>
+                <a:spcPts val="0"/>
+              </a:spcBef>
+              <a:spcAft>
+                <a:spcPts val="0"/>
+              </a:spcAft>
+              <a:buNone/>
+            </a:pPr>
+            <a:r>
+              <a:rPr lang="en"/>
+              <a:t>Genetic dependencies in cancer cell lines can give drug targets. More broadly, genetic dependency profiles give us genome-wide signatures that we and others have shown are highly informative of gene function. In practice, this typically involves taking the Pearson correlation between pairs of genetic dependency profiles.</a:t>
+            </a:r>
+            <a:endParaRPr/>
+          </a:p>
+          <a:p>
+            <a:pPr indent="0" lvl="0" marL="0" rtl="0" algn="l">
+              <a:spcBef>
+                <a:spcPts val="0"/>
+              </a:spcBef>
+              <a:spcAft>
+                <a:spcPts val="0"/>
+              </a:spcAft>
+              <a:buNone/>
+            </a:pPr>
+            <a:r>
+              <a:t/>
+            </a:r>
+            <a:endParaRPr/>
+          </a:p>
+        </p:txBody>
+      </p:sp>
+    </p:spTree>
+  </p:cSld>
+  <p:clrMapOvr>
+    <a:masterClrMapping/>
+  </p:clrMapOvr>
+</p:notes>
+</file>
+
+<file path=ppt/notesSlides/notesSlide7.xml><?xml version="1.0" encoding="utf-8"?>
+<p:notes xmlns:a="http://schemas.openxmlformats.org/drawingml/2006/main" xmlns:r="http://schemas.openxmlformats.org/officeDocument/2006/relationships" xmlns:mc="http://schemas.openxmlformats.org/markup-compatibility/2006" xmlns:mv="urn:schemas-microsoft-com:mac:vml" xmlns:p="http://schemas.openxmlformats.org/presentationml/2006/main" xmlns:c="http://schemas.openxmlformats.org/drawingml/2006/chart" xmlns:dgm="http://schemas.openxmlformats.org/drawingml/2006/diagram" xmlns:o="urn:schemas-microsoft-com:office:office" xmlns:v="urn:schemas-microsoft-com:vml" xmlns:pvml="urn:schemas-microsoft-com:office:powerpoint" xmlns:com="http://schemas.openxmlformats.org/drawingml/2006/compatibility" xmlns:p14="http://schemas.microsoft.com/office/powerpoint/2010/main" xmlns:p15="http://schemas.microsoft.com/office/powerpoint/2012/main" showMasterPhAnim="0" showMasterSp="0">
+  <p:cSld>
+    <p:spTree>
+      <p:nvGrpSpPr>
+        <p:cNvPr id="135" name="Shape 135"/>
+        <p:cNvGrpSpPr/>
+        <p:nvPr/>
+      </p:nvGrpSpPr>
+      <p:grpSpPr>
+        <a:xfrm>
+          <a:off x="0" y="0"/>
+          <a:ext cx="0" cy="0"/>
+          <a:chOff x="0" y="0"/>
+          <a:chExt cx="0" cy="0"/>
+        </a:xfrm>
+      </p:grpSpPr>
+      <p:sp>
+        <p:nvSpPr>
+          <p:cNvPr id="136" name="Google Shape;136;g5840129ff4_0_54:notes"/>
+          <p:cNvSpPr/>
+          <p:nvPr>
+            <p:ph idx="2" type="sldImg"/>
+          </p:nvPr>
+        </p:nvSpPr>
+        <p:spPr>
+          <a:xfrm>
+            <a:off x="381300" y="685800"/>
+            <a:ext cx="6096000" cy="3429000"/>
+          </a:xfrm>
+          <a:custGeom>
+            <a:rect b="b" l="l" r="r" t="t"/>
+            <a:pathLst>
+              <a:path extrusionOk="0" h="120000" w="120000">
+                <a:moveTo>
+                  <a:pt x="0" y="0"/>
+                </a:moveTo>
+                <a:lnTo>
+                  <a:pt x="120000" y="0"/>
+                </a:lnTo>
+                <a:lnTo>
+                  <a:pt x="120000" y="120000"/>
+                </a:lnTo>
+                <a:lnTo>
+                  <a:pt x="0" y="120000"/>
+                </a:lnTo>
+                <a:close/>
+              </a:path>
+            </a:pathLst>
+          </a:custGeom>
+        </p:spPr>
+      </p:sp>
+      <p:sp>
+        <p:nvSpPr>
+          <p:cNvPr id="137" name="Google Shape;137;g5840129ff4_0_54:notes"/>
+          <p:cNvSpPr txBox="1"/>
+          <p:nvPr>
+            <p:ph idx="1" type="body"/>
+          </p:nvPr>
+        </p:nvSpPr>
+        <p:spPr>
+          <a:xfrm>
+            <a:off x="685800" y="4343400"/>
+            <a:ext cx="5486400" cy="4114800"/>
+          </a:xfrm>
+          <a:prstGeom prst="rect">
+            <a:avLst/>
+          </a:prstGeom>
+        </p:spPr>
+        <p:txBody>
+          <a:bodyPr anchorCtr="0" anchor="t" bIns="91425" lIns="91425" spcFirstLastPara="1" rIns="91425" wrap="square" tIns="91425">
+            <a:noAutofit/>
+          </a:bodyPr>
+          <a:lstStyle/>
+          <a:p>
+            <a:pPr indent="0" lvl="0" marL="0" rtl="0" algn="l">
+              <a:spcBef>
+                <a:spcPts val="0"/>
+              </a:spcBef>
+              <a:spcAft>
+                <a:spcPts val="0"/>
+              </a:spcAft>
+              <a:buNone/>
+            </a:pPr>
+            <a:r>
+              <a:rPr lang="en"/>
+              <a:t>Genetic dependencies in cancer cell lines can give drug targets. More broadly, genetic dependency profiles give us genome-wide signatures that we and others have shown are highly informative of gene function. In practice, this typically involves taking the Pearson correlation between pairs of genetic dependency profiles.</a:t>
+            </a:r>
+            <a:endParaRPr/>
+          </a:p>
+          <a:p>
+            <a:pPr indent="0" lvl="0" marL="0" rtl="0" algn="l">
+              <a:spcBef>
+                <a:spcPts val="0"/>
+              </a:spcBef>
+              <a:spcAft>
+                <a:spcPts val="0"/>
+              </a:spcAft>
+              <a:buNone/>
+            </a:pPr>
+            <a:r>
+              <a:t/>
+            </a:r>
+            <a:endParaRPr/>
+          </a:p>
+        </p:txBody>
+      </p:sp>
+    </p:spTree>
+  </p:cSld>
+  <p:clrMapOvr>
+    <a:masterClrMapping/>
+  </p:clrMapOvr>
+</p:notes>
+</file>
+
+<file path=ppt/notesSlides/notesSlide8.xml><?xml version="1.0" encoding="utf-8"?>
+<p:notes xmlns:a="http://schemas.openxmlformats.org/drawingml/2006/main" xmlns:r="http://schemas.openxmlformats.org/officeDocument/2006/relationships" xmlns:mc="http://schemas.openxmlformats.org/markup-compatibility/2006" xmlns:mv="urn:schemas-microsoft-com:mac:vml" xmlns:p="http://schemas.openxmlformats.org/presentationml/2006/main" xmlns:c="http://schemas.openxmlformats.org/drawingml/2006/chart" xmlns:dgm="http://schemas.openxmlformats.org/drawingml/2006/diagram" xmlns:o="urn:schemas-microsoft-com:office:office" xmlns:v="urn:schemas-microsoft-com:vml" xmlns:pvml="urn:schemas-microsoft-com:office:powerpoint" xmlns:com="http://schemas.openxmlformats.org/drawingml/2006/compatibility" xmlns:p14="http://schemas.microsoft.com/office/powerpoint/2010/main" xmlns:p15="http://schemas.microsoft.com/office/powerpoint/2012/main" showMasterPhAnim="0" showMasterSp="0">
+  <p:cSld>
+    <p:spTree>
+      <p:nvGrpSpPr>
+        <p:cNvPr id="142" name="Shape 142"/>
+        <p:cNvGrpSpPr/>
+        <p:nvPr/>
+      </p:nvGrpSpPr>
+      <p:grpSpPr>
+        <a:xfrm>
+          <a:off x="0" y="0"/>
+          <a:ext cx="0" cy="0"/>
+          <a:chOff x="0" y="0"/>
+          <a:chExt cx="0" cy="0"/>
+        </a:xfrm>
+      </p:grpSpPr>
+      <p:sp>
+        <p:nvSpPr>
+          <p:cNvPr id="143" name="Google Shape;143;g57af43f6ad_1_19:notes"/>
+          <p:cNvSpPr/>
+          <p:nvPr>
+            <p:ph idx="2" type="sldImg"/>
+          </p:nvPr>
+        </p:nvSpPr>
+        <p:spPr>
+          <a:xfrm>
+            <a:off x="381300" y="685800"/>
+            <a:ext cx="6096000" cy="3429000"/>
+          </a:xfrm>
+          <a:custGeom>
+            <a:rect b="b" l="l" r="r" t="t"/>
+            <a:pathLst>
+              <a:path extrusionOk="0" h="120000" w="120000">
+                <a:moveTo>
+                  <a:pt x="0" y="0"/>
+                </a:moveTo>
+                <a:lnTo>
+                  <a:pt x="120000" y="0"/>
+                </a:lnTo>
+                <a:lnTo>
+                  <a:pt x="120000" y="120000"/>
+                </a:lnTo>
+                <a:lnTo>
+                  <a:pt x="0" y="120000"/>
+                </a:lnTo>
+                <a:close/>
+              </a:path>
+            </a:pathLst>
+          </a:custGeom>
+        </p:spPr>
+      </p:sp>
+      <p:sp>
+        <p:nvSpPr>
+          <p:cNvPr id="144" name="Google Shape;144;g57af43f6ad_1_19:notes"/>
           <p:cNvSpPr txBox="1"/>
           <p:nvPr>
             <p:ph idx="1" type="body"/>
@@ -2112,6 +2345,2827 @@
 </p:sldLayout>
 </file>
 
+<file path=ppt/slideLayouts/slideLayout12.xml><?xml version="1.0" encoding="utf-8"?>
+<p:sldLayout xmlns:a="http://schemas.openxmlformats.org/drawingml/2006/main" xmlns:r="http://schemas.openxmlformats.org/officeDocument/2006/relationships" xmlns:mc="http://schemas.openxmlformats.org/markup-compatibility/2006" xmlns:mv="urn:schemas-microsoft-com:mac:vml" xmlns:p="http://schemas.openxmlformats.org/presentationml/2006/main" xmlns:c="http://schemas.openxmlformats.org/drawingml/2006/chart" xmlns:dgm="http://schemas.openxmlformats.org/drawingml/2006/diagram" xmlns:o="urn:schemas-microsoft-com:office:office" xmlns:v="urn:schemas-microsoft-com:vml" xmlns:pvml="urn:schemas-microsoft-com:office:powerpoint" xmlns:com="http://schemas.openxmlformats.org/drawingml/2006/compatibility" xmlns:p14="http://schemas.microsoft.com/office/powerpoint/2010/main" xmlns:p15="http://schemas.microsoft.com/office/powerpoint/2012/main" matchingName="Title slide" type="title">
+  <p:cSld name="TITLE">
+    <p:spTree>
+      <p:nvGrpSpPr>
+        <p:cNvPr id="54" name="Shape 54"/>
+        <p:cNvGrpSpPr/>
+        <p:nvPr/>
+      </p:nvGrpSpPr>
+      <p:grpSpPr>
+        <a:xfrm>
+          <a:off x="0" y="0"/>
+          <a:ext cx="0" cy="0"/>
+          <a:chOff x="0" y="0"/>
+          <a:chExt cx="0" cy="0"/>
+        </a:xfrm>
+      </p:grpSpPr>
+      <p:sp>
+        <p:nvSpPr>
+          <p:cNvPr id="55" name="Google Shape;55;p14"/>
+          <p:cNvSpPr txBox="1"/>
+          <p:nvPr>
+            <p:ph type="ctrTitle"/>
+          </p:nvPr>
+        </p:nvSpPr>
+        <p:spPr>
+          <a:xfrm>
+            <a:off x="311708" y="744575"/>
+            <a:ext cx="8520600" cy="2052600"/>
+          </a:xfrm>
+          <a:prstGeom prst="rect">
+            <a:avLst/>
+          </a:prstGeom>
+        </p:spPr>
+        <p:txBody>
+          <a:bodyPr anchorCtr="0" anchor="b" bIns="91425" lIns="91425" spcFirstLastPara="1" rIns="91425" wrap="square" tIns="91425"/>
+          <a:lstStyle>
+            <a:lvl1pPr lvl="0" rtl="0" algn="ctr">
+              <a:spcBef>
+                <a:spcPts val="0"/>
+              </a:spcBef>
+              <a:spcAft>
+                <a:spcPts val="0"/>
+              </a:spcAft>
+              <a:buSzPts val="5200"/>
+              <a:buNone/>
+              <a:defRPr sz="5200"/>
+            </a:lvl1pPr>
+            <a:lvl2pPr lvl="1" rtl="0" algn="ctr">
+              <a:spcBef>
+                <a:spcPts val="0"/>
+              </a:spcBef>
+              <a:spcAft>
+                <a:spcPts val="0"/>
+              </a:spcAft>
+              <a:buSzPts val="5200"/>
+              <a:buNone/>
+              <a:defRPr sz="5200"/>
+            </a:lvl2pPr>
+            <a:lvl3pPr lvl="2" rtl="0" algn="ctr">
+              <a:spcBef>
+                <a:spcPts val="0"/>
+              </a:spcBef>
+              <a:spcAft>
+                <a:spcPts val="0"/>
+              </a:spcAft>
+              <a:buSzPts val="5200"/>
+              <a:buNone/>
+              <a:defRPr sz="5200"/>
+            </a:lvl3pPr>
+            <a:lvl4pPr lvl="3" rtl="0" algn="ctr">
+              <a:spcBef>
+                <a:spcPts val="0"/>
+              </a:spcBef>
+              <a:spcAft>
+                <a:spcPts val="0"/>
+              </a:spcAft>
+              <a:buSzPts val="5200"/>
+              <a:buNone/>
+              <a:defRPr sz="5200"/>
+            </a:lvl4pPr>
+            <a:lvl5pPr lvl="4" rtl="0" algn="ctr">
+              <a:spcBef>
+                <a:spcPts val="0"/>
+              </a:spcBef>
+              <a:spcAft>
+                <a:spcPts val="0"/>
+              </a:spcAft>
+              <a:buSzPts val="5200"/>
+              <a:buNone/>
+              <a:defRPr sz="5200"/>
+            </a:lvl5pPr>
+            <a:lvl6pPr lvl="5" rtl="0" algn="ctr">
+              <a:spcBef>
+                <a:spcPts val="0"/>
+              </a:spcBef>
+              <a:spcAft>
+                <a:spcPts val="0"/>
+              </a:spcAft>
+              <a:buSzPts val="5200"/>
+              <a:buNone/>
+              <a:defRPr sz="5200"/>
+            </a:lvl6pPr>
+            <a:lvl7pPr lvl="6" rtl="0" algn="ctr">
+              <a:spcBef>
+                <a:spcPts val="0"/>
+              </a:spcBef>
+              <a:spcAft>
+                <a:spcPts val="0"/>
+              </a:spcAft>
+              <a:buSzPts val="5200"/>
+              <a:buNone/>
+              <a:defRPr sz="5200"/>
+            </a:lvl7pPr>
+            <a:lvl8pPr lvl="7" rtl="0" algn="ctr">
+              <a:spcBef>
+                <a:spcPts val="0"/>
+              </a:spcBef>
+              <a:spcAft>
+                <a:spcPts val="0"/>
+              </a:spcAft>
+              <a:buSzPts val="5200"/>
+              <a:buNone/>
+              <a:defRPr sz="5200"/>
+            </a:lvl8pPr>
+            <a:lvl9pPr lvl="8" rtl="0" algn="ctr">
+              <a:spcBef>
+                <a:spcPts val="0"/>
+              </a:spcBef>
+              <a:spcAft>
+                <a:spcPts val="0"/>
+              </a:spcAft>
+              <a:buSzPts val="5200"/>
+              <a:buNone/>
+              <a:defRPr sz="5200"/>
+            </a:lvl9pPr>
+          </a:lstStyle>
+          <a:p/>
+        </p:txBody>
+      </p:sp>
+      <p:sp>
+        <p:nvSpPr>
+          <p:cNvPr id="56" name="Google Shape;56;p14"/>
+          <p:cNvSpPr txBox="1"/>
+          <p:nvPr>
+            <p:ph idx="1" type="subTitle"/>
+          </p:nvPr>
+        </p:nvSpPr>
+        <p:spPr>
+          <a:xfrm>
+            <a:off x="311700" y="2834125"/>
+            <a:ext cx="8520600" cy="792600"/>
+          </a:xfrm>
+          <a:prstGeom prst="rect">
+            <a:avLst/>
+          </a:prstGeom>
+        </p:spPr>
+        <p:txBody>
+          <a:bodyPr anchorCtr="0" anchor="t" bIns="91425" lIns="91425" spcFirstLastPara="1" rIns="91425" wrap="square" tIns="91425"/>
+          <a:lstStyle>
+            <a:lvl1pPr lvl="0" rtl="0" algn="ctr">
+              <a:lnSpc>
+                <a:spcPct val="100000"/>
+              </a:lnSpc>
+              <a:spcBef>
+                <a:spcPts val="0"/>
+              </a:spcBef>
+              <a:spcAft>
+                <a:spcPts val="0"/>
+              </a:spcAft>
+              <a:buSzPts val="2800"/>
+              <a:buNone/>
+              <a:defRPr sz="2800"/>
+            </a:lvl1pPr>
+            <a:lvl2pPr lvl="1" rtl="0" algn="ctr">
+              <a:lnSpc>
+                <a:spcPct val="100000"/>
+              </a:lnSpc>
+              <a:spcBef>
+                <a:spcPts val="0"/>
+              </a:spcBef>
+              <a:spcAft>
+                <a:spcPts val="0"/>
+              </a:spcAft>
+              <a:buSzPts val="2800"/>
+              <a:buNone/>
+              <a:defRPr sz="2800"/>
+            </a:lvl2pPr>
+            <a:lvl3pPr lvl="2" rtl="0" algn="ctr">
+              <a:lnSpc>
+                <a:spcPct val="100000"/>
+              </a:lnSpc>
+              <a:spcBef>
+                <a:spcPts val="0"/>
+              </a:spcBef>
+              <a:spcAft>
+                <a:spcPts val="0"/>
+              </a:spcAft>
+              <a:buSzPts val="2800"/>
+              <a:buNone/>
+              <a:defRPr sz="2800"/>
+            </a:lvl3pPr>
+            <a:lvl4pPr lvl="3" rtl="0" algn="ctr">
+              <a:lnSpc>
+                <a:spcPct val="100000"/>
+              </a:lnSpc>
+              <a:spcBef>
+                <a:spcPts val="0"/>
+              </a:spcBef>
+              <a:spcAft>
+                <a:spcPts val="0"/>
+              </a:spcAft>
+              <a:buSzPts val="2800"/>
+              <a:buNone/>
+              <a:defRPr sz="2800"/>
+            </a:lvl4pPr>
+            <a:lvl5pPr lvl="4" rtl="0" algn="ctr">
+              <a:lnSpc>
+                <a:spcPct val="100000"/>
+              </a:lnSpc>
+              <a:spcBef>
+                <a:spcPts val="0"/>
+              </a:spcBef>
+              <a:spcAft>
+                <a:spcPts val="0"/>
+              </a:spcAft>
+              <a:buSzPts val="2800"/>
+              <a:buNone/>
+              <a:defRPr sz="2800"/>
+            </a:lvl5pPr>
+            <a:lvl6pPr lvl="5" rtl="0" algn="ctr">
+              <a:lnSpc>
+                <a:spcPct val="100000"/>
+              </a:lnSpc>
+              <a:spcBef>
+                <a:spcPts val="0"/>
+              </a:spcBef>
+              <a:spcAft>
+                <a:spcPts val="0"/>
+              </a:spcAft>
+              <a:buSzPts val="2800"/>
+              <a:buNone/>
+              <a:defRPr sz="2800"/>
+            </a:lvl6pPr>
+            <a:lvl7pPr lvl="6" rtl="0" algn="ctr">
+              <a:lnSpc>
+                <a:spcPct val="100000"/>
+              </a:lnSpc>
+              <a:spcBef>
+                <a:spcPts val="0"/>
+              </a:spcBef>
+              <a:spcAft>
+                <a:spcPts val="0"/>
+              </a:spcAft>
+              <a:buSzPts val="2800"/>
+              <a:buNone/>
+              <a:defRPr sz="2800"/>
+            </a:lvl7pPr>
+            <a:lvl8pPr lvl="7" rtl="0" algn="ctr">
+              <a:lnSpc>
+                <a:spcPct val="100000"/>
+              </a:lnSpc>
+              <a:spcBef>
+                <a:spcPts val="0"/>
+              </a:spcBef>
+              <a:spcAft>
+                <a:spcPts val="0"/>
+              </a:spcAft>
+              <a:buSzPts val="2800"/>
+              <a:buNone/>
+              <a:defRPr sz="2800"/>
+            </a:lvl8pPr>
+            <a:lvl9pPr lvl="8" rtl="0" algn="ctr">
+              <a:lnSpc>
+                <a:spcPct val="100000"/>
+              </a:lnSpc>
+              <a:spcBef>
+                <a:spcPts val="0"/>
+              </a:spcBef>
+              <a:spcAft>
+                <a:spcPts val="0"/>
+              </a:spcAft>
+              <a:buSzPts val="2800"/>
+              <a:buNone/>
+              <a:defRPr sz="2800"/>
+            </a:lvl9pPr>
+          </a:lstStyle>
+          <a:p/>
+        </p:txBody>
+      </p:sp>
+      <p:sp>
+        <p:nvSpPr>
+          <p:cNvPr id="57" name="Google Shape;57;p14"/>
+          <p:cNvSpPr txBox="1"/>
+          <p:nvPr>
+            <p:ph idx="12" type="sldNum"/>
+          </p:nvPr>
+        </p:nvSpPr>
+        <p:spPr>
+          <a:xfrm>
+            <a:off x="8472458" y="4663217"/>
+            <a:ext cx="548700" cy="393600"/>
+          </a:xfrm>
+          <a:prstGeom prst="rect">
+            <a:avLst/>
+          </a:prstGeom>
+        </p:spPr>
+        <p:txBody>
+          <a:bodyPr anchorCtr="0" anchor="ctr" bIns="91425" lIns="91425" spcFirstLastPara="1" rIns="91425" wrap="square" tIns="91425">
+            <a:noAutofit/>
+          </a:bodyPr>
+          <a:lstStyle>
+            <a:lvl1pPr lvl="0" rtl="0">
+              <a:buNone/>
+              <a:defRPr/>
+            </a:lvl1pPr>
+            <a:lvl2pPr lvl="1" rtl="0">
+              <a:buNone/>
+              <a:defRPr/>
+            </a:lvl2pPr>
+            <a:lvl3pPr lvl="2" rtl="0">
+              <a:buNone/>
+              <a:defRPr/>
+            </a:lvl3pPr>
+            <a:lvl4pPr lvl="3" rtl="0">
+              <a:buNone/>
+              <a:defRPr/>
+            </a:lvl4pPr>
+            <a:lvl5pPr lvl="4" rtl="0">
+              <a:buNone/>
+              <a:defRPr/>
+            </a:lvl5pPr>
+            <a:lvl6pPr lvl="5" rtl="0">
+              <a:buNone/>
+              <a:defRPr/>
+            </a:lvl6pPr>
+            <a:lvl7pPr lvl="6" rtl="0">
+              <a:buNone/>
+              <a:defRPr/>
+            </a:lvl7pPr>
+            <a:lvl8pPr lvl="7" rtl="0">
+              <a:buNone/>
+              <a:defRPr/>
+            </a:lvl8pPr>
+            <a:lvl9pPr lvl="8" rtl="0">
+              <a:buNone/>
+              <a:defRPr/>
+            </a:lvl9pPr>
+          </a:lstStyle>
+          <a:p>
+            <a:pPr indent="0" lvl="0" marL="0" rtl="0" algn="r">
+              <a:spcBef>
+                <a:spcPts val="0"/>
+              </a:spcBef>
+              <a:spcAft>
+                <a:spcPts val="0"/>
+              </a:spcAft>
+              <a:buNone/>
+            </a:pPr>
+            <a:fld id="{00000000-1234-1234-1234-123412341234}" type="slidenum">
+              <a:rPr lang="en"/>
+              <a:t>‹#›</a:t>
+            </a:fld>
+            <a:endParaRPr/>
+          </a:p>
+        </p:txBody>
+      </p:sp>
+    </p:spTree>
+  </p:cSld>
+  <p:clrMapOvr>
+    <a:masterClrMapping/>
+  </p:clrMapOvr>
+</p:sldLayout>
+</file>
+
+<file path=ppt/slideLayouts/slideLayout13.xml><?xml version="1.0" encoding="utf-8"?>
+<p:sldLayout xmlns:a="http://schemas.openxmlformats.org/drawingml/2006/main" xmlns:r="http://schemas.openxmlformats.org/officeDocument/2006/relationships" xmlns:mc="http://schemas.openxmlformats.org/markup-compatibility/2006" xmlns:mv="urn:schemas-microsoft-com:mac:vml" xmlns:p="http://schemas.openxmlformats.org/presentationml/2006/main" xmlns:c="http://schemas.openxmlformats.org/drawingml/2006/chart" xmlns:dgm="http://schemas.openxmlformats.org/drawingml/2006/diagram" xmlns:o="urn:schemas-microsoft-com:office:office" xmlns:v="urn:schemas-microsoft-com:vml" xmlns:pvml="urn:schemas-microsoft-com:office:powerpoint" xmlns:com="http://schemas.openxmlformats.org/drawingml/2006/compatibility" xmlns:p14="http://schemas.microsoft.com/office/powerpoint/2010/main" xmlns:p15="http://schemas.microsoft.com/office/powerpoint/2012/main" matchingName="Section header" type="secHead">
+  <p:cSld name="SECTION_HEADER">
+    <p:spTree>
+      <p:nvGrpSpPr>
+        <p:cNvPr id="58" name="Shape 58"/>
+        <p:cNvGrpSpPr/>
+        <p:nvPr/>
+      </p:nvGrpSpPr>
+      <p:grpSpPr>
+        <a:xfrm>
+          <a:off x="0" y="0"/>
+          <a:ext cx="0" cy="0"/>
+          <a:chOff x="0" y="0"/>
+          <a:chExt cx="0" cy="0"/>
+        </a:xfrm>
+      </p:grpSpPr>
+      <p:sp>
+        <p:nvSpPr>
+          <p:cNvPr id="59" name="Google Shape;59;p15"/>
+          <p:cNvSpPr txBox="1"/>
+          <p:nvPr>
+            <p:ph type="title"/>
+          </p:nvPr>
+        </p:nvSpPr>
+        <p:spPr>
+          <a:xfrm>
+            <a:off x="311700" y="2150850"/>
+            <a:ext cx="8520600" cy="841800"/>
+          </a:xfrm>
+          <a:prstGeom prst="rect">
+            <a:avLst/>
+          </a:prstGeom>
+        </p:spPr>
+        <p:txBody>
+          <a:bodyPr anchorCtr="0" anchor="ctr" bIns="91425" lIns="91425" spcFirstLastPara="1" rIns="91425" wrap="square" tIns="91425"/>
+          <a:lstStyle>
+            <a:lvl1pPr lvl="0" rtl="0" algn="ctr">
+              <a:spcBef>
+                <a:spcPts val="0"/>
+              </a:spcBef>
+              <a:spcAft>
+                <a:spcPts val="0"/>
+              </a:spcAft>
+              <a:buSzPts val="3600"/>
+              <a:buNone/>
+              <a:defRPr sz="3600"/>
+            </a:lvl1pPr>
+            <a:lvl2pPr lvl="1" rtl="0" algn="ctr">
+              <a:spcBef>
+                <a:spcPts val="0"/>
+              </a:spcBef>
+              <a:spcAft>
+                <a:spcPts val="0"/>
+              </a:spcAft>
+              <a:buSzPts val="3600"/>
+              <a:buNone/>
+              <a:defRPr sz="3600"/>
+            </a:lvl2pPr>
+            <a:lvl3pPr lvl="2" rtl="0" algn="ctr">
+              <a:spcBef>
+                <a:spcPts val="0"/>
+              </a:spcBef>
+              <a:spcAft>
+                <a:spcPts val="0"/>
+              </a:spcAft>
+              <a:buSzPts val="3600"/>
+              <a:buNone/>
+              <a:defRPr sz="3600"/>
+            </a:lvl3pPr>
+            <a:lvl4pPr lvl="3" rtl="0" algn="ctr">
+              <a:spcBef>
+                <a:spcPts val="0"/>
+              </a:spcBef>
+              <a:spcAft>
+                <a:spcPts val="0"/>
+              </a:spcAft>
+              <a:buSzPts val="3600"/>
+              <a:buNone/>
+              <a:defRPr sz="3600"/>
+            </a:lvl4pPr>
+            <a:lvl5pPr lvl="4" rtl="0" algn="ctr">
+              <a:spcBef>
+                <a:spcPts val="0"/>
+              </a:spcBef>
+              <a:spcAft>
+                <a:spcPts val="0"/>
+              </a:spcAft>
+              <a:buSzPts val="3600"/>
+              <a:buNone/>
+              <a:defRPr sz="3600"/>
+            </a:lvl5pPr>
+            <a:lvl6pPr lvl="5" rtl="0" algn="ctr">
+              <a:spcBef>
+                <a:spcPts val="0"/>
+              </a:spcBef>
+              <a:spcAft>
+                <a:spcPts val="0"/>
+              </a:spcAft>
+              <a:buSzPts val="3600"/>
+              <a:buNone/>
+              <a:defRPr sz="3600"/>
+            </a:lvl6pPr>
+            <a:lvl7pPr lvl="6" rtl="0" algn="ctr">
+              <a:spcBef>
+                <a:spcPts val="0"/>
+              </a:spcBef>
+              <a:spcAft>
+                <a:spcPts val="0"/>
+              </a:spcAft>
+              <a:buSzPts val="3600"/>
+              <a:buNone/>
+              <a:defRPr sz="3600"/>
+            </a:lvl7pPr>
+            <a:lvl8pPr lvl="7" rtl="0" algn="ctr">
+              <a:spcBef>
+                <a:spcPts val="0"/>
+              </a:spcBef>
+              <a:spcAft>
+                <a:spcPts val="0"/>
+              </a:spcAft>
+              <a:buSzPts val="3600"/>
+              <a:buNone/>
+              <a:defRPr sz="3600"/>
+            </a:lvl8pPr>
+            <a:lvl9pPr lvl="8" rtl="0" algn="ctr">
+              <a:spcBef>
+                <a:spcPts val="0"/>
+              </a:spcBef>
+              <a:spcAft>
+                <a:spcPts val="0"/>
+              </a:spcAft>
+              <a:buSzPts val="3600"/>
+              <a:buNone/>
+              <a:defRPr sz="3600"/>
+            </a:lvl9pPr>
+          </a:lstStyle>
+          <a:p/>
+        </p:txBody>
+      </p:sp>
+      <p:sp>
+        <p:nvSpPr>
+          <p:cNvPr id="60" name="Google Shape;60;p15"/>
+          <p:cNvSpPr txBox="1"/>
+          <p:nvPr>
+            <p:ph idx="12" type="sldNum"/>
+          </p:nvPr>
+        </p:nvSpPr>
+        <p:spPr>
+          <a:xfrm>
+            <a:off x="8472458" y="4663217"/>
+            <a:ext cx="548700" cy="393600"/>
+          </a:xfrm>
+          <a:prstGeom prst="rect">
+            <a:avLst/>
+          </a:prstGeom>
+        </p:spPr>
+        <p:txBody>
+          <a:bodyPr anchorCtr="0" anchor="ctr" bIns="91425" lIns="91425" spcFirstLastPara="1" rIns="91425" wrap="square" tIns="91425">
+            <a:noAutofit/>
+          </a:bodyPr>
+          <a:lstStyle>
+            <a:lvl1pPr lvl="0" rtl="0">
+              <a:buNone/>
+              <a:defRPr/>
+            </a:lvl1pPr>
+            <a:lvl2pPr lvl="1" rtl="0">
+              <a:buNone/>
+              <a:defRPr/>
+            </a:lvl2pPr>
+            <a:lvl3pPr lvl="2" rtl="0">
+              <a:buNone/>
+              <a:defRPr/>
+            </a:lvl3pPr>
+            <a:lvl4pPr lvl="3" rtl="0">
+              <a:buNone/>
+              <a:defRPr/>
+            </a:lvl4pPr>
+            <a:lvl5pPr lvl="4" rtl="0">
+              <a:buNone/>
+              <a:defRPr/>
+            </a:lvl5pPr>
+            <a:lvl6pPr lvl="5" rtl="0">
+              <a:buNone/>
+              <a:defRPr/>
+            </a:lvl6pPr>
+            <a:lvl7pPr lvl="6" rtl="0">
+              <a:buNone/>
+              <a:defRPr/>
+            </a:lvl7pPr>
+            <a:lvl8pPr lvl="7" rtl="0">
+              <a:buNone/>
+              <a:defRPr/>
+            </a:lvl8pPr>
+            <a:lvl9pPr lvl="8" rtl="0">
+              <a:buNone/>
+              <a:defRPr/>
+            </a:lvl9pPr>
+          </a:lstStyle>
+          <a:p>
+            <a:pPr indent="0" lvl="0" marL="0" rtl="0" algn="r">
+              <a:spcBef>
+                <a:spcPts val="0"/>
+              </a:spcBef>
+              <a:spcAft>
+                <a:spcPts val="0"/>
+              </a:spcAft>
+              <a:buNone/>
+            </a:pPr>
+            <a:fld id="{00000000-1234-1234-1234-123412341234}" type="slidenum">
+              <a:rPr lang="en"/>
+              <a:t>‹#›</a:t>
+            </a:fld>
+            <a:endParaRPr/>
+          </a:p>
+        </p:txBody>
+      </p:sp>
+    </p:spTree>
+  </p:cSld>
+  <p:clrMapOvr>
+    <a:masterClrMapping/>
+  </p:clrMapOvr>
+</p:sldLayout>
+</file>
+
+<file path=ppt/slideLayouts/slideLayout14.xml><?xml version="1.0" encoding="utf-8"?>
+<p:sldLayout xmlns:a="http://schemas.openxmlformats.org/drawingml/2006/main" xmlns:r="http://schemas.openxmlformats.org/officeDocument/2006/relationships" xmlns:mc="http://schemas.openxmlformats.org/markup-compatibility/2006" xmlns:mv="urn:schemas-microsoft-com:mac:vml" xmlns:p="http://schemas.openxmlformats.org/presentationml/2006/main" xmlns:c="http://schemas.openxmlformats.org/drawingml/2006/chart" xmlns:dgm="http://schemas.openxmlformats.org/drawingml/2006/diagram" xmlns:o="urn:schemas-microsoft-com:office:office" xmlns:v="urn:schemas-microsoft-com:vml" xmlns:pvml="urn:schemas-microsoft-com:office:powerpoint" xmlns:com="http://schemas.openxmlformats.org/drawingml/2006/compatibility" xmlns:p14="http://schemas.microsoft.com/office/powerpoint/2010/main" xmlns:p15="http://schemas.microsoft.com/office/powerpoint/2012/main" matchingName="Title and body" type="tx">
+  <p:cSld name="TITLE_AND_BODY">
+    <p:spTree>
+      <p:nvGrpSpPr>
+        <p:cNvPr id="61" name="Shape 61"/>
+        <p:cNvGrpSpPr/>
+        <p:nvPr/>
+      </p:nvGrpSpPr>
+      <p:grpSpPr>
+        <a:xfrm>
+          <a:off x="0" y="0"/>
+          <a:ext cx="0" cy="0"/>
+          <a:chOff x="0" y="0"/>
+          <a:chExt cx="0" cy="0"/>
+        </a:xfrm>
+      </p:grpSpPr>
+      <p:sp>
+        <p:nvSpPr>
+          <p:cNvPr id="62" name="Google Shape;62;p16"/>
+          <p:cNvSpPr txBox="1"/>
+          <p:nvPr>
+            <p:ph type="title"/>
+          </p:nvPr>
+        </p:nvSpPr>
+        <p:spPr>
+          <a:xfrm>
+            <a:off x="311700" y="445025"/>
+            <a:ext cx="8520600" cy="572700"/>
+          </a:xfrm>
+          <a:prstGeom prst="rect">
+            <a:avLst/>
+          </a:prstGeom>
+        </p:spPr>
+        <p:txBody>
+          <a:bodyPr anchorCtr="0" anchor="t" bIns="91425" lIns="91425" spcFirstLastPara="1" rIns="91425" wrap="square" tIns="91425"/>
+          <a:lstStyle>
+            <a:lvl1pPr lvl="0" rtl="0">
+              <a:spcBef>
+                <a:spcPts val="0"/>
+              </a:spcBef>
+              <a:spcAft>
+                <a:spcPts val="0"/>
+              </a:spcAft>
+              <a:buSzPts val="2800"/>
+              <a:buNone/>
+              <a:defRPr/>
+            </a:lvl1pPr>
+            <a:lvl2pPr lvl="1" rtl="0">
+              <a:spcBef>
+                <a:spcPts val="0"/>
+              </a:spcBef>
+              <a:spcAft>
+                <a:spcPts val="0"/>
+              </a:spcAft>
+              <a:buSzPts val="2800"/>
+              <a:buNone/>
+              <a:defRPr/>
+            </a:lvl2pPr>
+            <a:lvl3pPr lvl="2" rtl="0">
+              <a:spcBef>
+                <a:spcPts val="0"/>
+              </a:spcBef>
+              <a:spcAft>
+                <a:spcPts val="0"/>
+              </a:spcAft>
+              <a:buSzPts val="2800"/>
+              <a:buNone/>
+              <a:defRPr/>
+            </a:lvl3pPr>
+            <a:lvl4pPr lvl="3" rtl="0">
+              <a:spcBef>
+                <a:spcPts val="0"/>
+              </a:spcBef>
+              <a:spcAft>
+                <a:spcPts val="0"/>
+              </a:spcAft>
+              <a:buSzPts val="2800"/>
+              <a:buNone/>
+              <a:defRPr/>
+            </a:lvl4pPr>
+            <a:lvl5pPr lvl="4" rtl="0">
+              <a:spcBef>
+                <a:spcPts val="0"/>
+              </a:spcBef>
+              <a:spcAft>
+                <a:spcPts val="0"/>
+              </a:spcAft>
+              <a:buSzPts val="2800"/>
+              <a:buNone/>
+              <a:defRPr/>
+            </a:lvl5pPr>
+            <a:lvl6pPr lvl="5" rtl="0">
+              <a:spcBef>
+                <a:spcPts val="0"/>
+              </a:spcBef>
+              <a:spcAft>
+                <a:spcPts val="0"/>
+              </a:spcAft>
+              <a:buSzPts val="2800"/>
+              <a:buNone/>
+              <a:defRPr/>
+            </a:lvl6pPr>
+            <a:lvl7pPr lvl="6" rtl="0">
+              <a:spcBef>
+                <a:spcPts val="0"/>
+              </a:spcBef>
+              <a:spcAft>
+                <a:spcPts val="0"/>
+              </a:spcAft>
+              <a:buSzPts val="2800"/>
+              <a:buNone/>
+              <a:defRPr/>
+            </a:lvl7pPr>
+            <a:lvl8pPr lvl="7" rtl="0">
+              <a:spcBef>
+                <a:spcPts val="0"/>
+              </a:spcBef>
+              <a:spcAft>
+                <a:spcPts val="0"/>
+              </a:spcAft>
+              <a:buSzPts val="2800"/>
+              <a:buNone/>
+              <a:defRPr/>
+            </a:lvl8pPr>
+            <a:lvl9pPr lvl="8" rtl="0">
+              <a:spcBef>
+                <a:spcPts val="0"/>
+              </a:spcBef>
+              <a:spcAft>
+                <a:spcPts val="0"/>
+              </a:spcAft>
+              <a:buSzPts val="2800"/>
+              <a:buNone/>
+              <a:defRPr/>
+            </a:lvl9pPr>
+          </a:lstStyle>
+          <a:p/>
+        </p:txBody>
+      </p:sp>
+      <p:sp>
+        <p:nvSpPr>
+          <p:cNvPr id="63" name="Google Shape;63;p16"/>
+          <p:cNvSpPr txBox="1"/>
+          <p:nvPr>
+            <p:ph idx="1" type="body"/>
+          </p:nvPr>
+        </p:nvSpPr>
+        <p:spPr>
+          <a:xfrm>
+            <a:off x="311700" y="1152475"/>
+            <a:ext cx="8520600" cy="3416400"/>
+          </a:xfrm>
+          <a:prstGeom prst="rect">
+            <a:avLst/>
+          </a:prstGeom>
+        </p:spPr>
+        <p:txBody>
+          <a:bodyPr anchorCtr="0" anchor="t" bIns="91425" lIns="91425" spcFirstLastPara="1" rIns="91425" wrap="square" tIns="91425"/>
+          <a:lstStyle>
+            <a:lvl1pPr indent="-342900" lvl="0" marL="457200" rtl="0">
+              <a:spcBef>
+                <a:spcPts val="0"/>
+              </a:spcBef>
+              <a:spcAft>
+                <a:spcPts val="0"/>
+              </a:spcAft>
+              <a:buSzPts val="1800"/>
+              <a:buChar char="●"/>
+              <a:defRPr/>
+            </a:lvl1pPr>
+            <a:lvl2pPr indent="-317500" lvl="1" marL="914400" rtl="0">
+              <a:spcBef>
+                <a:spcPts val="1600"/>
+              </a:spcBef>
+              <a:spcAft>
+                <a:spcPts val="0"/>
+              </a:spcAft>
+              <a:buSzPts val="1400"/>
+              <a:buChar char="○"/>
+              <a:defRPr/>
+            </a:lvl2pPr>
+            <a:lvl3pPr indent="-317500" lvl="2" marL="1371600" rtl="0">
+              <a:spcBef>
+                <a:spcPts val="1600"/>
+              </a:spcBef>
+              <a:spcAft>
+                <a:spcPts val="0"/>
+              </a:spcAft>
+              <a:buSzPts val="1400"/>
+              <a:buChar char="■"/>
+              <a:defRPr/>
+            </a:lvl3pPr>
+            <a:lvl4pPr indent="-317500" lvl="3" marL="1828800" rtl="0">
+              <a:spcBef>
+                <a:spcPts val="1600"/>
+              </a:spcBef>
+              <a:spcAft>
+                <a:spcPts val="0"/>
+              </a:spcAft>
+              <a:buSzPts val="1400"/>
+              <a:buChar char="●"/>
+              <a:defRPr/>
+            </a:lvl4pPr>
+            <a:lvl5pPr indent="-317500" lvl="4" marL="2286000" rtl="0">
+              <a:spcBef>
+                <a:spcPts val="1600"/>
+              </a:spcBef>
+              <a:spcAft>
+                <a:spcPts val="0"/>
+              </a:spcAft>
+              <a:buSzPts val="1400"/>
+              <a:buChar char="○"/>
+              <a:defRPr/>
+            </a:lvl5pPr>
+            <a:lvl6pPr indent="-317500" lvl="5" marL="2743200" rtl="0">
+              <a:spcBef>
+                <a:spcPts val="1600"/>
+              </a:spcBef>
+              <a:spcAft>
+                <a:spcPts val="0"/>
+              </a:spcAft>
+              <a:buSzPts val="1400"/>
+              <a:buChar char="■"/>
+              <a:defRPr/>
+            </a:lvl6pPr>
+            <a:lvl7pPr indent="-317500" lvl="6" marL="3200400" rtl="0">
+              <a:spcBef>
+                <a:spcPts val="1600"/>
+              </a:spcBef>
+              <a:spcAft>
+                <a:spcPts val="0"/>
+              </a:spcAft>
+              <a:buSzPts val="1400"/>
+              <a:buChar char="●"/>
+              <a:defRPr/>
+            </a:lvl7pPr>
+            <a:lvl8pPr indent="-317500" lvl="7" marL="3657600" rtl="0">
+              <a:spcBef>
+                <a:spcPts val="1600"/>
+              </a:spcBef>
+              <a:spcAft>
+                <a:spcPts val="0"/>
+              </a:spcAft>
+              <a:buSzPts val="1400"/>
+              <a:buChar char="○"/>
+              <a:defRPr/>
+            </a:lvl8pPr>
+            <a:lvl9pPr indent="-317500" lvl="8" marL="4114800" rtl="0">
+              <a:spcBef>
+                <a:spcPts val="1600"/>
+              </a:spcBef>
+              <a:spcAft>
+                <a:spcPts val="1600"/>
+              </a:spcAft>
+              <a:buSzPts val="1400"/>
+              <a:buChar char="■"/>
+              <a:defRPr/>
+            </a:lvl9pPr>
+          </a:lstStyle>
+          <a:p/>
+        </p:txBody>
+      </p:sp>
+      <p:sp>
+        <p:nvSpPr>
+          <p:cNvPr id="64" name="Google Shape;64;p16"/>
+          <p:cNvSpPr txBox="1"/>
+          <p:nvPr>
+            <p:ph idx="12" type="sldNum"/>
+          </p:nvPr>
+        </p:nvSpPr>
+        <p:spPr>
+          <a:xfrm>
+            <a:off x="8472458" y="4663217"/>
+            <a:ext cx="548700" cy="393600"/>
+          </a:xfrm>
+          <a:prstGeom prst="rect">
+            <a:avLst/>
+          </a:prstGeom>
+        </p:spPr>
+        <p:txBody>
+          <a:bodyPr anchorCtr="0" anchor="ctr" bIns="91425" lIns="91425" spcFirstLastPara="1" rIns="91425" wrap="square" tIns="91425">
+            <a:noAutofit/>
+          </a:bodyPr>
+          <a:lstStyle>
+            <a:lvl1pPr lvl="0" rtl="0">
+              <a:buNone/>
+              <a:defRPr/>
+            </a:lvl1pPr>
+            <a:lvl2pPr lvl="1" rtl="0">
+              <a:buNone/>
+              <a:defRPr/>
+            </a:lvl2pPr>
+            <a:lvl3pPr lvl="2" rtl="0">
+              <a:buNone/>
+              <a:defRPr/>
+            </a:lvl3pPr>
+            <a:lvl4pPr lvl="3" rtl="0">
+              <a:buNone/>
+              <a:defRPr/>
+            </a:lvl4pPr>
+            <a:lvl5pPr lvl="4" rtl="0">
+              <a:buNone/>
+              <a:defRPr/>
+            </a:lvl5pPr>
+            <a:lvl6pPr lvl="5" rtl="0">
+              <a:buNone/>
+              <a:defRPr/>
+            </a:lvl6pPr>
+            <a:lvl7pPr lvl="6" rtl="0">
+              <a:buNone/>
+              <a:defRPr/>
+            </a:lvl7pPr>
+            <a:lvl8pPr lvl="7" rtl="0">
+              <a:buNone/>
+              <a:defRPr/>
+            </a:lvl8pPr>
+            <a:lvl9pPr lvl="8" rtl="0">
+              <a:buNone/>
+              <a:defRPr/>
+            </a:lvl9pPr>
+          </a:lstStyle>
+          <a:p>
+            <a:pPr indent="0" lvl="0" marL="0" rtl="0" algn="r">
+              <a:spcBef>
+                <a:spcPts val="0"/>
+              </a:spcBef>
+              <a:spcAft>
+                <a:spcPts val="0"/>
+              </a:spcAft>
+              <a:buNone/>
+            </a:pPr>
+            <a:fld id="{00000000-1234-1234-1234-123412341234}" type="slidenum">
+              <a:rPr lang="en"/>
+              <a:t>‹#›</a:t>
+            </a:fld>
+            <a:endParaRPr/>
+          </a:p>
+        </p:txBody>
+      </p:sp>
+    </p:spTree>
+  </p:cSld>
+  <p:clrMapOvr>
+    <a:masterClrMapping/>
+  </p:clrMapOvr>
+</p:sldLayout>
+</file>
+
+<file path=ppt/slideLayouts/slideLayout15.xml><?xml version="1.0" encoding="utf-8"?>
+<p:sldLayout xmlns:a="http://schemas.openxmlformats.org/drawingml/2006/main" xmlns:r="http://schemas.openxmlformats.org/officeDocument/2006/relationships" xmlns:mc="http://schemas.openxmlformats.org/markup-compatibility/2006" xmlns:mv="urn:schemas-microsoft-com:mac:vml" xmlns:p="http://schemas.openxmlformats.org/presentationml/2006/main" xmlns:c="http://schemas.openxmlformats.org/drawingml/2006/chart" xmlns:dgm="http://schemas.openxmlformats.org/drawingml/2006/diagram" xmlns:o="urn:schemas-microsoft-com:office:office" xmlns:v="urn:schemas-microsoft-com:vml" xmlns:pvml="urn:schemas-microsoft-com:office:powerpoint" xmlns:com="http://schemas.openxmlformats.org/drawingml/2006/compatibility" xmlns:p14="http://schemas.microsoft.com/office/powerpoint/2010/main" xmlns:p15="http://schemas.microsoft.com/office/powerpoint/2012/main" matchingName="Title and two columns" type="twoColTx">
+  <p:cSld name="TITLE_AND_TWO_COLUMNS">
+    <p:spTree>
+      <p:nvGrpSpPr>
+        <p:cNvPr id="65" name="Shape 65"/>
+        <p:cNvGrpSpPr/>
+        <p:nvPr/>
+      </p:nvGrpSpPr>
+      <p:grpSpPr>
+        <a:xfrm>
+          <a:off x="0" y="0"/>
+          <a:ext cx="0" cy="0"/>
+          <a:chOff x="0" y="0"/>
+          <a:chExt cx="0" cy="0"/>
+        </a:xfrm>
+      </p:grpSpPr>
+      <p:sp>
+        <p:nvSpPr>
+          <p:cNvPr id="66" name="Google Shape;66;p17"/>
+          <p:cNvSpPr txBox="1"/>
+          <p:nvPr>
+            <p:ph type="title"/>
+          </p:nvPr>
+        </p:nvSpPr>
+        <p:spPr>
+          <a:xfrm>
+            <a:off x="311700" y="445025"/>
+            <a:ext cx="8520600" cy="572700"/>
+          </a:xfrm>
+          <a:prstGeom prst="rect">
+            <a:avLst/>
+          </a:prstGeom>
+        </p:spPr>
+        <p:txBody>
+          <a:bodyPr anchorCtr="0" anchor="t" bIns="91425" lIns="91425" spcFirstLastPara="1" rIns="91425" wrap="square" tIns="91425"/>
+          <a:lstStyle>
+            <a:lvl1pPr lvl="0" rtl="0">
+              <a:spcBef>
+                <a:spcPts val="0"/>
+              </a:spcBef>
+              <a:spcAft>
+                <a:spcPts val="0"/>
+              </a:spcAft>
+              <a:buSzPts val="2800"/>
+              <a:buNone/>
+              <a:defRPr/>
+            </a:lvl1pPr>
+            <a:lvl2pPr lvl="1" rtl="0">
+              <a:spcBef>
+                <a:spcPts val="0"/>
+              </a:spcBef>
+              <a:spcAft>
+                <a:spcPts val="0"/>
+              </a:spcAft>
+              <a:buSzPts val="2800"/>
+              <a:buNone/>
+              <a:defRPr/>
+            </a:lvl2pPr>
+            <a:lvl3pPr lvl="2" rtl="0">
+              <a:spcBef>
+                <a:spcPts val="0"/>
+              </a:spcBef>
+              <a:spcAft>
+                <a:spcPts val="0"/>
+              </a:spcAft>
+              <a:buSzPts val="2800"/>
+              <a:buNone/>
+              <a:defRPr/>
+            </a:lvl3pPr>
+            <a:lvl4pPr lvl="3" rtl="0">
+              <a:spcBef>
+                <a:spcPts val="0"/>
+              </a:spcBef>
+              <a:spcAft>
+                <a:spcPts val="0"/>
+              </a:spcAft>
+              <a:buSzPts val="2800"/>
+              <a:buNone/>
+              <a:defRPr/>
+            </a:lvl4pPr>
+            <a:lvl5pPr lvl="4" rtl="0">
+              <a:spcBef>
+                <a:spcPts val="0"/>
+              </a:spcBef>
+              <a:spcAft>
+                <a:spcPts val="0"/>
+              </a:spcAft>
+              <a:buSzPts val="2800"/>
+              <a:buNone/>
+              <a:defRPr/>
+            </a:lvl5pPr>
+            <a:lvl6pPr lvl="5" rtl="0">
+              <a:spcBef>
+                <a:spcPts val="0"/>
+              </a:spcBef>
+              <a:spcAft>
+                <a:spcPts val="0"/>
+              </a:spcAft>
+              <a:buSzPts val="2800"/>
+              <a:buNone/>
+              <a:defRPr/>
+            </a:lvl6pPr>
+            <a:lvl7pPr lvl="6" rtl="0">
+              <a:spcBef>
+                <a:spcPts val="0"/>
+              </a:spcBef>
+              <a:spcAft>
+                <a:spcPts val="0"/>
+              </a:spcAft>
+              <a:buSzPts val="2800"/>
+              <a:buNone/>
+              <a:defRPr/>
+            </a:lvl7pPr>
+            <a:lvl8pPr lvl="7" rtl="0">
+              <a:spcBef>
+                <a:spcPts val="0"/>
+              </a:spcBef>
+              <a:spcAft>
+                <a:spcPts val="0"/>
+              </a:spcAft>
+              <a:buSzPts val="2800"/>
+              <a:buNone/>
+              <a:defRPr/>
+            </a:lvl8pPr>
+            <a:lvl9pPr lvl="8" rtl="0">
+              <a:spcBef>
+                <a:spcPts val="0"/>
+              </a:spcBef>
+              <a:spcAft>
+                <a:spcPts val="0"/>
+              </a:spcAft>
+              <a:buSzPts val="2800"/>
+              <a:buNone/>
+              <a:defRPr/>
+            </a:lvl9pPr>
+          </a:lstStyle>
+          <a:p/>
+        </p:txBody>
+      </p:sp>
+      <p:sp>
+        <p:nvSpPr>
+          <p:cNvPr id="67" name="Google Shape;67;p17"/>
+          <p:cNvSpPr txBox="1"/>
+          <p:nvPr>
+            <p:ph idx="1" type="body"/>
+          </p:nvPr>
+        </p:nvSpPr>
+        <p:spPr>
+          <a:xfrm>
+            <a:off x="311700" y="1152475"/>
+            <a:ext cx="3999900" cy="3416400"/>
+          </a:xfrm>
+          <a:prstGeom prst="rect">
+            <a:avLst/>
+          </a:prstGeom>
+        </p:spPr>
+        <p:txBody>
+          <a:bodyPr anchorCtr="0" anchor="t" bIns="91425" lIns="91425" spcFirstLastPara="1" rIns="91425" wrap="square" tIns="91425"/>
+          <a:lstStyle>
+            <a:lvl1pPr indent="-317500" lvl="0" marL="457200" rtl="0">
+              <a:spcBef>
+                <a:spcPts val="0"/>
+              </a:spcBef>
+              <a:spcAft>
+                <a:spcPts val="0"/>
+              </a:spcAft>
+              <a:buSzPts val="1400"/>
+              <a:buChar char="●"/>
+              <a:defRPr sz="1400"/>
+            </a:lvl1pPr>
+            <a:lvl2pPr indent="-304800" lvl="1" marL="914400" rtl="0">
+              <a:spcBef>
+                <a:spcPts val="1600"/>
+              </a:spcBef>
+              <a:spcAft>
+                <a:spcPts val="0"/>
+              </a:spcAft>
+              <a:buSzPts val="1200"/>
+              <a:buChar char="○"/>
+              <a:defRPr sz="1200"/>
+            </a:lvl2pPr>
+            <a:lvl3pPr indent="-304800" lvl="2" marL="1371600" rtl="0">
+              <a:spcBef>
+                <a:spcPts val="1600"/>
+              </a:spcBef>
+              <a:spcAft>
+                <a:spcPts val="0"/>
+              </a:spcAft>
+              <a:buSzPts val="1200"/>
+              <a:buChar char="■"/>
+              <a:defRPr sz="1200"/>
+            </a:lvl3pPr>
+            <a:lvl4pPr indent="-304800" lvl="3" marL="1828800" rtl="0">
+              <a:spcBef>
+                <a:spcPts val="1600"/>
+              </a:spcBef>
+              <a:spcAft>
+                <a:spcPts val="0"/>
+              </a:spcAft>
+              <a:buSzPts val="1200"/>
+              <a:buChar char="●"/>
+              <a:defRPr sz="1200"/>
+            </a:lvl4pPr>
+            <a:lvl5pPr indent="-304800" lvl="4" marL="2286000" rtl="0">
+              <a:spcBef>
+                <a:spcPts val="1600"/>
+              </a:spcBef>
+              <a:spcAft>
+                <a:spcPts val="0"/>
+              </a:spcAft>
+              <a:buSzPts val="1200"/>
+              <a:buChar char="○"/>
+              <a:defRPr sz="1200"/>
+            </a:lvl5pPr>
+            <a:lvl6pPr indent="-304800" lvl="5" marL="2743200" rtl="0">
+              <a:spcBef>
+                <a:spcPts val="1600"/>
+              </a:spcBef>
+              <a:spcAft>
+                <a:spcPts val="0"/>
+              </a:spcAft>
+              <a:buSzPts val="1200"/>
+              <a:buChar char="■"/>
+              <a:defRPr sz="1200"/>
+            </a:lvl6pPr>
+            <a:lvl7pPr indent="-304800" lvl="6" marL="3200400" rtl="0">
+              <a:spcBef>
+                <a:spcPts val="1600"/>
+              </a:spcBef>
+              <a:spcAft>
+                <a:spcPts val="0"/>
+              </a:spcAft>
+              <a:buSzPts val="1200"/>
+              <a:buChar char="●"/>
+              <a:defRPr sz="1200"/>
+            </a:lvl7pPr>
+            <a:lvl8pPr indent="-304800" lvl="7" marL="3657600" rtl="0">
+              <a:spcBef>
+                <a:spcPts val="1600"/>
+              </a:spcBef>
+              <a:spcAft>
+                <a:spcPts val="0"/>
+              </a:spcAft>
+              <a:buSzPts val="1200"/>
+              <a:buChar char="○"/>
+              <a:defRPr sz="1200"/>
+            </a:lvl8pPr>
+            <a:lvl9pPr indent="-304800" lvl="8" marL="4114800" rtl="0">
+              <a:spcBef>
+                <a:spcPts val="1600"/>
+              </a:spcBef>
+              <a:spcAft>
+                <a:spcPts val="1600"/>
+              </a:spcAft>
+              <a:buSzPts val="1200"/>
+              <a:buChar char="■"/>
+              <a:defRPr sz="1200"/>
+            </a:lvl9pPr>
+          </a:lstStyle>
+          <a:p/>
+        </p:txBody>
+      </p:sp>
+      <p:sp>
+        <p:nvSpPr>
+          <p:cNvPr id="68" name="Google Shape;68;p17"/>
+          <p:cNvSpPr txBox="1"/>
+          <p:nvPr>
+            <p:ph idx="2" type="body"/>
+          </p:nvPr>
+        </p:nvSpPr>
+        <p:spPr>
+          <a:xfrm>
+            <a:off x="4832400" y="1152475"/>
+            <a:ext cx="3999900" cy="3416400"/>
+          </a:xfrm>
+          <a:prstGeom prst="rect">
+            <a:avLst/>
+          </a:prstGeom>
+        </p:spPr>
+        <p:txBody>
+          <a:bodyPr anchorCtr="0" anchor="t" bIns="91425" lIns="91425" spcFirstLastPara="1" rIns="91425" wrap="square" tIns="91425"/>
+          <a:lstStyle>
+            <a:lvl1pPr indent="-317500" lvl="0" marL="457200" rtl="0">
+              <a:spcBef>
+                <a:spcPts val="0"/>
+              </a:spcBef>
+              <a:spcAft>
+                <a:spcPts val="0"/>
+              </a:spcAft>
+              <a:buSzPts val="1400"/>
+              <a:buChar char="●"/>
+              <a:defRPr sz="1400"/>
+            </a:lvl1pPr>
+            <a:lvl2pPr indent="-304800" lvl="1" marL="914400" rtl="0">
+              <a:spcBef>
+                <a:spcPts val="1600"/>
+              </a:spcBef>
+              <a:spcAft>
+                <a:spcPts val="0"/>
+              </a:spcAft>
+              <a:buSzPts val="1200"/>
+              <a:buChar char="○"/>
+              <a:defRPr sz="1200"/>
+            </a:lvl2pPr>
+            <a:lvl3pPr indent="-304800" lvl="2" marL="1371600" rtl="0">
+              <a:spcBef>
+                <a:spcPts val="1600"/>
+              </a:spcBef>
+              <a:spcAft>
+                <a:spcPts val="0"/>
+              </a:spcAft>
+              <a:buSzPts val="1200"/>
+              <a:buChar char="■"/>
+              <a:defRPr sz="1200"/>
+            </a:lvl3pPr>
+            <a:lvl4pPr indent="-304800" lvl="3" marL="1828800" rtl="0">
+              <a:spcBef>
+                <a:spcPts val="1600"/>
+              </a:spcBef>
+              <a:spcAft>
+                <a:spcPts val="0"/>
+              </a:spcAft>
+              <a:buSzPts val="1200"/>
+              <a:buChar char="●"/>
+              <a:defRPr sz="1200"/>
+            </a:lvl4pPr>
+            <a:lvl5pPr indent="-304800" lvl="4" marL="2286000" rtl="0">
+              <a:spcBef>
+                <a:spcPts val="1600"/>
+              </a:spcBef>
+              <a:spcAft>
+                <a:spcPts val="0"/>
+              </a:spcAft>
+              <a:buSzPts val="1200"/>
+              <a:buChar char="○"/>
+              <a:defRPr sz="1200"/>
+            </a:lvl5pPr>
+            <a:lvl6pPr indent="-304800" lvl="5" marL="2743200" rtl="0">
+              <a:spcBef>
+                <a:spcPts val="1600"/>
+              </a:spcBef>
+              <a:spcAft>
+                <a:spcPts val="0"/>
+              </a:spcAft>
+              <a:buSzPts val="1200"/>
+              <a:buChar char="■"/>
+              <a:defRPr sz="1200"/>
+            </a:lvl6pPr>
+            <a:lvl7pPr indent="-304800" lvl="6" marL="3200400" rtl="0">
+              <a:spcBef>
+                <a:spcPts val="1600"/>
+              </a:spcBef>
+              <a:spcAft>
+                <a:spcPts val="0"/>
+              </a:spcAft>
+              <a:buSzPts val="1200"/>
+              <a:buChar char="●"/>
+              <a:defRPr sz="1200"/>
+            </a:lvl7pPr>
+            <a:lvl8pPr indent="-304800" lvl="7" marL="3657600" rtl="0">
+              <a:spcBef>
+                <a:spcPts val="1600"/>
+              </a:spcBef>
+              <a:spcAft>
+                <a:spcPts val="0"/>
+              </a:spcAft>
+              <a:buSzPts val="1200"/>
+              <a:buChar char="○"/>
+              <a:defRPr sz="1200"/>
+            </a:lvl8pPr>
+            <a:lvl9pPr indent="-304800" lvl="8" marL="4114800" rtl="0">
+              <a:spcBef>
+                <a:spcPts val="1600"/>
+              </a:spcBef>
+              <a:spcAft>
+                <a:spcPts val="1600"/>
+              </a:spcAft>
+              <a:buSzPts val="1200"/>
+              <a:buChar char="■"/>
+              <a:defRPr sz="1200"/>
+            </a:lvl9pPr>
+          </a:lstStyle>
+          <a:p/>
+        </p:txBody>
+      </p:sp>
+      <p:sp>
+        <p:nvSpPr>
+          <p:cNvPr id="69" name="Google Shape;69;p17"/>
+          <p:cNvSpPr txBox="1"/>
+          <p:nvPr>
+            <p:ph idx="12" type="sldNum"/>
+          </p:nvPr>
+        </p:nvSpPr>
+        <p:spPr>
+          <a:xfrm>
+            <a:off x="8472458" y="4663217"/>
+            <a:ext cx="548700" cy="393600"/>
+          </a:xfrm>
+          <a:prstGeom prst="rect">
+            <a:avLst/>
+          </a:prstGeom>
+        </p:spPr>
+        <p:txBody>
+          <a:bodyPr anchorCtr="0" anchor="ctr" bIns="91425" lIns="91425" spcFirstLastPara="1" rIns="91425" wrap="square" tIns="91425">
+            <a:noAutofit/>
+          </a:bodyPr>
+          <a:lstStyle>
+            <a:lvl1pPr lvl="0" rtl="0">
+              <a:buNone/>
+              <a:defRPr/>
+            </a:lvl1pPr>
+            <a:lvl2pPr lvl="1" rtl="0">
+              <a:buNone/>
+              <a:defRPr/>
+            </a:lvl2pPr>
+            <a:lvl3pPr lvl="2" rtl="0">
+              <a:buNone/>
+              <a:defRPr/>
+            </a:lvl3pPr>
+            <a:lvl4pPr lvl="3" rtl="0">
+              <a:buNone/>
+              <a:defRPr/>
+            </a:lvl4pPr>
+            <a:lvl5pPr lvl="4" rtl="0">
+              <a:buNone/>
+              <a:defRPr/>
+            </a:lvl5pPr>
+            <a:lvl6pPr lvl="5" rtl="0">
+              <a:buNone/>
+              <a:defRPr/>
+            </a:lvl6pPr>
+            <a:lvl7pPr lvl="6" rtl="0">
+              <a:buNone/>
+              <a:defRPr/>
+            </a:lvl7pPr>
+            <a:lvl8pPr lvl="7" rtl="0">
+              <a:buNone/>
+              <a:defRPr/>
+            </a:lvl8pPr>
+            <a:lvl9pPr lvl="8" rtl="0">
+              <a:buNone/>
+              <a:defRPr/>
+            </a:lvl9pPr>
+          </a:lstStyle>
+          <a:p>
+            <a:pPr indent="0" lvl="0" marL="0" rtl="0" algn="r">
+              <a:spcBef>
+                <a:spcPts val="0"/>
+              </a:spcBef>
+              <a:spcAft>
+                <a:spcPts val="0"/>
+              </a:spcAft>
+              <a:buNone/>
+            </a:pPr>
+            <a:fld id="{00000000-1234-1234-1234-123412341234}" type="slidenum">
+              <a:rPr lang="en"/>
+              <a:t>‹#›</a:t>
+            </a:fld>
+            <a:endParaRPr/>
+          </a:p>
+        </p:txBody>
+      </p:sp>
+    </p:spTree>
+  </p:cSld>
+  <p:clrMapOvr>
+    <a:masterClrMapping/>
+  </p:clrMapOvr>
+</p:sldLayout>
+</file>
+
+<file path=ppt/slideLayouts/slideLayout16.xml><?xml version="1.0" encoding="utf-8"?>
+<p:sldLayout xmlns:a="http://schemas.openxmlformats.org/drawingml/2006/main" xmlns:r="http://schemas.openxmlformats.org/officeDocument/2006/relationships" xmlns:mc="http://schemas.openxmlformats.org/markup-compatibility/2006" xmlns:mv="urn:schemas-microsoft-com:mac:vml" xmlns:p="http://schemas.openxmlformats.org/presentationml/2006/main" xmlns:c="http://schemas.openxmlformats.org/drawingml/2006/chart" xmlns:dgm="http://schemas.openxmlformats.org/drawingml/2006/diagram" xmlns:o="urn:schemas-microsoft-com:office:office" xmlns:v="urn:schemas-microsoft-com:vml" xmlns:pvml="urn:schemas-microsoft-com:office:powerpoint" xmlns:com="http://schemas.openxmlformats.org/drawingml/2006/compatibility" xmlns:p14="http://schemas.microsoft.com/office/powerpoint/2010/main" xmlns:p15="http://schemas.microsoft.com/office/powerpoint/2012/main" matchingName="Title only" type="titleOnly">
+  <p:cSld name="TITLE_ONLY">
+    <p:spTree>
+      <p:nvGrpSpPr>
+        <p:cNvPr id="70" name="Shape 70"/>
+        <p:cNvGrpSpPr/>
+        <p:nvPr/>
+      </p:nvGrpSpPr>
+      <p:grpSpPr>
+        <a:xfrm>
+          <a:off x="0" y="0"/>
+          <a:ext cx="0" cy="0"/>
+          <a:chOff x="0" y="0"/>
+          <a:chExt cx="0" cy="0"/>
+        </a:xfrm>
+      </p:grpSpPr>
+      <p:sp>
+        <p:nvSpPr>
+          <p:cNvPr id="71" name="Google Shape;71;p18"/>
+          <p:cNvSpPr txBox="1"/>
+          <p:nvPr>
+            <p:ph type="title"/>
+          </p:nvPr>
+        </p:nvSpPr>
+        <p:spPr>
+          <a:xfrm>
+            <a:off x="311700" y="445025"/>
+            <a:ext cx="8520600" cy="572700"/>
+          </a:xfrm>
+          <a:prstGeom prst="rect">
+            <a:avLst/>
+          </a:prstGeom>
+        </p:spPr>
+        <p:txBody>
+          <a:bodyPr anchorCtr="0" anchor="t" bIns="91425" lIns="91425" spcFirstLastPara="1" rIns="91425" wrap="square" tIns="91425"/>
+          <a:lstStyle>
+            <a:lvl1pPr lvl="0" rtl="0">
+              <a:spcBef>
+                <a:spcPts val="0"/>
+              </a:spcBef>
+              <a:spcAft>
+                <a:spcPts val="0"/>
+              </a:spcAft>
+              <a:buSzPts val="2800"/>
+              <a:buNone/>
+              <a:defRPr/>
+            </a:lvl1pPr>
+            <a:lvl2pPr lvl="1" rtl="0">
+              <a:spcBef>
+                <a:spcPts val="0"/>
+              </a:spcBef>
+              <a:spcAft>
+                <a:spcPts val="0"/>
+              </a:spcAft>
+              <a:buSzPts val="2800"/>
+              <a:buNone/>
+              <a:defRPr/>
+            </a:lvl2pPr>
+            <a:lvl3pPr lvl="2" rtl="0">
+              <a:spcBef>
+                <a:spcPts val="0"/>
+              </a:spcBef>
+              <a:spcAft>
+                <a:spcPts val="0"/>
+              </a:spcAft>
+              <a:buSzPts val="2800"/>
+              <a:buNone/>
+              <a:defRPr/>
+            </a:lvl3pPr>
+            <a:lvl4pPr lvl="3" rtl="0">
+              <a:spcBef>
+                <a:spcPts val="0"/>
+              </a:spcBef>
+              <a:spcAft>
+                <a:spcPts val="0"/>
+              </a:spcAft>
+              <a:buSzPts val="2800"/>
+              <a:buNone/>
+              <a:defRPr/>
+            </a:lvl4pPr>
+            <a:lvl5pPr lvl="4" rtl="0">
+              <a:spcBef>
+                <a:spcPts val="0"/>
+              </a:spcBef>
+              <a:spcAft>
+                <a:spcPts val="0"/>
+              </a:spcAft>
+              <a:buSzPts val="2800"/>
+              <a:buNone/>
+              <a:defRPr/>
+            </a:lvl5pPr>
+            <a:lvl6pPr lvl="5" rtl="0">
+              <a:spcBef>
+                <a:spcPts val="0"/>
+              </a:spcBef>
+              <a:spcAft>
+                <a:spcPts val="0"/>
+              </a:spcAft>
+              <a:buSzPts val="2800"/>
+              <a:buNone/>
+              <a:defRPr/>
+            </a:lvl6pPr>
+            <a:lvl7pPr lvl="6" rtl="0">
+              <a:spcBef>
+                <a:spcPts val="0"/>
+              </a:spcBef>
+              <a:spcAft>
+                <a:spcPts val="0"/>
+              </a:spcAft>
+              <a:buSzPts val="2800"/>
+              <a:buNone/>
+              <a:defRPr/>
+            </a:lvl7pPr>
+            <a:lvl8pPr lvl="7" rtl="0">
+              <a:spcBef>
+                <a:spcPts val="0"/>
+              </a:spcBef>
+              <a:spcAft>
+                <a:spcPts val="0"/>
+              </a:spcAft>
+              <a:buSzPts val="2800"/>
+              <a:buNone/>
+              <a:defRPr/>
+            </a:lvl8pPr>
+            <a:lvl9pPr lvl="8" rtl="0">
+              <a:spcBef>
+                <a:spcPts val="0"/>
+              </a:spcBef>
+              <a:spcAft>
+                <a:spcPts val="0"/>
+              </a:spcAft>
+              <a:buSzPts val="2800"/>
+              <a:buNone/>
+              <a:defRPr/>
+            </a:lvl9pPr>
+          </a:lstStyle>
+          <a:p/>
+        </p:txBody>
+      </p:sp>
+      <p:sp>
+        <p:nvSpPr>
+          <p:cNvPr id="72" name="Google Shape;72;p18"/>
+          <p:cNvSpPr txBox="1"/>
+          <p:nvPr>
+            <p:ph idx="12" type="sldNum"/>
+          </p:nvPr>
+        </p:nvSpPr>
+        <p:spPr>
+          <a:xfrm>
+            <a:off x="8472458" y="4663217"/>
+            <a:ext cx="548700" cy="393600"/>
+          </a:xfrm>
+          <a:prstGeom prst="rect">
+            <a:avLst/>
+          </a:prstGeom>
+        </p:spPr>
+        <p:txBody>
+          <a:bodyPr anchorCtr="0" anchor="ctr" bIns="91425" lIns="91425" spcFirstLastPara="1" rIns="91425" wrap="square" tIns="91425">
+            <a:noAutofit/>
+          </a:bodyPr>
+          <a:lstStyle>
+            <a:lvl1pPr lvl="0" rtl="0">
+              <a:buNone/>
+              <a:defRPr/>
+            </a:lvl1pPr>
+            <a:lvl2pPr lvl="1" rtl="0">
+              <a:buNone/>
+              <a:defRPr/>
+            </a:lvl2pPr>
+            <a:lvl3pPr lvl="2" rtl="0">
+              <a:buNone/>
+              <a:defRPr/>
+            </a:lvl3pPr>
+            <a:lvl4pPr lvl="3" rtl="0">
+              <a:buNone/>
+              <a:defRPr/>
+            </a:lvl4pPr>
+            <a:lvl5pPr lvl="4" rtl="0">
+              <a:buNone/>
+              <a:defRPr/>
+            </a:lvl5pPr>
+            <a:lvl6pPr lvl="5" rtl="0">
+              <a:buNone/>
+              <a:defRPr/>
+            </a:lvl6pPr>
+            <a:lvl7pPr lvl="6" rtl="0">
+              <a:buNone/>
+              <a:defRPr/>
+            </a:lvl7pPr>
+            <a:lvl8pPr lvl="7" rtl="0">
+              <a:buNone/>
+              <a:defRPr/>
+            </a:lvl8pPr>
+            <a:lvl9pPr lvl="8" rtl="0">
+              <a:buNone/>
+              <a:defRPr/>
+            </a:lvl9pPr>
+          </a:lstStyle>
+          <a:p>
+            <a:pPr indent="0" lvl="0" marL="0" rtl="0" algn="r">
+              <a:spcBef>
+                <a:spcPts val="0"/>
+              </a:spcBef>
+              <a:spcAft>
+                <a:spcPts val="0"/>
+              </a:spcAft>
+              <a:buNone/>
+            </a:pPr>
+            <a:fld id="{00000000-1234-1234-1234-123412341234}" type="slidenum">
+              <a:rPr lang="en"/>
+              <a:t>‹#›</a:t>
+            </a:fld>
+            <a:endParaRPr/>
+          </a:p>
+        </p:txBody>
+      </p:sp>
+    </p:spTree>
+  </p:cSld>
+  <p:clrMapOvr>
+    <a:masterClrMapping/>
+  </p:clrMapOvr>
+</p:sldLayout>
+</file>
+
+<file path=ppt/slideLayouts/slideLayout17.xml><?xml version="1.0" encoding="utf-8"?>
+<p:sldLayout xmlns:a="http://schemas.openxmlformats.org/drawingml/2006/main" xmlns:r="http://schemas.openxmlformats.org/officeDocument/2006/relationships" xmlns:mc="http://schemas.openxmlformats.org/markup-compatibility/2006" xmlns:mv="urn:schemas-microsoft-com:mac:vml" xmlns:p="http://schemas.openxmlformats.org/presentationml/2006/main" xmlns:c="http://schemas.openxmlformats.org/drawingml/2006/chart" xmlns:dgm="http://schemas.openxmlformats.org/drawingml/2006/diagram" xmlns:o="urn:schemas-microsoft-com:office:office" xmlns:v="urn:schemas-microsoft-com:vml" xmlns:pvml="urn:schemas-microsoft-com:office:powerpoint" xmlns:com="http://schemas.openxmlformats.org/drawingml/2006/compatibility" xmlns:p14="http://schemas.microsoft.com/office/powerpoint/2010/main" xmlns:p15="http://schemas.microsoft.com/office/powerpoint/2012/main" matchingName="One column text">
+  <p:cSld name="ONE_COLUMN_TEXT">
+    <p:spTree>
+      <p:nvGrpSpPr>
+        <p:cNvPr id="73" name="Shape 73"/>
+        <p:cNvGrpSpPr/>
+        <p:nvPr/>
+      </p:nvGrpSpPr>
+      <p:grpSpPr>
+        <a:xfrm>
+          <a:off x="0" y="0"/>
+          <a:ext cx="0" cy="0"/>
+          <a:chOff x="0" y="0"/>
+          <a:chExt cx="0" cy="0"/>
+        </a:xfrm>
+      </p:grpSpPr>
+      <p:sp>
+        <p:nvSpPr>
+          <p:cNvPr id="74" name="Google Shape;74;p19"/>
+          <p:cNvSpPr txBox="1"/>
+          <p:nvPr>
+            <p:ph type="title"/>
+          </p:nvPr>
+        </p:nvSpPr>
+        <p:spPr>
+          <a:xfrm>
+            <a:off x="311700" y="555600"/>
+            <a:ext cx="2808000" cy="755700"/>
+          </a:xfrm>
+          <a:prstGeom prst="rect">
+            <a:avLst/>
+          </a:prstGeom>
+        </p:spPr>
+        <p:txBody>
+          <a:bodyPr anchorCtr="0" anchor="b" bIns="91425" lIns="91425" spcFirstLastPara="1" rIns="91425" wrap="square" tIns="91425"/>
+          <a:lstStyle>
+            <a:lvl1pPr lvl="0" rtl="0">
+              <a:spcBef>
+                <a:spcPts val="0"/>
+              </a:spcBef>
+              <a:spcAft>
+                <a:spcPts val="0"/>
+              </a:spcAft>
+              <a:buSzPts val="2400"/>
+              <a:buNone/>
+              <a:defRPr sz="2400"/>
+            </a:lvl1pPr>
+            <a:lvl2pPr lvl="1" rtl="0">
+              <a:spcBef>
+                <a:spcPts val="0"/>
+              </a:spcBef>
+              <a:spcAft>
+                <a:spcPts val="0"/>
+              </a:spcAft>
+              <a:buSzPts val="2400"/>
+              <a:buNone/>
+              <a:defRPr sz="2400"/>
+            </a:lvl2pPr>
+            <a:lvl3pPr lvl="2" rtl="0">
+              <a:spcBef>
+                <a:spcPts val="0"/>
+              </a:spcBef>
+              <a:spcAft>
+                <a:spcPts val="0"/>
+              </a:spcAft>
+              <a:buSzPts val="2400"/>
+              <a:buNone/>
+              <a:defRPr sz="2400"/>
+            </a:lvl3pPr>
+            <a:lvl4pPr lvl="3" rtl="0">
+              <a:spcBef>
+                <a:spcPts val="0"/>
+              </a:spcBef>
+              <a:spcAft>
+                <a:spcPts val="0"/>
+              </a:spcAft>
+              <a:buSzPts val="2400"/>
+              <a:buNone/>
+              <a:defRPr sz="2400"/>
+            </a:lvl4pPr>
+            <a:lvl5pPr lvl="4" rtl="0">
+              <a:spcBef>
+                <a:spcPts val="0"/>
+              </a:spcBef>
+              <a:spcAft>
+                <a:spcPts val="0"/>
+              </a:spcAft>
+              <a:buSzPts val="2400"/>
+              <a:buNone/>
+              <a:defRPr sz="2400"/>
+            </a:lvl5pPr>
+            <a:lvl6pPr lvl="5" rtl="0">
+              <a:spcBef>
+                <a:spcPts val="0"/>
+              </a:spcBef>
+              <a:spcAft>
+                <a:spcPts val="0"/>
+              </a:spcAft>
+              <a:buSzPts val="2400"/>
+              <a:buNone/>
+              <a:defRPr sz="2400"/>
+            </a:lvl6pPr>
+            <a:lvl7pPr lvl="6" rtl="0">
+              <a:spcBef>
+                <a:spcPts val="0"/>
+              </a:spcBef>
+              <a:spcAft>
+                <a:spcPts val="0"/>
+              </a:spcAft>
+              <a:buSzPts val="2400"/>
+              <a:buNone/>
+              <a:defRPr sz="2400"/>
+            </a:lvl7pPr>
+            <a:lvl8pPr lvl="7" rtl="0">
+              <a:spcBef>
+                <a:spcPts val="0"/>
+              </a:spcBef>
+              <a:spcAft>
+                <a:spcPts val="0"/>
+              </a:spcAft>
+              <a:buSzPts val="2400"/>
+              <a:buNone/>
+              <a:defRPr sz="2400"/>
+            </a:lvl8pPr>
+            <a:lvl9pPr lvl="8" rtl="0">
+              <a:spcBef>
+                <a:spcPts val="0"/>
+              </a:spcBef>
+              <a:spcAft>
+                <a:spcPts val="0"/>
+              </a:spcAft>
+              <a:buSzPts val="2400"/>
+              <a:buNone/>
+              <a:defRPr sz="2400"/>
+            </a:lvl9pPr>
+          </a:lstStyle>
+          <a:p/>
+        </p:txBody>
+      </p:sp>
+      <p:sp>
+        <p:nvSpPr>
+          <p:cNvPr id="75" name="Google Shape;75;p19"/>
+          <p:cNvSpPr txBox="1"/>
+          <p:nvPr>
+            <p:ph idx="1" type="body"/>
+          </p:nvPr>
+        </p:nvSpPr>
+        <p:spPr>
+          <a:xfrm>
+            <a:off x="311700" y="1389600"/>
+            <a:ext cx="2808000" cy="3179400"/>
+          </a:xfrm>
+          <a:prstGeom prst="rect">
+            <a:avLst/>
+          </a:prstGeom>
+        </p:spPr>
+        <p:txBody>
+          <a:bodyPr anchorCtr="0" anchor="t" bIns="91425" lIns="91425" spcFirstLastPara="1" rIns="91425" wrap="square" tIns="91425"/>
+          <a:lstStyle>
+            <a:lvl1pPr indent="-304800" lvl="0" marL="457200" rtl="0">
+              <a:spcBef>
+                <a:spcPts val="0"/>
+              </a:spcBef>
+              <a:spcAft>
+                <a:spcPts val="0"/>
+              </a:spcAft>
+              <a:buSzPts val="1200"/>
+              <a:buChar char="●"/>
+              <a:defRPr sz="1200"/>
+            </a:lvl1pPr>
+            <a:lvl2pPr indent="-304800" lvl="1" marL="914400" rtl="0">
+              <a:spcBef>
+                <a:spcPts val="1600"/>
+              </a:spcBef>
+              <a:spcAft>
+                <a:spcPts val="0"/>
+              </a:spcAft>
+              <a:buSzPts val="1200"/>
+              <a:buChar char="○"/>
+              <a:defRPr sz="1200"/>
+            </a:lvl2pPr>
+            <a:lvl3pPr indent="-304800" lvl="2" marL="1371600" rtl="0">
+              <a:spcBef>
+                <a:spcPts val="1600"/>
+              </a:spcBef>
+              <a:spcAft>
+                <a:spcPts val="0"/>
+              </a:spcAft>
+              <a:buSzPts val="1200"/>
+              <a:buChar char="■"/>
+              <a:defRPr sz="1200"/>
+            </a:lvl3pPr>
+            <a:lvl4pPr indent="-304800" lvl="3" marL="1828800" rtl="0">
+              <a:spcBef>
+                <a:spcPts val="1600"/>
+              </a:spcBef>
+              <a:spcAft>
+                <a:spcPts val="0"/>
+              </a:spcAft>
+              <a:buSzPts val="1200"/>
+              <a:buChar char="●"/>
+              <a:defRPr sz="1200"/>
+            </a:lvl4pPr>
+            <a:lvl5pPr indent="-304800" lvl="4" marL="2286000" rtl="0">
+              <a:spcBef>
+                <a:spcPts val="1600"/>
+              </a:spcBef>
+              <a:spcAft>
+                <a:spcPts val="0"/>
+              </a:spcAft>
+              <a:buSzPts val="1200"/>
+              <a:buChar char="○"/>
+              <a:defRPr sz="1200"/>
+            </a:lvl5pPr>
+            <a:lvl6pPr indent="-304800" lvl="5" marL="2743200" rtl="0">
+              <a:spcBef>
+                <a:spcPts val="1600"/>
+              </a:spcBef>
+              <a:spcAft>
+                <a:spcPts val="0"/>
+              </a:spcAft>
+              <a:buSzPts val="1200"/>
+              <a:buChar char="■"/>
+              <a:defRPr sz="1200"/>
+            </a:lvl6pPr>
+            <a:lvl7pPr indent="-304800" lvl="6" marL="3200400" rtl="0">
+              <a:spcBef>
+                <a:spcPts val="1600"/>
+              </a:spcBef>
+              <a:spcAft>
+                <a:spcPts val="0"/>
+              </a:spcAft>
+              <a:buSzPts val="1200"/>
+              <a:buChar char="●"/>
+              <a:defRPr sz="1200"/>
+            </a:lvl7pPr>
+            <a:lvl8pPr indent="-304800" lvl="7" marL="3657600" rtl="0">
+              <a:spcBef>
+                <a:spcPts val="1600"/>
+              </a:spcBef>
+              <a:spcAft>
+                <a:spcPts val="0"/>
+              </a:spcAft>
+              <a:buSzPts val="1200"/>
+              <a:buChar char="○"/>
+              <a:defRPr sz="1200"/>
+            </a:lvl8pPr>
+            <a:lvl9pPr indent="-304800" lvl="8" marL="4114800" rtl="0">
+              <a:spcBef>
+                <a:spcPts val="1600"/>
+              </a:spcBef>
+              <a:spcAft>
+                <a:spcPts val="1600"/>
+              </a:spcAft>
+              <a:buSzPts val="1200"/>
+              <a:buChar char="■"/>
+              <a:defRPr sz="1200"/>
+            </a:lvl9pPr>
+          </a:lstStyle>
+          <a:p/>
+        </p:txBody>
+      </p:sp>
+      <p:sp>
+        <p:nvSpPr>
+          <p:cNvPr id="76" name="Google Shape;76;p19"/>
+          <p:cNvSpPr txBox="1"/>
+          <p:nvPr>
+            <p:ph idx="12" type="sldNum"/>
+          </p:nvPr>
+        </p:nvSpPr>
+        <p:spPr>
+          <a:xfrm>
+            <a:off x="8472458" y="4663217"/>
+            <a:ext cx="548700" cy="393600"/>
+          </a:xfrm>
+          <a:prstGeom prst="rect">
+            <a:avLst/>
+          </a:prstGeom>
+        </p:spPr>
+        <p:txBody>
+          <a:bodyPr anchorCtr="0" anchor="ctr" bIns="91425" lIns="91425" spcFirstLastPara="1" rIns="91425" wrap="square" tIns="91425">
+            <a:noAutofit/>
+          </a:bodyPr>
+          <a:lstStyle>
+            <a:lvl1pPr lvl="0" rtl="0">
+              <a:buNone/>
+              <a:defRPr/>
+            </a:lvl1pPr>
+            <a:lvl2pPr lvl="1" rtl="0">
+              <a:buNone/>
+              <a:defRPr/>
+            </a:lvl2pPr>
+            <a:lvl3pPr lvl="2" rtl="0">
+              <a:buNone/>
+              <a:defRPr/>
+            </a:lvl3pPr>
+            <a:lvl4pPr lvl="3" rtl="0">
+              <a:buNone/>
+              <a:defRPr/>
+            </a:lvl4pPr>
+            <a:lvl5pPr lvl="4" rtl="0">
+              <a:buNone/>
+              <a:defRPr/>
+            </a:lvl5pPr>
+            <a:lvl6pPr lvl="5" rtl="0">
+              <a:buNone/>
+              <a:defRPr/>
+            </a:lvl6pPr>
+            <a:lvl7pPr lvl="6" rtl="0">
+              <a:buNone/>
+              <a:defRPr/>
+            </a:lvl7pPr>
+            <a:lvl8pPr lvl="7" rtl="0">
+              <a:buNone/>
+              <a:defRPr/>
+            </a:lvl8pPr>
+            <a:lvl9pPr lvl="8" rtl="0">
+              <a:buNone/>
+              <a:defRPr/>
+            </a:lvl9pPr>
+          </a:lstStyle>
+          <a:p>
+            <a:pPr indent="0" lvl="0" marL="0" rtl="0" algn="r">
+              <a:spcBef>
+                <a:spcPts val="0"/>
+              </a:spcBef>
+              <a:spcAft>
+                <a:spcPts val="0"/>
+              </a:spcAft>
+              <a:buNone/>
+            </a:pPr>
+            <a:fld id="{00000000-1234-1234-1234-123412341234}" type="slidenum">
+              <a:rPr lang="en"/>
+              <a:t>‹#›</a:t>
+            </a:fld>
+            <a:endParaRPr/>
+          </a:p>
+        </p:txBody>
+      </p:sp>
+    </p:spTree>
+  </p:cSld>
+  <p:clrMapOvr>
+    <a:masterClrMapping/>
+  </p:clrMapOvr>
+</p:sldLayout>
+</file>
+
+<file path=ppt/slideLayouts/slideLayout18.xml><?xml version="1.0" encoding="utf-8"?>
+<p:sldLayout xmlns:a="http://schemas.openxmlformats.org/drawingml/2006/main" xmlns:r="http://schemas.openxmlformats.org/officeDocument/2006/relationships" xmlns:mc="http://schemas.openxmlformats.org/markup-compatibility/2006" xmlns:mv="urn:schemas-microsoft-com:mac:vml" xmlns:p="http://schemas.openxmlformats.org/presentationml/2006/main" xmlns:c="http://schemas.openxmlformats.org/drawingml/2006/chart" xmlns:dgm="http://schemas.openxmlformats.org/drawingml/2006/diagram" xmlns:o="urn:schemas-microsoft-com:office:office" xmlns:v="urn:schemas-microsoft-com:vml" xmlns:pvml="urn:schemas-microsoft-com:office:powerpoint" xmlns:com="http://schemas.openxmlformats.org/drawingml/2006/compatibility" xmlns:p14="http://schemas.microsoft.com/office/powerpoint/2010/main" xmlns:p15="http://schemas.microsoft.com/office/powerpoint/2012/main" matchingName="Main point">
+  <p:cSld name="MAIN_POINT">
+    <p:spTree>
+      <p:nvGrpSpPr>
+        <p:cNvPr id="77" name="Shape 77"/>
+        <p:cNvGrpSpPr/>
+        <p:nvPr/>
+      </p:nvGrpSpPr>
+      <p:grpSpPr>
+        <a:xfrm>
+          <a:off x="0" y="0"/>
+          <a:ext cx="0" cy="0"/>
+          <a:chOff x="0" y="0"/>
+          <a:chExt cx="0" cy="0"/>
+        </a:xfrm>
+      </p:grpSpPr>
+      <p:sp>
+        <p:nvSpPr>
+          <p:cNvPr id="78" name="Google Shape;78;p20"/>
+          <p:cNvSpPr txBox="1"/>
+          <p:nvPr>
+            <p:ph type="title"/>
+          </p:nvPr>
+        </p:nvSpPr>
+        <p:spPr>
+          <a:xfrm>
+            <a:off x="490250" y="450150"/>
+            <a:ext cx="6367800" cy="4090800"/>
+          </a:xfrm>
+          <a:prstGeom prst="rect">
+            <a:avLst/>
+          </a:prstGeom>
+        </p:spPr>
+        <p:txBody>
+          <a:bodyPr anchorCtr="0" anchor="ctr" bIns="91425" lIns="91425" spcFirstLastPara="1" rIns="91425" wrap="square" tIns="91425"/>
+          <a:lstStyle>
+            <a:lvl1pPr lvl="0" rtl="0">
+              <a:spcBef>
+                <a:spcPts val="0"/>
+              </a:spcBef>
+              <a:spcAft>
+                <a:spcPts val="0"/>
+              </a:spcAft>
+              <a:buSzPts val="4800"/>
+              <a:buNone/>
+              <a:defRPr sz="4800"/>
+            </a:lvl1pPr>
+            <a:lvl2pPr lvl="1" rtl="0">
+              <a:spcBef>
+                <a:spcPts val="0"/>
+              </a:spcBef>
+              <a:spcAft>
+                <a:spcPts val="0"/>
+              </a:spcAft>
+              <a:buSzPts val="4800"/>
+              <a:buNone/>
+              <a:defRPr sz="4800"/>
+            </a:lvl2pPr>
+            <a:lvl3pPr lvl="2" rtl="0">
+              <a:spcBef>
+                <a:spcPts val="0"/>
+              </a:spcBef>
+              <a:spcAft>
+                <a:spcPts val="0"/>
+              </a:spcAft>
+              <a:buSzPts val="4800"/>
+              <a:buNone/>
+              <a:defRPr sz="4800"/>
+            </a:lvl3pPr>
+            <a:lvl4pPr lvl="3" rtl="0">
+              <a:spcBef>
+                <a:spcPts val="0"/>
+              </a:spcBef>
+              <a:spcAft>
+                <a:spcPts val="0"/>
+              </a:spcAft>
+              <a:buSzPts val="4800"/>
+              <a:buNone/>
+              <a:defRPr sz="4800"/>
+            </a:lvl4pPr>
+            <a:lvl5pPr lvl="4" rtl="0">
+              <a:spcBef>
+                <a:spcPts val="0"/>
+              </a:spcBef>
+              <a:spcAft>
+                <a:spcPts val="0"/>
+              </a:spcAft>
+              <a:buSzPts val="4800"/>
+              <a:buNone/>
+              <a:defRPr sz="4800"/>
+            </a:lvl5pPr>
+            <a:lvl6pPr lvl="5" rtl="0">
+              <a:spcBef>
+                <a:spcPts val="0"/>
+              </a:spcBef>
+              <a:spcAft>
+                <a:spcPts val="0"/>
+              </a:spcAft>
+              <a:buSzPts val="4800"/>
+              <a:buNone/>
+              <a:defRPr sz="4800"/>
+            </a:lvl6pPr>
+            <a:lvl7pPr lvl="6" rtl="0">
+              <a:spcBef>
+                <a:spcPts val="0"/>
+              </a:spcBef>
+              <a:spcAft>
+                <a:spcPts val="0"/>
+              </a:spcAft>
+              <a:buSzPts val="4800"/>
+              <a:buNone/>
+              <a:defRPr sz="4800"/>
+            </a:lvl7pPr>
+            <a:lvl8pPr lvl="7" rtl="0">
+              <a:spcBef>
+                <a:spcPts val="0"/>
+              </a:spcBef>
+              <a:spcAft>
+                <a:spcPts val="0"/>
+              </a:spcAft>
+              <a:buSzPts val="4800"/>
+              <a:buNone/>
+              <a:defRPr sz="4800"/>
+            </a:lvl8pPr>
+            <a:lvl9pPr lvl="8" rtl="0">
+              <a:spcBef>
+                <a:spcPts val="0"/>
+              </a:spcBef>
+              <a:spcAft>
+                <a:spcPts val="0"/>
+              </a:spcAft>
+              <a:buSzPts val="4800"/>
+              <a:buNone/>
+              <a:defRPr sz="4800"/>
+            </a:lvl9pPr>
+          </a:lstStyle>
+          <a:p/>
+        </p:txBody>
+      </p:sp>
+      <p:sp>
+        <p:nvSpPr>
+          <p:cNvPr id="79" name="Google Shape;79;p20"/>
+          <p:cNvSpPr txBox="1"/>
+          <p:nvPr>
+            <p:ph idx="12" type="sldNum"/>
+          </p:nvPr>
+        </p:nvSpPr>
+        <p:spPr>
+          <a:xfrm>
+            <a:off x="8472458" y="4663217"/>
+            <a:ext cx="548700" cy="393600"/>
+          </a:xfrm>
+          <a:prstGeom prst="rect">
+            <a:avLst/>
+          </a:prstGeom>
+        </p:spPr>
+        <p:txBody>
+          <a:bodyPr anchorCtr="0" anchor="ctr" bIns="91425" lIns="91425" spcFirstLastPara="1" rIns="91425" wrap="square" tIns="91425">
+            <a:noAutofit/>
+          </a:bodyPr>
+          <a:lstStyle>
+            <a:lvl1pPr lvl="0" rtl="0">
+              <a:buNone/>
+              <a:defRPr/>
+            </a:lvl1pPr>
+            <a:lvl2pPr lvl="1" rtl="0">
+              <a:buNone/>
+              <a:defRPr/>
+            </a:lvl2pPr>
+            <a:lvl3pPr lvl="2" rtl="0">
+              <a:buNone/>
+              <a:defRPr/>
+            </a:lvl3pPr>
+            <a:lvl4pPr lvl="3" rtl="0">
+              <a:buNone/>
+              <a:defRPr/>
+            </a:lvl4pPr>
+            <a:lvl5pPr lvl="4" rtl="0">
+              <a:buNone/>
+              <a:defRPr/>
+            </a:lvl5pPr>
+            <a:lvl6pPr lvl="5" rtl="0">
+              <a:buNone/>
+              <a:defRPr/>
+            </a:lvl6pPr>
+            <a:lvl7pPr lvl="6" rtl="0">
+              <a:buNone/>
+              <a:defRPr/>
+            </a:lvl7pPr>
+            <a:lvl8pPr lvl="7" rtl="0">
+              <a:buNone/>
+              <a:defRPr/>
+            </a:lvl8pPr>
+            <a:lvl9pPr lvl="8" rtl="0">
+              <a:buNone/>
+              <a:defRPr/>
+            </a:lvl9pPr>
+          </a:lstStyle>
+          <a:p>
+            <a:pPr indent="0" lvl="0" marL="0" rtl="0" algn="r">
+              <a:spcBef>
+                <a:spcPts val="0"/>
+              </a:spcBef>
+              <a:spcAft>
+                <a:spcPts val="0"/>
+              </a:spcAft>
+              <a:buNone/>
+            </a:pPr>
+            <a:fld id="{00000000-1234-1234-1234-123412341234}" type="slidenum">
+              <a:rPr lang="en"/>
+              <a:t>‹#›</a:t>
+            </a:fld>
+            <a:endParaRPr/>
+          </a:p>
+        </p:txBody>
+      </p:sp>
+    </p:spTree>
+  </p:cSld>
+  <p:clrMapOvr>
+    <a:masterClrMapping/>
+  </p:clrMapOvr>
+</p:sldLayout>
+</file>
+
+<file path=ppt/slideLayouts/slideLayout19.xml><?xml version="1.0" encoding="utf-8"?>
+<p:sldLayout xmlns:a="http://schemas.openxmlformats.org/drawingml/2006/main" xmlns:r="http://schemas.openxmlformats.org/officeDocument/2006/relationships" xmlns:mc="http://schemas.openxmlformats.org/markup-compatibility/2006" xmlns:mv="urn:schemas-microsoft-com:mac:vml" xmlns:p="http://schemas.openxmlformats.org/presentationml/2006/main" xmlns:c="http://schemas.openxmlformats.org/drawingml/2006/chart" xmlns:dgm="http://schemas.openxmlformats.org/drawingml/2006/diagram" xmlns:o="urn:schemas-microsoft-com:office:office" xmlns:v="urn:schemas-microsoft-com:vml" xmlns:pvml="urn:schemas-microsoft-com:office:powerpoint" xmlns:com="http://schemas.openxmlformats.org/drawingml/2006/compatibility" xmlns:p14="http://schemas.microsoft.com/office/powerpoint/2010/main" xmlns:p15="http://schemas.microsoft.com/office/powerpoint/2012/main" matchingName="Section title and description">
+  <p:cSld name="SECTION_TITLE_AND_DESCRIPTION">
+    <p:spTree>
+      <p:nvGrpSpPr>
+        <p:cNvPr id="80" name="Shape 80"/>
+        <p:cNvGrpSpPr/>
+        <p:nvPr/>
+      </p:nvGrpSpPr>
+      <p:grpSpPr>
+        <a:xfrm>
+          <a:off x="0" y="0"/>
+          <a:ext cx="0" cy="0"/>
+          <a:chOff x="0" y="0"/>
+          <a:chExt cx="0" cy="0"/>
+        </a:xfrm>
+      </p:grpSpPr>
+      <p:sp>
+        <p:nvSpPr>
+          <p:cNvPr id="81" name="Google Shape;81;p21"/>
+          <p:cNvSpPr/>
+          <p:nvPr/>
+        </p:nvSpPr>
+        <p:spPr>
+          <a:xfrm>
+            <a:off x="4572000" y="25"/>
+            <a:ext cx="4572000" cy="5143500"/>
+          </a:xfrm>
+          <a:prstGeom prst="rect">
+            <a:avLst/>
+          </a:prstGeom>
+          <a:solidFill>
+            <a:schemeClr val="dk2"/>
+          </a:solidFill>
+          <a:ln>
+            <a:noFill/>
+          </a:ln>
+        </p:spPr>
+        <p:txBody>
+          <a:bodyPr anchorCtr="0" anchor="ctr" bIns="91425" lIns="91425" spcFirstLastPara="1" rIns="91425" wrap="square" tIns="91425">
+            <a:noAutofit/>
+          </a:bodyPr>
+          <a:lstStyle/>
+          <a:p>
+            <a:pPr indent="0" lvl="0" marL="0" rtl="0" algn="l">
+              <a:spcBef>
+                <a:spcPts val="0"/>
+              </a:spcBef>
+              <a:spcAft>
+                <a:spcPts val="0"/>
+              </a:spcAft>
+              <a:buNone/>
+            </a:pPr>
+            <a:r>
+              <a:t/>
+            </a:r>
+            <a:endParaRPr/>
+          </a:p>
+        </p:txBody>
+      </p:sp>
+      <p:sp>
+        <p:nvSpPr>
+          <p:cNvPr id="82" name="Google Shape;82;p21"/>
+          <p:cNvSpPr txBox="1"/>
+          <p:nvPr>
+            <p:ph type="title"/>
+          </p:nvPr>
+        </p:nvSpPr>
+        <p:spPr>
+          <a:xfrm>
+            <a:off x="265500" y="1233175"/>
+            <a:ext cx="4045200" cy="1482300"/>
+          </a:xfrm>
+          <a:prstGeom prst="rect">
+            <a:avLst/>
+          </a:prstGeom>
+        </p:spPr>
+        <p:txBody>
+          <a:bodyPr anchorCtr="0" anchor="b" bIns="91425" lIns="91425" spcFirstLastPara="1" rIns="91425" wrap="square" tIns="91425"/>
+          <a:lstStyle>
+            <a:lvl1pPr lvl="0" rtl="0" algn="ctr">
+              <a:spcBef>
+                <a:spcPts val="0"/>
+              </a:spcBef>
+              <a:spcAft>
+                <a:spcPts val="0"/>
+              </a:spcAft>
+              <a:buSzPts val="4200"/>
+              <a:buNone/>
+              <a:defRPr sz="4200"/>
+            </a:lvl1pPr>
+            <a:lvl2pPr lvl="1" rtl="0" algn="ctr">
+              <a:spcBef>
+                <a:spcPts val="0"/>
+              </a:spcBef>
+              <a:spcAft>
+                <a:spcPts val="0"/>
+              </a:spcAft>
+              <a:buSzPts val="4200"/>
+              <a:buNone/>
+              <a:defRPr sz="4200"/>
+            </a:lvl2pPr>
+            <a:lvl3pPr lvl="2" rtl="0" algn="ctr">
+              <a:spcBef>
+                <a:spcPts val="0"/>
+              </a:spcBef>
+              <a:spcAft>
+                <a:spcPts val="0"/>
+              </a:spcAft>
+              <a:buSzPts val="4200"/>
+              <a:buNone/>
+              <a:defRPr sz="4200"/>
+            </a:lvl3pPr>
+            <a:lvl4pPr lvl="3" rtl="0" algn="ctr">
+              <a:spcBef>
+                <a:spcPts val="0"/>
+              </a:spcBef>
+              <a:spcAft>
+                <a:spcPts val="0"/>
+              </a:spcAft>
+              <a:buSzPts val="4200"/>
+              <a:buNone/>
+              <a:defRPr sz="4200"/>
+            </a:lvl4pPr>
+            <a:lvl5pPr lvl="4" rtl="0" algn="ctr">
+              <a:spcBef>
+                <a:spcPts val="0"/>
+              </a:spcBef>
+              <a:spcAft>
+                <a:spcPts val="0"/>
+              </a:spcAft>
+              <a:buSzPts val="4200"/>
+              <a:buNone/>
+              <a:defRPr sz="4200"/>
+            </a:lvl5pPr>
+            <a:lvl6pPr lvl="5" rtl="0" algn="ctr">
+              <a:spcBef>
+                <a:spcPts val="0"/>
+              </a:spcBef>
+              <a:spcAft>
+                <a:spcPts val="0"/>
+              </a:spcAft>
+              <a:buSzPts val="4200"/>
+              <a:buNone/>
+              <a:defRPr sz="4200"/>
+            </a:lvl6pPr>
+            <a:lvl7pPr lvl="6" rtl="0" algn="ctr">
+              <a:spcBef>
+                <a:spcPts val="0"/>
+              </a:spcBef>
+              <a:spcAft>
+                <a:spcPts val="0"/>
+              </a:spcAft>
+              <a:buSzPts val="4200"/>
+              <a:buNone/>
+              <a:defRPr sz="4200"/>
+            </a:lvl7pPr>
+            <a:lvl8pPr lvl="7" rtl="0" algn="ctr">
+              <a:spcBef>
+                <a:spcPts val="0"/>
+              </a:spcBef>
+              <a:spcAft>
+                <a:spcPts val="0"/>
+              </a:spcAft>
+              <a:buSzPts val="4200"/>
+              <a:buNone/>
+              <a:defRPr sz="4200"/>
+            </a:lvl8pPr>
+            <a:lvl9pPr lvl="8" rtl="0" algn="ctr">
+              <a:spcBef>
+                <a:spcPts val="0"/>
+              </a:spcBef>
+              <a:spcAft>
+                <a:spcPts val="0"/>
+              </a:spcAft>
+              <a:buSzPts val="4200"/>
+              <a:buNone/>
+              <a:defRPr sz="4200"/>
+            </a:lvl9pPr>
+          </a:lstStyle>
+          <a:p/>
+        </p:txBody>
+      </p:sp>
+      <p:sp>
+        <p:nvSpPr>
+          <p:cNvPr id="83" name="Google Shape;83;p21"/>
+          <p:cNvSpPr txBox="1"/>
+          <p:nvPr>
+            <p:ph idx="1" type="subTitle"/>
+          </p:nvPr>
+        </p:nvSpPr>
+        <p:spPr>
+          <a:xfrm>
+            <a:off x="265500" y="2803075"/>
+            <a:ext cx="4045200" cy="1235100"/>
+          </a:xfrm>
+          <a:prstGeom prst="rect">
+            <a:avLst/>
+          </a:prstGeom>
+        </p:spPr>
+        <p:txBody>
+          <a:bodyPr anchorCtr="0" anchor="t" bIns="91425" lIns="91425" spcFirstLastPara="1" rIns="91425" wrap="square" tIns="91425"/>
+          <a:lstStyle>
+            <a:lvl1pPr lvl="0" rtl="0" algn="ctr">
+              <a:lnSpc>
+                <a:spcPct val="100000"/>
+              </a:lnSpc>
+              <a:spcBef>
+                <a:spcPts val="0"/>
+              </a:spcBef>
+              <a:spcAft>
+                <a:spcPts val="0"/>
+              </a:spcAft>
+              <a:buSzPts val="2100"/>
+              <a:buNone/>
+              <a:defRPr sz="2100"/>
+            </a:lvl1pPr>
+            <a:lvl2pPr lvl="1" rtl="0" algn="ctr">
+              <a:lnSpc>
+                <a:spcPct val="100000"/>
+              </a:lnSpc>
+              <a:spcBef>
+                <a:spcPts val="0"/>
+              </a:spcBef>
+              <a:spcAft>
+                <a:spcPts val="0"/>
+              </a:spcAft>
+              <a:buSzPts val="2100"/>
+              <a:buNone/>
+              <a:defRPr sz="2100"/>
+            </a:lvl2pPr>
+            <a:lvl3pPr lvl="2" rtl="0" algn="ctr">
+              <a:lnSpc>
+                <a:spcPct val="100000"/>
+              </a:lnSpc>
+              <a:spcBef>
+                <a:spcPts val="0"/>
+              </a:spcBef>
+              <a:spcAft>
+                <a:spcPts val="0"/>
+              </a:spcAft>
+              <a:buSzPts val="2100"/>
+              <a:buNone/>
+              <a:defRPr sz="2100"/>
+            </a:lvl3pPr>
+            <a:lvl4pPr lvl="3" rtl="0" algn="ctr">
+              <a:lnSpc>
+                <a:spcPct val="100000"/>
+              </a:lnSpc>
+              <a:spcBef>
+                <a:spcPts val="0"/>
+              </a:spcBef>
+              <a:spcAft>
+                <a:spcPts val="0"/>
+              </a:spcAft>
+              <a:buSzPts val="2100"/>
+              <a:buNone/>
+              <a:defRPr sz="2100"/>
+            </a:lvl4pPr>
+            <a:lvl5pPr lvl="4" rtl="0" algn="ctr">
+              <a:lnSpc>
+                <a:spcPct val="100000"/>
+              </a:lnSpc>
+              <a:spcBef>
+                <a:spcPts val="0"/>
+              </a:spcBef>
+              <a:spcAft>
+                <a:spcPts val="0"/>
+              </a:spcAft>
+              <a:buSzPts val="2100"/>
+              <a:buNone/>
+              <a:defRPr sz="2100"/>
+            </a:lvl5pPr>
+            <a:lvl6pPr lvl="5" rtl="0" algn="ctr">
+              <a:lnSpc>
+                <a:spcPct val="100000"/>
+              </a:lnSpc>
+              <a:spcBef>
+                <a:spcPts val="0"/>
+              </a:spcBef>
+              <a:spcAft>
+                <a:spcPts val="0"/>
+              </a:spcAft>
+              <a:buSzPts val="2100"/>
+              <a:buNone/>
+              <a:defRPr sz="2100"/>
+            </a:lvl6pPr>
+            <a:lvl7pPr lvl="6" rtl="0" algn="ctr">
+              <a:lnSpc>
+                <a:spcPct val="100000"/>
+              </a:lnSpc>
+              <a:spcBef>
+                <a:spcPts val="0"/>
+              </a:spcBef>
+              <a:spcAft>
+                <a:spcPts val="0"/>
+              </a:spcAft>
+              <a:buSzPts val="2100"/>
+              <a:buNone/>
+              <a:defRPr sz="2100"/>
+            </a:lvl7pPr>
+            <a:lvl8pPr lvl="7" rtl="0" algn="ctr">
+              <a:lnSpc>
+                <a:spcPct val="100000"/>
+              </a:lnSpc>
+              <a:spcBef>
+                <a:spcPts val="0"/>
+              </a:spcBef>
+              <a:spcAft>
+                <a:spcPts val="0"/>
+              </a:spcAft>
+              <a:buSzPts val="2100"/>
+              <a:buNone/>
+              <a:defRPr sz="2100"/>
+            </a:lvl8pPr>
+            <a:lvl9pPr lvl="8" rtl="0" algn="ctr">
+              <a:lnSpc>
+                <a:spcPct val="100000"/>
+              </a:lnSpc>
+              <a:spcBef>
+                <a:spcPts val="0"/>
+              </a:spcBef>
+              <a:spcAft>
+                <a:spcPts val="0"/>
+              </a:spcAft>
+              <a:buSzPts val="2100"/>
+              <a:buNone/>
+              <a:defRPr sz="2100"/>
+            </a:lvl9pPr>
+          </a:lstStyle>
+          <a:p/>
+        </p:txBody>
+      </p:sp>
+      <p:sp>
+        <p:nvSpPr>
+          <p:cNvPr id="84" name="Google Shape;84;p21"/>
+          <p:cNvSpPr txBox="1"/>
+          <p:nvPr>
+            <p:ph idx="2" type="body"/>
+          </p:nvPr>
+        </p:nvSpPr>
+        <p:spPr>
+          <a:xfrm>
+            <a:off x="4939500" y="724200"/>
+            <a:ext cx="3837000" cy="3695100"/>
+          </a:xfrm>
+          <a:prstGeom prst="rect">
+            <a:avLst/>
+          </a:prstGeom>
+        </p:spPr>
+        <p:txBody>
+          <a:bodyPr anchorCtr="0" anchor="ctr" bIns="91425" lIns="91425" spcFirstLastPara="1" rIns="91425" wrap="square" tIns="91425"/>
+          <a:lstStyle>
+            <a:lvl1pPr indent="-342900" lvl="0" marL="457200" rtl="0">
+              <a:spcBef>
+                <a:spcPts val="0"/>
+              </a:spcBef>
+              <a:spcAft>
+                <a:spcPts val="0"/>
+              </a:spcAft>
+              <a:buClr>
+                <a:schemeClr val="dk1"/>
+              </a:buClr>
+              <a:buSzPts val="1800"/>
+              <a:buChar char="●"/>
+              <a:defRPr>
+                <a:solidFill>
+                  <a:schemeClr val="dk1"/>
+                </a:solidFill>
+              </a:defRPr>
+            </a:lvl1pPr>
+            <a:lvl2pPr indent="-317500" lvl="1" marL="914400" rtl="0">
+              <a:spcBef>
+                <a:spcPts val="1600"/>
+              </a:spcBef>
+              <a:spcAft>
+                <a:spcPts val="0"/>
+              </a:spcAft>
+              <a:buClr>
+                <a:schemeClr val="dk1"/>
+              </a:buClr>
+              <a:buSzPts val="1400"/>
+              <a:buChar char="○"/>
+              <a:defRPr>
+                <a:solidFill>
+                  <a:schemeClr val="dk1"/>
+                </a:solidFill>
+              </a:defRPr>
+            </a:lvl2pPr>
+            <a:lvl3pPr indent="-317500" lvl="2" marL="1371600" rtl="0">
+              <a:spcBef>
+                <a:spcPts val="1600"/>
+              </a:spcBef>
+              <a:spcAft>
+                <a:spcPts val="0"/>
+              </a:spcAft>
+              <a:buClr>
+                <a:schemeClr val="dk1"/>
+              </a:buClr>
+              <a:buSzPts val="1400"/>
+              <a:buChar char="■"/>
+              <a:defRPr>
+                <a:solidFill>
+                  <a:schemeClr val="dk1"/>
+                </a:solidFill>
+              </a:defRPr>
+            </a:lvl3pPr>
+            <a:lvl4pPr indent="-317500" lvl="3" marL="1828800" rtl="0">
+              <a:spcBef>
+                <a:spcPts val="1600"/>
+              </a:spcBef>
+              <a:spcAft>
+                <a:spcPts val="0"/>
+              </a:spcAft>
+              <a:buClr>
+                <a:schemeClr val="dk1"/>
+              </a:buClr>
+              <a:buSzPts val="1400"/>
+              <a:buChar char="●"/>
+              <a:defRPr>
+                <a:solidFill>
+                  <a:schemeClr val="dk1"/>
+                </a:solidFill>
+              </a:defRPr>
+            </a:lvl4pPr>
+            <a:lvl5pPr indent="-317500" lvl="4" marL="2286000" rtl="0">
+              <a:spcBef>
+                <a:spcPts val="1600"/>
+              </a:spcBef>
+              <a:spcAft>
+                <a:spcPts val="0"/>
+              </a:spcAft>
+              <a:buClr>
+                <a:schemeClr val="dk1"/>
+              </a:buClr>
+              <a:buSzPts val="1400"/>
+              <a:buChar char="○"/>
+              <a:defRPr>
+                <a:solidFill>
+                  <a:schemeClr val="dk1"/>
+                </a:solidFill>
+              </a:defRPr>
+            </a:lvl5pPr>
+            <a:lvl6pPr indent="-317500" lvl="5" marL="2743200" rtl="0">
+              <a:spcBef>
+                <a:spcPts val="1600"/>
+              </a:spcBef>
+              <a:spcAft>
+                <a:spcPts val="0"/>
+              </a:spcAft>
+              <a:buClr>
+                <a:schemeClr val="dk1"/>
+              </a:buClr>
+              <a:buSzPts val="1400"/>
+              <a:buChar char="■"/>
+              <a:defRPr>
+                <a:solidFill>
+                  <a:schemeClr val="dk1"/>
+                </a:solidFill>
+              </a:defRPr>
+            </a:lvl6pPr>
+            <a:lvl7pPr indent="-317500" lvl="6" marL="3200400" rtl="0">
+              <a:spcBef>
+                <a:spcPts val="1600"/>
+              </a:spcBef>
+              <a:spcAft>
+                <a:spcPts val="0"/>
+              </a:spcAft>
+              <a:buClr>
+                <a:schemeClr val="dk1"/>
+              </a:buClr>
+              <a:buSzPts val="1400"/>
+              <a:buChar char="●"/>
+              <a:defRPr>
+                <a:solidFill>
+                  <a:schemeClr val="dk1"/>
+                </a:solidFill>
+              </a:defRPr>
+            </a:lvl7pPr>
+            <a:lvl8pPr indent="-317500" lvl="7" marL="3657600" rtl="0">
+              <a:spcBef>
+                <a:spcPts val="1600"/>
+              </a:spcBef>
+              <a:spcAft>
+                <a:spcPts val="0"/>
+              </a:spcAft>
+              <a:buClr>
+                <a:schemeClr val="dk1"/>
+              </a:buClr>
+              <a:buSzPts val="1400"/>
+              <a:buChar char="○"/>
+              <a:defRPr>
+                <a:solidFill>
+                  <a:schemeClr val="dk1"/>
+                </a:solidFill>
+              </a:defRPr>
+            </a:lvl8pPr>
+            <a:lvl9pPr indent="-317500" lvl="8" marL="4114800" rtl="0">
+              <a:spcBef>
+                <a:spcPts val="1600"/>
+              </a:spcBef>
+              <a:spcAft>
+                <a:spcPts val="1600"/>
+              </a:spcAft>
+              <a:buClr>
+                <a:schemeClr val="dk1"/>
+              </a:buClr>
+              <a:buSzPts val="1400"/>
+              <a:buChar char="■"/>
+              <a:defRPr>
+                <a:solidFill>
+                  <a:schemeClr val="dk1"/>
+                </a:solidFill>
+              </a:defRPr>
+            </a:lvl9pPr>
+          </a:lstStyle>
+          <a:p/>
+        </p:txBody>
+      </p:sp>
+      <p:sp>
+        <p:nvSpPr>
+          <p:cNvPr id="85" name="Google Shape;85;p21"/>
+          <p:cNvSpPr txBox="1"/>
+          <p:nvPr>
+            <p:ph idx="12" type="sldNum"/>
+          </p:nvPr>
+        </p:nvSpPr>
+        <p:spPr>
+          <a:xfrm>
+            <a:off x="8472458" y="4663217"/>
+            <a:ext cx="548700" cy="393600"/>
+          </a:xfrm>
+          <a:prstGeom prst="rect">
+            <a:avLst/>
+          </a:prstGeom>
+        </p:spPr>
+        <p:txBody>
+          <a:bodyPr anchorCtr="0" anchor="ctr" bIns="91425" lIns="91425" spcFirstLastPara="1" rIns="91425" wrap="square" tIns="91425">
+            <a:noAutofit/>
+          </a:bodyPr>
+          <a:lstStyle>
+            <a:lvl1pPr lvl="0" rtl="0">
+              <a:buNone/>
+              <a:defRPr/>
+            </a:lvl1pPr>
+            <a:lvl2pPr lvl="1" rtl="0">
+              <a:buNone/>
+              <a:defRPr/>
+            </a:lvl2pPr>
+            <a:lvl3pPr lvl="2" rtl="0">
+              <a:buNone/>
+              <a:defRPr/>
+            </a:lvl3pPr>
+            <a:lvl4pPr lvl="3" rtl="0">
+              <a:buNone/>
+              <a:defRPr/>
+            </a:lvl4pPr>
+            <a:lvl5pPr lvl="4" rtl="0">
+              <a:buNone/>
+              <a:defRPr/>
+            </a:lvl5pPr>
+            <a:lvl6pPr lvl="5" rtl="0">
+              <a:buNone/>
+              <a:defRPr/>
+            </a:lvl6pPr>
+            <a:lvl7pPr lvl="6" rtl="0">
+              <a:buNone/>
+              <a:defRPr/>
+            </a:lvl7pPr>
+            <a:lvl8pPr lvl="7" rtl="0">
+              <a:buNone/>
+              <a:defRPr/>
+            </a:lvl8pPr>
+            <a:lvl9pPr lvl="8" rtl="0">
+              <a:buNone/>
+              <a:defRPr/>
+            </a:lvl9pPr>
+          </a:lstStyle>
+          <a:p>
+            <a:pPr indent="0" lvl="0" marL="0" rtl="0" algn="r">
+              <a:spcBef>
+                <a:spcPts val="0"/>
+              </a:spcBef>
+              <a:spcAft>
+                <a:spcPts val="0"/>
+              </a:spcAft>
+              <a:buNone/>
+            </a:pPr>
+            <a:fld id="{00000000-1234-1234-1234-123412341234}" type="slidenum">
+              <a:rPr lang="en"/>
+              <a:t>‹#›</a:t>
+            </a:fld>
+            <a:endParaRPr/>
+          </a:p>
+        </p:txBody>
+      </p:sp>
+    </p:spTree>
+  </p:cSld>
+  <p:clrMapOvr>
+    <a:masterClrMapping/>
+  </p:clrMapOvr>
+</p:sldLayout>
+</file>
+
 <file path=ppt/slideLayouts/slideLayout2.xml><?xml version="1.0" encoding="utf-8"?>
 <p:sldLayout xmlns:a="http://schemas.openxmlformats.org/drawingml/2006/main" xmlns:r="http://schemas.openxmlformats.org/officeDocument/2006/relationships" xmlns:mc="http://schemas.openxmlformats.org/markup-compatibility/2006" xmlns:mv="urn:schemas-microsoft-com:mac:vml" xmlns:p="http://schemas.openxmlformats.org/presentationml/2006/main" xmlns:c="http://schemas.openxmlformats.org/drawingml/2006/chart" xmlns:dgm="http://schemas.openxmlformats.org/drawingml/2006/diagram" xmlns:o="urn:schemas-microsoft-com:office:office" xmlns:v="urn:schemas-microsoft-com:vml" xmlns:pvml="urn:schemas-microsoft-com:office:powerpoint" xmlns:com="http://schemas.openxmlformats.org/drawingml/2006/compatibility" xmlns:p14="http://schemas.microsoft.com/office/powerpoint/2010/main" xmlns:p15="http://schemas.microsoft.com/office/powerpoint/2012/main" matchingName="Section header" type="secHead">
   <p:cSld name="SECTION_HEADER">
@@ -2307,6 +5361,600 @@
               <a:defRPr/>
             </a:lvl8pPr>
             <a:lvl9pPr lvl="8">
+              <a:buNone/>
+              <a:defRPr/>
+            </a:lvl9pPr>
+          </a:lstStyle>
+          <a:p>
+            <a:pPr indent="0" lvl="0" marL="0" rtl="0" algn="r">
+              <a:spcBef>
+                <a:spcPts val="0"/>
+              </a:spcBef>
+              <a:spcAft>
+                <a:spcPts val="0"/>
+              </a:spcAft>
+              <a:buNone/>
+            </a:pPr>
+            <a:fld id="{00000000-1234-1234-1234-123412341234}" type="slidenum">
+              <a:rPr lang="en"/>
+              <a:t>‹#›</a:t>
+            </a:fld>
+            <a:endParaRPr/>
+          </a:p>
+        </p:txBody>
+      </p:sp>
+    </p:spTree>
+  </p:cSld>
+  <p:clrMapOvr>
+    <a:masterClrMapping/>
+  </p:clrMapOvr>
+</p:sldLayout>
+</file>
+
+<file path=ppt/slideLayouts/slideLayout20.xml><?xml version="1.0" encoding="utf-8"?>
+<p:sldLayout xmlns:a="http://schemas.openxmlformats.org/drawingml/2006/main" xmlns:r="http://schemas.openxmlformats.org/officeDocument/2006/relationships" xmlns:mc="http://schemas.openxmlformats.org/markup-compatibility/2006" xmlns:mv="urn:schemas-microsoft-com:mac:vml" xmlns:p="http://schemas.openxmlformats.org/presentationml/2006/main" xmlns:c="http://schemas.openxmlformats.org/drawingml/2006/chart" xmlns:dgm="http://schemas.openxmlformats.org/drawingml/2006/diagram" xmlns:o="urn:schemas-microsoft-com:office:office" xmlns:v="urn:schemas-microsoft-com:vml" xmlns:pvml="urn:schemas-microsoft-com:office:powerpoint" xmlns:com="http://schemas.openxmlformats.org/drawingml/2006/compatibility" xmlns:p14="http://schemas.microsoft.com/office/powerpoint/2010/main" xmlns:p15="http://schemas.microsoft.com/office/powerpoint/2012/main" matchingName="Caption">
+  <p:cSld name="CAPTION_ONLY">
+    <p:spTree>
+      <p:nvGrpSpPr>
+        <p:cNvPr id="86" name="Shape 86"/>
+        <p:cNvGrpSpPr/>
+        <p:nvPr/>
+      </p:nvGrpSpPr>
+      <p:grpSpPr>
+        <a:xfrm>
+          <a:off x="0" y="0"/>
+          <a:ext cx="0" cy="0"/>
+          <a:chOff x="0" y="0"/>
+          <a:chExt cx="0" cy="0"/>
+        </a:xfrm>
+      </p:grpSpPr>
+      <p:sp>
+        <p:nvSpPr>
+          <p:cNvPr id="87" name="Google Shape;87;p22"/>
+          <p:cNvSpPr txBox="1"/>
+          <p:nvPr>
+            <p:ph idx="1" type="body"/>
+          </p:nvPr>
+        </p:nvSpPr>
+        <p:spPr>
+          <a:xfrm>
+            <a:off x="311700" y="4230575"/>
+            <a:ext cx="5998800" cy="605100"/>
+          </a:xfrm>
+          <a:prstGeom prst="rect">
+            <a:avLst/>
+          </a:prstGeom>
+        </p:spPr>
+        <p:txBody>
+          <a:bodyPr anchorCtr="0" anchor="ctr" bIns="91425" lIns="91425" spcFirstLastPara="1" rIns="91425" wrap="square" tIns="91425"/>
+          <a:lstStyle>
+            <a:lvl1pPr indent="-228600" lvl="0" marL="457200" rtl="0">
+              <a:lnSpc>
+                <a:spcPct val="100000"/>
+              </a:lnSpc>
+              <a:spcBef>
+                <a:spcPts val="0"/>
+              </a:spcBef>
+              <a:spcAft>
+                <a:spcPts val="0"/>
+              </a:spcAft>
+              <a:buSzPts val="1800"/>
+              <a:buNone/>
+              <a:defRPr/>
+            </a:lvl1pPr>
+          </a:lstStyle>
+          <a:p/>
+        </p:txBody>
+      </p:sp>
+      <p:sp>
+        <p:nvSpPr>
+          <p:cNvPr id="88" name="Google Shape;88;p22"/>
+          <p:cNvSpPr txBox="1"/>
+          <p:nvPr>
+            <p:ph idx="12" type="sldNum"/>
+          </p:nvPr>
+        </p:nvSpPr>
+        <p:spPr>
+          <a:xfrm>
+            <a:off x="8472458" y="4663217"/>
+            <a:ext cx="548700" cy="393600"/>
+          </a:xfrm>
+          <a:prstGeom prst="rect">
+            <a:avLst/>
+          </a:prstGeom>
+        </p:spPr>
+        <p:txBody>
+          <a:bodyPr anchorCtr="0" anchor="ctr" bIns="91425" lIns="91425" spcFirstLastPara="1" rIns="91425" wrap="square" tIns="91425">
+            <a:noAutofit/>
+          </a:bodyPr>
+          <a:lstStyle>
+            <a:lvl1pPr lvl="0" rtl="0">
+              <a:buNone/>
+              <a:defRPr/>
+            </a:lvl1pPr>
+            <a:lvl2pPr lvl="1" rtl="0">
+              <a:buNone/>
+              <a:defRPr/>
+            </a:lvl2pPr>
+            <a:lvl3pPr lvl="2" rtl="0">
+              <a:buNone/>
+              <a:defRPr/>
+            </a:lvl3pPr>
+            <a:lvl4pPr lvl="3" rtl="0">
+              <a:buNone/>
+              <a:defRPr/>
+            </a:lvl4pPr>
+            <a:lvl5pPr lvl="4" rtl="0">
+              <a:buNone/>
+              <a:defRPr/>
+            </a:lvl5pPr>
+            <a:lvl6pPr lvl="5" rtl="0">
+              <a:buNone/>
+              <a:defRPr/>
+            </a:lvl6pPr>
+            <a:lvl7pPr lvl="6" rtl="0">
+              <a:buNone/>
+              <a:defRPr/>
+            </a:lvl7pPr>
+            <a:lvl8pPr lvl="7" rtl="0">
+              <a:buNone/>
+              <a:defRPr/>
+            </a:lvl8pPr>
+            <a:lvl9pPr lvl="8" rtl="0">
+              <a:buNone/>
+              <a:defRPr/>
+            </a:lvl9pPr>
+          </a:lstStyle>
+          <a:p>
+            <a:pPr indent="0" lvl="0" marL="0" rtl="0" algn="r">
+              <a:spcBef>
+                <a:spcPts val="0"/>
+              </a:spcBef>
+              <a:spcAft>
+                <a:spcPts val="0"/>
+              </a:spcAft>
+              <a:buNone/>
+            </a:pPr>
+            <a:fld id="{00000000-1234-1234-1234-123412341234}" type="slidenum">
+              <a:rPr lang="en"/>
+              <a:t>‹#›</a:t>
+            </a:fld>
+            <a:endParaRPr/>
+          </a:p>
+        </p:txBody>
+      </p:sp>
+    </p:spTree>
+  </p:cSld>
+  <p:clrMapOvr>
+    <a:masterClrMapping/>
+  </p:clrMapOvr>
+</p:sldLayout>
+</file>
+
+<file path=ppt/slideLayouts/slideLayout21.xml><?xml version="1.0" encoding="utf-8"?>
+<p:sldLayout xmlns:a="http://schemas.openxmlformats.org/drawingml/2006/main" xmlns:r="http://schemas.openxmlformats.org/officeDocument/2006/relationships" xmlns:mc="http://schemas.openxmlformats.org/markup-compatibility/2006" xmlns:mv="urn:schemas-microsoft-com:mac:vml" xmlns:p="http://schemas.openxmlformats.org/presentationml/2006/main" xmlns:c="http://schemas.openxmlformats.org/drawingml/2006/chart" xmlns:dgm="http://schemas.openxmlformats.org/drawingml/2006/diagram" xmlns:o="urn:schemas-microsoft-com:office:office" xmlns:v="urn:schemas-microsoft-com:vml" xmlns:pvml="urn:schemas-microsoft-com:office:powerpoint" xmlns:com="http://schemas.openxmlformats.org/drawingml/2006/compatibility" xmlns:p14="http://schemas.microsoft.com/office/powerpoint/2010/main" xmlns:p15="http://schemas.microsoft.com/office/powerpoint/2012/main" matchingName="Big number">
+  <p:cSld name="BIG_NUMBER">
+    <p:spTree>
+      <p:nvGrpSpPr>
+        <p:cNvPr id="89" name="Shape 89"/>
+        <p:cNvGrpSpPr/>
+        <p:nvPr/>
+      </p:nvGrpSpPr>
+      <p:grpSpPr>
+        <a:xfrm>
+          <a:off x="0" y="0"/>
+          <a:ext cx="0" cy="0"/>
+          <a:chOff x="0" y="0"/>
+          <a:chExt cx="0" cy="0"/>
+        </a:xfrm>
+      </p:grpSpPr>
+      <p:sp>
+        <p:nvSpPr>
+          <p:cNvPr id="90" name="Google Shape;90;p23"/>
+          <p:cNvSpPr txBox="1"/>
+          <p:nvPr>
+            <p:ph hasCustomPrompt="1" type="title"/>
+          </p:nvPr>
+        </p:nvSpPr>
+        <p:spPr>
+          <a:xfrm>
+            <a:off x="311700" y="1106125"/>
+            <a:ext cx="8520600" cy="1963500"/>
+          </a:xfrm>
+          <a:prstGeom prst="rect">
+            <a:avLst/>
+          </a:prstGeom>
+        </p:spPr>
+        <p:txBody>
+          <a:bodyPr anchorCtr="0" anchor="b" bIns="91425" lIns="91425" spcFirstLastPara="1" rIns="91425" wrap="square" tIns="91425"/>
+          <a:lstStyle>
+            <a:lvl1pPr lvl="0" rtl="0" algn="ctr">
+              <a:spcBef>
+                <a:spcPts val="0"/>
+              </a:spcBef>
+              <a:spcAft>
+                <a:spcPts val="0"/>
+              </a:spcAft>
+              <a:buSzPts val="12000"/>
+              <a:buNone/>
+              <a:defRPr sz="12000"/>
+            </a:lvl1pPr>
+            <a:lvl2pPr lvl="1" rtl="0" algn="ctr">
+              <a:spcBef>
+                <a:spcPts val="0"/>
+              </a:spcBef>
+              <a:spcAft>
+                <a:spcPts val="0"/>
+              </a:spcAft>
+              <a:buSzPts val="12000"/>
+              <a:buNone/>
+              <a:defRPr sz="12000"/>
+            </a:lvl2pPr>
+            <a:lvl3pPr lvl="2" rtl="0" algn="ctr">
+              <a:spcBef>
+                <a:spcPts val="0"/>
+              </a:spcBef>
+              <a:spcAft>
+                <a:spcPts val="0"/>
+              </a:spcAft>
+              <a:buSzPts val="12000"/>
+              <a:buNone/>
+              <a:defRPr sz="12000"/>
+            </a:lvl3pPr>
+            <a:lvl4pPr lvl="3" rtl="0" algn="ctr">
+              <a:spcBef>
+                <a:spcPts val="0"/>
+              </a:spcBef>
+              <a:spcAft>
+                <a:spcPts val="0"/>
+              </a:spcAft>
+              <a:buSzPts val="12000"/>
+              <a:buNone/>
+              <a:defRPr sz="12000"/>
+            </a:lvl4pPr>
+            <a:lvl5pPr lvl="4" rtl="0" algn="ctr">
+              <a:spcBef>
+                <a:spcPts val="0"/>
+              </a:spcBef>
+              <a:spcAft>
+                <a:spcPts val="0"/>
+              </a:spcAft>
+              <a:buSzPts val="12000"/>
+              <a:buNone/>
+              <a:defRPr sz="12000"/>
+            </a:lvl5pPr>
+            <a:lvl6pPr lvl="5" rtl="0" algn="ctr">
+              <a:spcBef>
+                <a:spcPts val="0"/>
+              </a:spcBef>
+              <a:spcAft>
+                <a:spcPts val="0"/>
+              </a:spcAft>
+              <a:buSzPts val="12000"/>
+              <a:buNone/>
+              <a:defRPr sz="12000"/>
+            </a:lvl6pPr>
+            <a:lvl7pPr lvl="6" rtl="0" algn="ctr">
+              <a:spcBef>
+                <a:spcPts val="0"/>
+              </a:spcBef>
+              <a:spcAft>
+                <a:spcPts val="0"/>
+              </a:spcAft>
+              <a:buSzPts val="12000"/>
+              <a:buNone/>
+              <a:defRPr sz="12000"/>
+            </a:lvl7pPr>
+            <a:lvl8pPr lvl="7" rtl="0" algn="ctr">
+              <a:spcBef>
+                <a:spcPts val="0"/>
+              </a:spcBef>
+              <a:spcAft>
+                <a:spcPts val="0"/>
+              </a:spcAft>
+              <a:buSzPts val="12000"/>
+              <a:buNone/>
+              <a:defRPr sz="12000"/>
+            </a:lvl8pPr>
+            <a:lvl9pPr lvl="8" rtl="0" algn="ctr">
+              <a:spcBef>
+                <a:spcPts val="0"/>
+              </a:spcBef>
+              <a:spcAft>
+                <a:spcPts val="0"/>
+              </a:spcAft>
+              <a:buSzPts val="12000"/>
+              <a:buNone/>
+              <a:defRPr sz="12000"/>
+            </a:lvl9pPr>
+          </a:lstStyle>
+          <a:p>
+            <a:r>
+              <a:t>xx%</a:t>
+            </a:r>
+          </a:p>
+        </p:txBody>
+      </p:sp>
+      <p:sp>
+        <p:nvSpPr>
+          <p:cNvPr id="91" name="Google Shape;91;p23"/>
+          <p:cNvSpPr txBox="1"/>
+          <p:nvPr>
+            <p:ph idx="1" type="body"/>
+          </p:nvPr>
+        </p:nvSpPr>
+        <p:spPr>
+          <a:xfrm>
+            <a:off x="311700" y="3152225"/>
+            <a:ext cx="8520600" cy="1300800"/>
+          </a:xfrm>
+          <a:prstGeom prst="rect">
+            <a:avLst/>
+          </a:prstGeom>
+        </p:spPr>
+        <p:txBody>
+          <a:bodyPr anchorCtr="0" anchor="t" bIns="91425" lIns="91425" spcFirstLastPara="1" rIns="91425" wrap="square" tIns="91425"/>
+          <a:lstStyle>
+            <a:lvl1pPr indent="-342900" lvl="0" marL="457200" rtl="0" algn="ctr">
+              <a:spcBef>
+                <a:spcPts val="0"/>
+              </a:spcBef>
+              <a:spcAft>
+                <a:spcPts val="0"/>
+              </a:spcAft>
+              <a:buSzPts val="1800"/>
+              <a:buChar char="●"/>
+              <a:defRPr/>
+            </a:lvl1pPr>
+            <a:lvl2pPr indent="-317500" lvl="1" marL="914400" rtl="0" algn="ctr">
+              <a:spcBef>
+                <a:spcPts val="1600"/>
+              </a:spcBef>
+              <a:spcAft>
+                <a:spcPts val="0"/>
+              </a:spcAft>
+              <a:buSzPts val="1400"/>
+              <a:buChar char="○"/>
+              <a:defRPr/>
+            </a:lvl2pPr>
+            <a:lvl3pPr indent="-317500" lvl="2" marL="1371600" rtl="0" algn="ctr">
+              <a:spcBef>
+                <a:spcPts val="1600"/>
+              </a:spcBef>
+              <a:spcAft>
+                <a:spcPts val="0"/>
+              </a:spcAft>
+              <a:buSzPts val="1400"/>
+              <a:buChar char="■"/>
+              <a:defRPr/>
+            </a:lvl3pPr>
+            <a:lvl4pPr indent="-317500" lvl="3" marL="1828800" rtl="0" algn="ctr">
+              <a:spcBef>
+                <a:spcPts val="1600"/>
+              </a:spcBef>
+              <a:spcAft>
+                <a:spcPts val="0"/>
+              </a:spcAft>
+              <a:buSzPts val="1400"/>
+              <a:buChar char="●"/>
+              <a:defRPr/>
+            </a:lvl4pPr>
+            <a:lvl5pPr indent="-317500" lvl="4" marL="2286000" rtl="0" algn="ctr">
+              <a:spcBef>
+                <a:spcPts val="1600"/>
+              </a:spcBef>
+              <a:spcAft>
+                <a:spcPts val="0"/>
+              </a:spcAft>
+              <a:buSzPts val="1400"/>
+              <a:buChar char="○"/>
+              <a:defRPr/>
+            </a:lvl5pPr>
+            <a:lvl6pPr indent="-317500" lvl="5" marL="2743200" rtl="0" algn="ctr">
+              <a:spcBef>
+                <a:spcPts val="1600"/>
+              </a:spcBef>
+              <a:spcAft>
+                <a:spcPts val="0"/>
+              </a:spcAft>
+              <a:buSzPts val="1400"/>
+              <a:buChar char="■"/>
+              <a:defRPr/>
+            </a:lvl6pPr>
+            <a:lvl7pPr indent="-317500" lvl="6" marL="3200400" rtl="0" algn="ctr">
+              <a:spcBef>
+                <a:spcPts val="1600"/>
+              </a:spcBef>
+              <a:spcAft>
+                <a:spcPts val="0"/>
+              </a:spcAft>
+              <a:buSzPts val="1400"/>
+              <a:buChar char="●"/>
+              <a:defRPr/>
+            </a:lvl7pPr>
+            <a:lvl8pPr indent="-317500" lvl="7" marL="3657600" rtl="0" algn="ctr">
+              <a:spcBef>
+                <a:spcPts val="1600"/>
+              </a:spcBef>
+              <a:spcAft>
+                <a:spcPts val="0"/>
+              </a:spcAft>
+              <a:buSzPts val="1400"/>
+              <a:buChar char="○"/>
+              <a:defRPr/>
+            </a:lvl8pPr>
+            <a:lvl9pPr indent="-317500" lvl="8" marL="4114800" rtl="0" algn="ctr">
+              <a:spcBef>
+                <a:spcPts val="1600"/>
+              </a:spcBef>
+              <a:spcAft>
+                <a:spcPts val="1600"/>
+              </a:spcAft>
+              <a:buSzPts val="1400"/>
+              <a:buChar char="■"/>
+              <a:defRPr/>
+            </a:lvl9pPr>
+          </a:lstStyle>
+          <a:p/>
+        </p:txBody>
+      </p:sp>
+      <p:sp>
+        <p:nvSpPr>
+          <p:cNvPr id="92" name="Google Shape;92;p23"/>
+          <p:cNvSpPr txBox="1"/>
+          <p:nvPr>
+            <p:ph idx="12" type="sldNum"/>
+          </p:nvPr>
+        </p:nvSpPr>
+        <p:spPr>
+          <a:xfrm>
+            <a:off x="8472458" y="4663217"/>
+            <a:ext cx="548700" cy="393600"/>
+          </a:xfrm>
+          <a:prstGeom prst="rect">
+            <a:avLst/>
+          </a:prstGeom>
+        </p:spPr>
+        <p:txBody>
+          <a:bodyPr anchorCtr="0" anchor="ctr" bIns="91425" lIns="91425" spcFirstLastPara="1" rIns="91425" wrap="square" tIns="91425">
+            <a:noAutofit/>
+          </a:bodyPr>
+          <a:lstStyle>
+            <a:lvl1pPr lvl="0" rtl="0">
+              <a:buNone/>
+              <a:defRPr/>
+            </a:lvl1pPr>
+            <a:lvl2pPr lvl="1" rtl="0">
+              <a:buNone/>
+              <a:defRPr/>
+            </a:lvl2pPr>
+            <a:lvl3pPr lvl="2" rtl="0">
+              <a:buNone/>
+              <a:defRPr/>
+            </a:lvl3pPr>
+            <a:lvl4pPr lvl="3" rtl="0">
+              <a:buNone/>
+              <a:defRPr/>
+            </a:lvl4pPr>
+            <a:lvl5pPr lvl="4" rtl="0">
+              <a:buNone/>
+              <a:defRPr/>
+            </a:lvl5pPr>
+            <a:lvl6pPr lvl="5" rtl="0">
+              <a:buNone/>
+              <a:defRPr/>
+            </a:lvl6pPr>
+            <a:lvl7pPr lvl="6" rtl="0">
+              <a:buNone/>
+              <a:defRPr/>
+            </a:lvl7pPr>
+            <a:lvl8pPr lvl="7" rtl="0">
+              <a:buNone/>
+              <a:defRPr/>
+            </a:lvl8pPr>
+            <a:lvl9pPr lvl="8" rtl="0">
+              <a:buNone/>
+              <a:defRPr/>
+            </a:lvl9pPr>
+          </a:lstStyle>
+          <a:p>
+            <a:pPr indent="0" lvl="0" marL="0" rtl="0" algn="r">
+              <a:spcBef>
+                <a:spcPts val="0"/>
+              </a:spcBef>
+              <a:spcAft>
+                <a:spcPts val="0"/>
+              </a:spcAft>
+              <a:buNone/>
+            </a:pPr>
+            <a:fld id="{00000000-1234-1234-1234-123412341234}" type="slidenum">
+              <a:rPr lang="en"/>
+              <a:t>‹#›</a:t>
+            </a:fld>
+            <a:endParaRPr/>
+          </a:p>
+        </p:txBody>
+      </p:sp>
+    </p:spTree>
+  </p:cSld>
+  <p:clrMapOvr>
+    <a:masterClrMapping/>
+  </p:clrMapOvr>
+</p:sldLayout>
+</file>
+
+<file path=ppt/slideLayouts/slideLayout22.xml><?xml version="1.0" encoding="utf-8"?>
+<p:sldLayout xmlns:a="http://schemas.openxmlformats.org/drawingml/2006/main" xmlns:r="http://schemas.openxmlformats.org/officeDocument/2006/relationships" xmlns:mc="http://schemas.openxmlformats.org/markup-compatibility/2006" xmlns:mv="urn:schemas-microsoft-com:mac:vml" xmlns:p="http://schemas.openxmlformats.org/presentationml/2006/main" xmlns:c="http://schemas.openxmlformats.org/drawingml/2006/chart" xmlns:dgm="http://schemas.openxmlformats.org/drawingml/2006/diagram" xmlns:o="urn:schemas-microsoft-com:office:office" xmlns:v="urn:schemas-microsoft-com:vml" xmlns:pvml="urn:schemas-microsoft-com:office:powerpoint" xmlns:com="http://schemas.openxmlformats.org/drawingml/2006/compatibility" xmlns:p14="http://schemas.microsoft.com/office/powerpoint/2010/main" xmlns:p15="http://schemas.microsoft.com/office/powerpoint/2012/main" matchingName="Blank" type="blank">
+  <p:cSld name="BLANK">
+    <p:spTree>
+      <p:nvGrpSpPr>
+        <p:cNvPr id="93" name="Shape 93"/>
+        <p:cNvGrpSpPr/>
+        <p:nvPr/>
+      </p:nvGrpSpPr>
+      <p:grpSpPr>
+        <a:xfrm>
+          <a:off x="0" y="0"/>
+          <a:ext cx="0" cy="0"/>
+          <a:chOff x="0" y="0"/>
+          <a:chExt cx="0" cy="0"/>
+        </a:xfrm>
+      </p:grpSpPr>
+      <p:sp>
+        <p:nvSpPr>
+          <p:cNvPr id="94" name="Google Shape;94;p24"/>
+          <p:cNvSpPr txBox="1"/>
+          <p:nvPr>
+            <p:ph idx="12" type="sldNum"/>
+          </p:nvPr>
+        </p:nvSpPr>
+        <p:spPr>
+          <a:xfrm>
+            <a:off x="8472458" y="4663217"/>
+            <a:ext cx="548700" cy="393600"/>
+          </a:xfrm>
+          <a:prstGeom prst="rect">
+            <a:avLst/>
+          </a:prstGeom>
+        </p:spPr>
+        <p:txBody>
+          <a:bodyPr anchorCtr="0" anchor="ctr" bIns="91425" lIns="91425" spcFirstLastPara="1" rIns="91425" wrap="square" tIns="91425">
+            <a:noAutofit/>
+          </a:bodyPr>
+          <a:lstStyle>
+            <a:lvl1pPr lvl="0" rtl="0">
+              <a:buNone/>
+              <a:defRPr/>
+            </a:lvl1pPr>
+            <a:lvl2pPr lvl="1" rtl="0">
+              <a:buNone/>
+              <a:defRPr/>
+            </a:lvl2pPr>
+            <a:lvl3pPr lvl="2" rtl="0">
+              <a:buNone/>
+              <a:defRPr/>
+            </a:lvl3pPr>
+            <a:lvl4pPr lvl="3" rtl="0">
+              <a:buNone/>
+              <a:defRPr/>
+            </a:lvl4pPr>
+            <a:lvl5pPr lvl="4" rtl="0">
+              <a:buNone/>
+              <a:defRPr/>
+            </a:lvl5pPr>
+            <a:lvl6pPr lvl="5" rtl="0">
+              <a:buNone/>
+              <a:defRPr/>
+            </a:lvl6pPr>
+            <a:lvl7pPr lvl="6" rtl="0">
+              <a:buNone/>
+              <a:defRPr/>
+            </a:lvl7pPr>
+            <a:lvl8pPr lvl="7" rtl="0">
+              <a:buNone/>
+              <a:defRPr/>
+            </a:lvl8pPr>
+            <a:lvl9pPr lvl="8" rtl="0">
               <a:buNone/>
               <a:defRPr/>
             </a:lvl9pPr>
@@ -5892,12 +9540,19 @@
 </p:sldMaster>
 </file>
 
-<file path=ppt/slides/slide1.xml><?xml version="1.0" encoding="utf-8"?>
-<p:sld xmlns:a="http://schemas.openxmlformats.org/drawingml/2006/main" xmlns:r="http://schemas.openxmlformats.org/officeDocument/2006/relationships" xmlns:mc="http://schemas.openxmlformats.org/markup-compatibility/2006" xmlns:mv="urn:schemas-microsoft-com:mac:vml" xmlns:p="http://schemas.openxmlformats.org/presentationml/2006/main" xmlns:c="http://schemas.openxmlformats.org/drawingml/2006/chart" xmlns:dgm="http://schemas.openxmlformats.org/drawingml/2006/diagram" xmlns:o="urn:schemas-microsoft-com:office:office" xmlns:v="urn:schemas-microsoft-com:vml" xmlns:pvml="urn:schemas-microsoft-com:office:powerpoint" xmlns:com="http://schemas.openxmlformats.org/drawingml/2006/compatibility" xmlns:p14="http://schemas.microsoft.com/office/powerpoint/2010/main" xmlns:p15="http://schemas.microsoft.com/office/powerpoint/2012/main">
-  <p:cSld>
+<file path=ppt/slideMasters/slideMaster2.xml><?xml version="1.0" encoding="utf-8"?>
+<p:sldMaster xmlns:a="http://schemas.openxmlformats.org/drawingml/2006/main" xmlns:r="http://schemas.openxmlformats.org/officeDocument/2006/relationships" xmlns:mc="http://schemas.openxmlformats.org/markup-compatibility/2006" xmlns:mv="urn:schemas-microsoft-com:mac:vml" xmlns:p="http://schemas.openxmlformats.org/presentationml/2006/main" xmlns:c="http://schemas.openxmlformats.org/drawingml/2006/chart" xmlns:dgm="http://schemas.openxmlformats.org/drawingml/2006/diagram" xmlns:o="urn:schemas-microsoft-com:office:office" xmlns:v="urn:schemas-microsoft-com:vml" xmlns:pvml="urn:schemas-microsoft-com:office:powerpoint" xmlns:com="http://schemas.openxmlformats.org/drawingml/2006/compatibility" xmlns:p14="http://schemas.microsoft.com/office/powerpoint/2010/main" xmlns:p15="http://schemas.microsoft.com/office/powerpoint/2012/main">
+  <p:cSld name="simple-dark-2">
+    <p:bg>
+      <p:bgPr>
+        <a:solidFill>
+          <a:schemeClr val="lt1"/>
+        </a:solidFill>
+      </p:bgPr>
+    </p:bg>
     <p:spTree>
       <p:nvGrpSpPr>
-        <p:cNvPr id="53" name="Shape 53"/>
+        <p:cNvPr id="50" name="Shape 50"/>
         <p:cNvGrpSpPr/>
         <p:nvPr/>
       </p:nvGrpSpPr>
@@ -5911,7 +9566,1257 @@
       </p:grpSpPr>
       <p:sp>
         <p:nvSpPr>
-          <p:cNvPr id="54" name="Google Shape;54;p13"/>
+          <p:cNvPr id="51" name="Google Shape;51;p13"/>
+          <p:cNvSpPr txBox="1"/>
+          <p:nvPr>
+            <p:ph type="title"/>
+          </p:nvPr>
+        </p:nvSpPr>
+        <p:spPr>
+          <a:xfrm>
+            <a:off x="311700" y="445025"/>
+            <a:ext cx="8520600" cy="572700"/>
+          </a:xfrm>
+          <a:prstGeom prst="rect">
+            <a:avLst/>
+          </a:prstGeom>
+          <a:noFill/>
+          <a:ln>
+            <a:noFill/>
+          </a:ln>
+        </p:spPr>
+        <p:txBody>
+          <a:bodyPr anchorCtr="0" anchor="t" bIns="91425" lIns="91425" spcFirstLastPara="1" rIns="91425" wrap="square" tIns="91425"/>
+          <a:lstStyle>
+            <a:lvl1pPr lvl="0" rtl="0">
+              <a:spcBef>
+                <a:spcPts val="0"/>
+              </a:spcBef>
+              <a:spcAft>
+                <a:spcPts val="0"/>
+              </a:spcAft>
+              <a:buClr>
+                <a:schemeClr val="dk1"/>
+              </a:buClr>
+              <a:buSzPts val="2800"/>
+              <a:buNone/>
+              <a:defRPr sz="2800">
+                <a:solidFill>
+                  <a:schemeClr val="dk1"/>
+                </a:solidFill>
+              </a:defRPr>
+            </a:lvl1pPr>
+            <a:lvl2pPr lvl="1" rtl="0">
+              <a:spcBef>
+                <a:spcPts val="0"/>
+              </a:spcBef>
+              <a:spcAft>
+                <a:spcPts val="0"/>
+              </a:spcAft>
+              <a:buClr>
+                <a:schemeClr val="dk1"/>
+              </a:buClr>
+              <a:buSzPts val="2800"/>
+              <a:buNone/>
+              <a:defRPr sz="2800">
+                <a:solidFill>
+                  <a:schemeClr val="dk1"/>
+                </a:solidFill>
+              </a:defRPr>
+            </a:lvl2pPr>
+            <a:lvl3pPr lvl="2" rtl="0">
+              <a:spcBef>
+                <a:spcPts val="0"/>
+              </a:spcBef>
+              <a:spcAft>
+                <a:spcPts val="0"/>
+              </a:spcAft>
+              <a:buClr>
+                <a:schemeClr val="dk1"/>
+              </a:buClr>
+              <a:buSzPts val="2800"/>
+              <a:buNone/>
+              <a:defRPr sz="2800">
+                <a:solidFill>
+                  <a:schemeClr val="dk1"/>
+                </a:solidFill>
+              </a:defRPr>
+            </a:lvl3pPr>
+            <a:lvl4pPr lvl="3" rtl="0">
+              <a:spcBef>
+                <a:spcPts val="0"/>
+              </a:spcBef>
+              <a:spcAft>
+                <a:spcPts val="0"/>
+              </a:spcAft>
+              <a:buClr>
+                <a:schemeClr val="dk1"/>
+              </a:buClr>
+              <a:buSzPts val="2800"/>
+              <a:buNone/>
+              <a:defRPr sz="2800">
+                <a:solidFill>
+                  <a:schemeClr val="dk1"/>
+                </a:solidFill>
+              </a:defRPr>
+            </a:lvl4pPr>
+            <a:lvl5pPr lvl="4" rtl="0">
+              <a:spcBef>
+                <a:spcPts val="0"/>
+              </a:spcBef>
+              <a:spcAft>
+                <a:spcPts val="0"/>
+              </a:spcAft>
+              <a:buClr>
+                <a:schemeClr val="dk1"/>
+              </a:buClr>
+              <a:buSzPts val="2800"/>
+              <a:buNone/>
+              <a:defRPr sz="2800">
+                <a:solidFill>
+                  <a:schemeClr val="dk1"/>
+                </a:solidFill>
+              </a:defRPr>
+            </a:lvl5pPr>
+            <a:lvl6pPr lvl="5" rtl="0">
+              <a:spcBef>
+                <a:spcPts val="0"/>
+              </a:spcBef>
+              <a:spcAft>
+                <a:spcPts val="0"/>
+              </a:spcAft>
+              <a:buClr>
+                <a:schemeClr val="dk1"/>
+              </a:buClr>
+              <a:buSzPts val="2800"/>
+              <a:buNone/>
+              <a:defRPr sz="2800">
+                <a:solidFill>
+                  <a:schemeClr val="dk1"/>
+                </a:solidFill>
+              </a:defRPr>
+            </a:lvl6pPr>
+            <a:lvl7pPr lvl="6" rtl="0">
+              <a:spcBef>
+                <a:spcPts val="0"/>
+              </a:spcBef>
+              <a:spcAft>
+                <a:spcPts val="0"/>
+              </a:spcAft>
+              <a:buClr>
+                <a:schemeClr val="dk1"/>
+              </a:buClr>
+              <a:buSzPts val="2800"/>
+              <a:buNone/>
+              <a:defRPr sz="2800">
+                <a:solidFill>
+                  <a:schemeClr val="dk1"/>
+                </a:solidFill>
+              </a:defRPr>
+            </a:lvl7pPr>
+            <a:lvl8pPr lvl="7" rtl="0">
+              <a:spcBef>
+                <a:spcPts val="0"/>
+              </a:spcBef>
+              <a:spcAft>
+                <a:spcPts val="0"/>
+              </a:spcAft>
+              <a:buClr>
+                <a:schemeClr val="dk1"/>
+              </a:buClr>
+              <a:buSzPts val="2800"/>
+              <a:buNone/>
+              <a:defRPr sz="2800">
+                <a:solidFill>
+                  <a:schemeClr val="dk1"/>
+                </a:solidFill>
+              </a:defRPr>
+            </a:lvl8pPr>
+            <a:lvl9pPr lvl="8" rtl="0">
+              <a:spcBef>
+                <a:spcPts val="0"/>
+              </a:spcBef>
+              <a:spcAft>
+                <a:spcPts val="0"/>
+              </a:spcAft>
+              <a:buClr>
+                <a:schemeClr val="dk1"/>
+              </a:buClr>
+              <a:buSzPts val="2800"/>
+              <a:buNone/>
+              <a:defRPr sz="2800">
+                <a:solidFill>
+                  <a:schemeClr val="dk1"/>
+                </a:solidFill>
+              </a:defRPr>
+            </a:lvl9pPr>
+          </a:lstStyle>
+          <a:p/>
+        </p:txBody>
+      </p:sp>
+      <p:sp>
+        <p:nvSpPr>
+          <p:cNvPr id="52" name="Google Shape;52;p13"/>
+          <p:cNvSpPr txBox="1"/>
+          <p:nvPr>
+            <p:ph idx="1" type="body"/>
+          </p:nvPr>
+        </p:nvSpPr>
+        <p:spPr>
+          <a:xfrm>
+            <a:off x="311700" y="1152475"/>
+            <a:ext cx="8520600" cy="3416400"/>
+          </a:xfrm>
+          <a:prstGeom prst="rect">
+            <a:avLst/>
+          </a:prstGeom>
+          <a:noFill/>
+          <a:ln>
+            <a:noFill/>
+          </a:ln>
+        </p:spPr>
+        <p:txBody>
+          <a:bodyPr anchorCtr="0" anchor="t" bIns="91425" lIns="91425" spcFirstLastPara="1" rIns="91425" wrap="square" tIns="91425"/>
+          <a:lstStyle>
+            <a:lvl1pPr indent="-342900" lvl="0" marL="457200" rtl="0">
+              <a:lnSpc>
+                <a:spcPct val="115000"/>
+              </a:lnSpc>
+              <a:spcBef>
+                <a:spcPts val="0"/>
+              </a:spcBef>
+              <a:spcAft>
+                <a:spcPts val="0"/>
+              </a:spcAft>
+              <a:buClr>
+                <a:schemeClr val="lt2"/>
+              </a:buClr>
+              <a:buSzPts val="1800"/>
+              <a:buChar char="●"/>
+              <a:defRPr sz="1800">
+                <a:solidFill>
+                  <a:schemeClr val="lt2"/>
+                </a:solidFill>
+              </a:defRPr>
+            </a:lvl1pPr>
+            <a:lvl2pPr indent="-317500" lvl="1" marL="914400" rtl="0">
+              <a:lnSpc>
+                <a:spcPct val="115000"/>
+              </a:lnSpc>
+              <a:spcBef>
+                <a:spcPts val="1600"/>
+              </a:spcBef>
+              <a:spcAft>
+                <a:spcPts val="0"/>
+              </a:spcAft>
+              <a:buClr>
+                <a:schemeClr val="lt2"/>
+              </a:buClr>
+              <a:buSzPts val="1400"/>
+              <a:buChar char="○"/>
+              <a:defRPr>
+                <a:solidFill>
+                  <a:schemeClr val="lt2"/>
+                </a:solidFill>
+              </a:defRPr>
+            </a:lvl2pPr>
+            <a:lvl3pPr indent="-317500" lvl="2" marL="1371600" rtl="0">
+              <a:lnSpc>
+                <a:spcPct val="115000"/>
+              </a:lnSpc>
+              <a:spcBef>
+                <a:spcPts val="1600"/>
+              </a:spcBef>
+              <a:spcAft>
+                <a:spcPts val="0"/>
+              </a:spcAft>
+              <a:buClr>
+                <a:schemeClr val="lt2"/>
+              </a:buClr>
+              <a:buSzPts val="1400"/>
+              <a:buChar char="■"/>
+              <a:defRPr>
+                <a:solidFill>
+                  <a:schemeClr val="lt2"/>
+                </a:solidFill>
+              </a:defRPr>
+            </a:lvl3pPr>
+            <a:lvl4pPr indent="-317500" lvl="3" marL="1828800" rtl="0">
+              <a:lnSpc>
+                <a:spcPct val="115000"/>
+              </a:lnSpc>
+              <a:spcBef>
+                <a:spcPts val="1600"/>
+              </a:spcBef>
+              <a:spcAft>
+                <a:spcPts val="0"/>
+              </a:spcAft>
+              <a:buClr>
+                <a:schemeClr val="lt2"/>
+              </a:buClr>
+              <a:buSzPts val="1400"/>
+              <a:buChar char="●"/>
+              <a:defRPr>
+                <a:solidFill>
+                  <a:schemeClr val="lt2"/>
+                </a:solidFill>
+              </a:defRPr>
+            </a:lvl4pPr>
+            <a:lvl5pPr indent="-317500" lvl="4" marL="2286000" rtl="0">
+              <a:lnSpc>
+                <a:spcPct val="115000"/>
+              </a:lnSpc>
+              <a:spcBef>
+                <a:spcPts val="1600"/>
+              </a:spcBef>
+              <a:spcAft>
+                <a:spcPts val="0"/>
+              </a:spcAft>
+              <a:buClr>
+                <a:schemeClr val="lt2"/>
+              </a:buClr>
+              <a:buSzPts val="1400"/>
+              <a:buChar char="○"/>
+              <a:defRPr>
+                <a:solidFill>
+                  <a:schemeClr val="lt2"/>
+                </a:solidFill>
+              </a:defRPr>
+            </a:lvl5pPr>
+            <a:lvl6pPr indent="-317500" lvl="5" marL="2743200" rtl="0">
+              <a:lnSpc>
+                <a:spcPct val="115000"/>
+              </a:lnSpc>
+              <a:spcBef>
+                <a:spcPts val="1600"/>
+              </a:spcBef>
+              <a:spcAft>
+                <a:spcPts val="0"/>
+              </a:spcAft>
+              <a:buClr>
+                <a:schemeClr val="lt2"/>
+              </a:buClr>
+              <a:buSzPts val="1400"/>
+              <a:buChar char="■"/>
+              <a:defRPr>
+                <a:solidFill>
+                  <a:schemeClr val="lt2"/>
+                </a:solidFill>
+              </a:defRPr>
+            </a:lvl6pPr>
+            <a:lvl7pPr indent="-317500" lvl="6" marL="3200400" rtl="0">
+              <a:lnSpc>
+                <a:spcPct val="115000"/>
+              </a:lnSpc>
+              <a:spcBef>
+                <a:spcPts val="1600"/>
+              </a:spcBef>
+              <a:spcAft>
+                <a:spcPts val="0"/>
+              </a:spcAft>
+              <a:buClr>
+                <a:schemeClr val="lt2"/>
+              </a:buClr>
+              <a:buSzPts val="1400"/>
+              <a:buChar char="●"/>
+              <a:defRPr>
+                <a:solidFill>
+                  <a:schemeClr val="lt2"/>
+                </a:solidFill>
+              </a:defRPr>
+            </a:lvl7pPr>
+            <a:lvl8pPr indent="-317500" lvl="7" marL="3657600" rtl="0">
+              <a:lnSpc>
+                <a:spcPct val="115000"/>
+              </a:lnSpc>
+              <a:spcBef>
+                <a:spcPts val="1600"/>
+              </a:spcBef>
+              <a:spcAft>
+                <a:spcPts val="0"/>
+              </a:spcAft>
+              <a:buClr>
+                <a:schemeClr val="lt2"/>
+              </a:buClr>
+              <a:buSzPts val="1400"/>
+              <a:buChar char="○"/>
+              <a:defRPr>
+                <a:solidFill>
+                  <a:schemeClr val="lt2"/>
+                </a:solidFill>
+              </a:defRPr>
+            </a:lvl8pPr>
+            <a:lvl9pPr indent="-317500" lvl="8" marL="4114800" rtl="0">
+              <a:lnSpc>
+                <a:spcPct val="115000"/>
+              </a:lnSpc>
+              <a:spcBef>
+                <a:spcPts val="1600"/>
+              </a:spcBef>
+              <a:spcAft>
+                <a:spcPts val="1600"/>
+              </a:spcAft>
+              <a:buClr>
+                <a:schemeClr val="lt2"/>
+              </a:buClr>
+              <a:buSzPts val="1400"/>
+              <a:buChar char="■"/>
+              <a:defRPr>
+                <a:solidFill>
+                  <a:schemeClr val="lt2"/>
+                </a:solidFill>
+              </a:defRPr>
+            </a:lvl9pPr>
+          </a:lstStyle>
+          <a:p/>
+        </p:txBody>
+      </p:sp>
+      <p:sp>
+        <p:nvSpPr>
+          <p:cNvPr id="53" name="Google Shape;53;p13"/>
+          <p:cNvSpPr txBox="1"/>
+          <p:nvPr>
+            <p:ph idx="12" type="sldNum"/>
+          </p:nvPr>
+        </p:nvSpPr>
+        <p:spPr>
+          <a:xfrm>
+            <a:off x="8472458" y="4663217"/>
+            <a:ext cx="548700" cy="393600"/>
+          </a:xfrm>
+          <a:prstGeom prst="rect">
+            <a:avLst/>
+          </a:prstGeom>
+          <a:noFill/>
+          <a:ln>
+            <a:noFill/>
+          </a:ln>
+        </p:spPr>
+        <p:txBody>
+          <a:bodyPr anchorCtr="0" anchor="ctr" bIns="91425" lIns="91425" spcFirstLastPara="1" rIns="91425" wrap="square" tIns="91425">
+            <a:noAutofit/>
+          </a:bodyPr>
+          <a:lstStyle>
+            <a:lvl1pPr lvl="0" rtl="0" algn="r">
+              <a:buNone/>
+              <a:defRPr sz="1000">
+                <a:solidFill>
+                  <a:schemeClr val="lt2"/>
+                </a:solidFill>
+              </a:defRPr>
+            </a:lvl1pPr>
+            <a:lvl2pPr lvl="1" rtl="0" algn="r">
+              <a:buNone/>
+              <a:defRPr sz="1000">
+                <a:solidFill>
+                  <a:schemeClr val="lt2"/>
+                </a:solidFill>
+              </a:defRPr>
+            </a:lvl2pPr>
+            <a:lvl3pPr lvl="2" rtl="0" algn="r">
+              <a:buNone/>
+              <a:defRPr sz="1000">
+                <a:solidFill>
+                  <a:schemeClr val="lt2"/>
+                </a:solidFill>
+              </a:defRPr>
+            </a:lvl3pPr>
+            <a:lvl4pPr lvl="3" rtl="0" algn="r">
+              <a:buNone/>
+              <a:defRPr sz="1000">
+                <a:solidFill>
+                  <a:schemeClr val="lt2"/>
+                </a:solidFill>
+              </a:defRPr>
+            </a:lvl4pPr>
+            <a:lvl5pPr lvl="4" rtl="0" algn="r">
+              <a:buNone/>
+              <a:defRPr sz="1000">
+                <a:solidFill>
+                  <a:schemeClr val="lt2"/>
+                </a:solidFill>
+              </a:defRPr>
+            </a:lvl5pPr>
+            <a:lvl6pPr lvl="5" rtl="0" algn="r">
+              <a:buNone/>
+              <a:defRPr sz="1000">
+                <a:solidFill>
+                  <a:schemeClr val="lt2"/>
+                </a:solidFill>
+              </a:defRPr>
+            </a:lvl6pPr>
+            <a:lvl7pPr lvl="6" rtl="0" algn="r">
+              <a:buNone/>
+              <a:defRPr sz="1000">
+                <a:solidFill>
+                  <a:schemeClr val="lt2"/>
+                </a:solidFill>
+              </a:defRPr>
+            </a:lvl7pPr>
+            <a:lvl8pPr lvl="7" rtl="0" algn="r">
+              <a:buNone/>
+              <a:defRPr sz="1000">
+                <a:solidFill>
+                  <a:schemeClr val="lt2"/>
+                </a:solidFill>
+              </a:defRPr>
+            </a:lvl8pPr>
+            <a:lvl9pPr lvl="8" rtl="0" algn="r">
+              <a:buNone/>
+              <a:defRPr sz="1000">
+                <a:solidFill>
+                  <a:schemeClr val="lt2"/>
+                </a:solidFill>
+              </a:defRPr>
+            </a:lvl9pPr>
+          </a:lstStyle>
+          <a:p>
+            <a:pPr indent="0" lvl="0" marL="0" rtl="0" algn="r">
+              <a:spcBef>
+                <a:spcPts val="0"/>
+              </a:spcBef>
+              <a:spcAft>
+                <a:spcPts val="0"/>
+              </a:spcAft>
+              <a:buNone/>
+            </a:pPr>
+            <a:fld id="{00000000-1234-1234-1234-123412341234}" type="slidenum">
+              <a:rPr lang="en"/>
+              <a:t>‹#›</a:t>
+            </a:fld>
+            <a:endParaRPr/>
+          </a:p>
+        </p:txBody>
+      </p:sp>
+    </p:spTree>
+  </p:cSld>
+  <p:clrMap accent1="accent1" accent2="accent2" accent3="accent3" accent4="accent4" accent5="accent5" accent6="accent6" bg1="lt1" bg2="dk2" tx1="dk1" tx2="lt2" folHlink="folHlink" hlink="hlink"/>
+  <p:sldLayoutIdLst>
+    <p:sldLayoutId id="2147483659" r:id="rId1"/>
+    <p:sldLayoutId id="2147483660" r:id="rId2"/>
+    <p:sldLayoutId id="2147483661" r:id="rId3"/>
+    <p:sldLayoutId id="2147483662" r:id="rId4"/>
+    <p:sldLayoutId id="2147483663" r:id="rId5"/>
+    <p:sldLayoutId id="2147483664" r:id="rId6"/>
+    <p:sldLayoutId id="2147483665" r:id="rId7"/>
+    <p:sldLayoutId id="2147483666" r:id="rId8"/>
+    <p:sldLayoutId id="2147483667" r:id="rId9"/>
+    <p:sldLayoutId id="2147483668" r:id="rId10"/>
+    <p:sldLayoutId id="2147483669" r:id="rId11"/>
+  </p:sldLayoutIdLst>
+  <p:hf dt="0" ftr="0" hdr="0" sldNum="0"/>
+  <p:txStyles>
+    <p:titleStyle>
+      <a:defPPr lvl="0" marR="0" rtl="0" algn="l">
+        <a:lnSpc>
+          <a:spcPct val="100000"/>
+        </a:lnSpc>
+        <a:spcBef>
+          <a:spcPts val="0"/>
+        </a:spcBef>
+        <a:spcAft>
+          <a:spcPts val="0"/>
+        </a:spcAft>
+      </a:defPPr>
+      <a:lvl1pPr lvl="0" marR="0" rtl="0" algn="l">
+        <a:lnSpc>
+          <a:spcPct val="100000"/>
+        </a:lnSpc>
+        <a:spcBef>
+          <a:spcPts val="0"/>
+        </a:spcBef>
+        <a:spcAft>
+          <a:spcPts val="0"/>
+        </a:spcAft>
+        <a:buClr>
+          <a:srgbClr val="000000"/>
+        </a:buClr>
+        <a:buFont typeface="Arial"/>
+        <a:defRPr b="0" i="0" sz="1400" u="none" cap="none" strike="noStrike">
+          <a:solidFill>
+            <a:srgbClr val="000000"/>
+          </a:solidFill>
+          <a:latin typeface="Arial"/>
+          <a:ea typeface="Arial"/>
+          <a:cs typeface="Arial"/>
+          <a:sym typeface="Arial"/>
+        </a:defRPr>
+      </a:lvl1pPr>
+      <a:lvl2pPr lvl="1" marR="0" rtl="0" algn="l">
+        <a:lnSpc>
+          <a:spcPct val="100000"/>
+        </a:lnSpc>
+        <a:spcBef>
+          <a:spcPts val="0"/>
+        </a:spcBef>
+        <a:spcAft>
+          <a:spcPts val="0"/>
+        </a:spcAft>
+        <a:buClr>
+          <a:srgbClr val="000000"/>
+        </a:buClr>
+        <a:buFont typeface="Arial"/>
+        <a:defRPr b="0" i="0" sz="1400" u="none" cap="none" strike="noStrike">
+          <a:solidFill>
+            <a:srgbClr val="000000"/>
+          </a:solidFill>
+          <a:latin typeface="Arial"/>
+          <a:ea typeface="Arial"/>
+          <a:cs typeface="Arial"/>
+          <a:sym typeface="Arial"/>
+        </a:defRPr>
+      </a:lvl2pPr>
+      <a:lvl3pPr lvl="2" marR="0" rtl="0" algn="l">
+        <a:lnSpc>
+          <a:spcPct val="100000"/>
+        </a:lnSpc>
+        <a:spcBef>
+          <a:spcPts val="0"/>
+        </a:spcBef>
+        <a:spcAft>
+          <a:spcPts val="0"/>
+        </a:spcAft>
+        <a:buClr>
+          <a:srgbClr val="000000"/>
+        </a:buClr>
+        <a:buFont typeface="Arial"/>
+        <a:defRPr b="0" i="0" sz="1400" u="none" cap="none" strike="noStrike">
+          <a:solidFill>
+            <a:srgbClr val="000000"/>
+          </a:solidFill>
+          <a:latin typeface="Arial"/>
+          <a:ea typeface="Arial"/>
+          <a:cs typeface="Arial"/>
+          <a:sym typeface="Arial"/>
+        </a:defRPr>
+      </a:lvl3pPr>
+      <a:lvl4pPr lvl="3" marR="0" rtl="0" algn="l">
+        <a:lnSpc>
+          <a:spcPct val="100000"/>
+        </a:lnSpc>
+        <a:spcBef>
+          <a:spcPts val="0"/>
+        </a:spcBef>
+        <a:spcAft>
+          <a:spcPts val="0"/>
+        </a:spcAft>
+        <a:buClr>
+          <a:srgbClr val="000000"/>
+        </a:buClr>
+        <a:buFont typeface="Arial"/>
+        <a:defRPr b="0" i="0" sz="1400" u="none" cap="none" strike="noStrike">
+          <a:solidFill>
+            <a:srgbClr val="000000"/>
+          </a:solidFill>
+          <a:latin typeface="Arial"/>
+          <a:ea typeface="Arial"/>
+          <a:cs typeface="Arial"/>
+          <a:sym typeface="Arial"/>
+        </a:defRPr>
+      </a:lvl4pPr>
+      <a:lvl5pPr lvl="4" marR="0" rtl="0" algn="l">
+        <a:lnSpc>
+          <a:spcPct val="100000"/>
+        </a:lnSpc>
+        <a:spcBef>
+          <a:spcPts val="0"/>
+        </a:spcBef>
+        <a:spcAft>
+          <a:spcPts val="0"/>
+        </a:spcAft>
+        <a:buClr>
+          <a:srgbClr val="000000"/>
+        </a:buClr>
+        <a:buFont typeface="Arial"/>
+        <a:defRPr b="0" i="0" sz="1400" u="none" cap="none" strike="noStrike">
+          <a:solidFill>
+            <a:srgbClr val="000000"/>
+          </a:solidFill>
+          <a:latin typeface="Arial"/>
+          <a:ea typeface="Arial"/>
+          <a:cs typeface="Arial"/>
+          <a:sym typeface="Arial"/>
+        </a:defRPr>
+      </a:lvl5pPr>
+      <a:lvl6pPr lvl="5" marR="0" rtl="0" algn="l">
+        <a:lnSpc>
+          <a:spcPct val="100000"/>
+        </a:lnSpc>
+        <a:spcBef>
+          <a:spcPts val="0"/>
+        </a:spcBef>
+        <a:spcAft>
+          <a:spcPts val="0"/>
+        </a:spcAft>
+        <a:buClr>
+          <a:srgbClr val="000000"/>
+        </a:buClr>
+        <a:buFont typeface="Arial"/>
+        <a:defRPr b="0" i="0" sz="1400" u="none" cap="none" strike="noStrike">
+          <a:solidFill>
+            <a:srgbClr val="000000"/>
+          </a:solidFill>
+          <a:latin typeface="Arial"/>
+          <a:ea typeface="Arial"/>
+          <a:cs typeface="Arial"/>
+          <a:sym typeface="Arial"/>
+        </a:defRPr>
+      </a:lvl6pPr>
+      <a:lvl7pPr lvl="6" marR="0" rtl="0" algn="l">
+        <a:lnSpc>
+          <a:spcPct val="100000"/>
+        </a:lnSpc>
+        <a:spcBef>
+          <a:spcPts val="0"/>
+        </a:spcBef>
+        <a:spcAft>
+          <a:spcPts val="0"/>
+        </a:spcAft>
+        <a:buClr>
+          <a:srgbClr val="000000"/>
+        </a:buClr>
+        <a:buFont typeface="Arial"/>
+        <a:defRPr b="0" i="0" sz="1400" u="none" cap="none" strike="noStrike">
+          <a:solidFill>
+            <a:srgbClr val="000000"/>
+          </a:solidFill>
+          <a:latin typeface="Arial"/>
+          <a:ea typeface="Arial"/>
+          <a:cs typeface="Arial"/>
+          <a:sym typeface="Arial"/>
+        </a:defRPr>
+      </a:lvl7pPr>
+      <a:lvl8pPr lvl="7" marR="0" rtl="0" algn="l">
+        <a:lnSpc>
+          <a:spcPct val="100000"/>
+        </a:lnSpc>
+        <a:spcBef>
+          <a:spcPts val="0"/>
+        </a:spcBef>
+        <a:spcAft>
+          <a:spcPts val="0"/>
+        </a:spcAft>
+        <a:buClr>
+          <a:srgbClr val="000000"/>
+        </a:buClr>
+        <a:buFont typeface="Arial"/>
+        <a:defRPr b="0" i="0" sz="1400" u="none" cap="none" strike="noStrike">
+          <a:solidFill>
+            <a:srgbClr val="000000"/>
+          </a:solidFill>
+          <a:latin typeface="Arial"/>
+          <a:ea typeface="Arial"/>
+          <a:cs typeface="Arial"/>
+          <a:sym typeface="Arial"/>
+        </a:defRPr>
+      </a:lvl8pPr>
+      <a:lvl9pPr lvl="8" marR="0" rtl="0" algn="l">
+        <a:lnSpc>
+          <a:spcPct val="100000"/>
+        </a:lnSpc>
+        <a:spcBef>
+          <a:spcPts val="0"/>
+        </a:spcBef>
+        <a:spcAft>
+          <a:spcPts val="0"/>
+        </a:spcAft>
+        <a:buClr>
+          <a:srgbClr val="000000"/>
+        </a:buClr>
+        <a:buFont typeface="Arial"/>
+        <a:defRPr b="0" i="0" sz="1400" u="none" cap="none" strike="noStrike">
+          <a:solidFill>
+            <a:srgbClr val="000000"/>
+          </a:solidFill>
+          <a:latin typeface="Arial"/>
+          <a:ea typeface="Arial"/>
+          <a:cs typeface="Arial"/>
+          <a:sym typeface="Arial"/>
+        </a:defRPr>
+      </a:lvl9pPr>
+    </p:titleStyle>
+    <p:bodyStyle>
+      <a:defPPr lvl="0" marR="0" rtl="0" algn="l">
+        <a:lnSpc>
+          <a:spcPct val="100000"/>
+        </a:lnSpc>
+        <a:spcBef>
+          <a:spcPts val="0"/>
+        </a:spcBef>
+        <a:spcAft>
+          <a:spcPts val="0"/>
+        </a:spcAft>
+      </a:defPPr>
+      <a:lvl1pPr lvl="0" marR="0" rtl="0" algn="l">
+        <a:lnSpc>
+          <a:spcPct val="100000"/>
+        </a:lnSpc>
+        <a:spcBef>
+          <a:spcPts val="0"/>
+        </a:spcBef>
+        <a:spcAft>
+          <a:spcPts val="0"/>
+        </a:spcAft>
+        <a:buClr>
+          <a:srgbClr val="000000"/>
+        </a:buClr>
+        <a:buFont typeface="Arial"/>
+        <a:defRPr b="0" i="0" sz="1400" u="none" cap="none" strike="noStrike">
+          <a:solidFill>
+            <a:srgbClr val="000000"/>
+          </a:solidFill>
+          <a:latin typeface="Arial"/>
+          <a:ea typeface="Arial"/>
+          <a:cs typeface="Arial"/>
+          <a:sym typeface="Arial"/>
+        </a:defRPr>
+      </a:lvl1pPr>
+      <a:lvl2pPr lvl="1" marR="0" rtl="0" algn="l">
+        <a:lnSpc>
+          <a:spcPct val="100000"/>
+        </a:lnSpc>
+        <a:spcBef>
+          <a:spcPts val="0"/>
+        </a:spcBef>
+        <a:spcAft>
+          <a:spcPts val="0"/>
+        </a:spcAft>
+        <a:buClr>
+          <a:srgbClr val="000000"/>
+        </a:buClr>
+        <a:buFont typeface="Arial"/>
+        <a:defRPr b="0" i="0" sz="1400" u="none" cap="none" strike="noStrike">
+          <a:solidFill>
+            <a:srgbClr val="000000"/>
+          </a:solidFill>
+          <a:latin typeface="Arial"/>
+          <a:ea typeface="Arial"/>
+          <a:cs typeface="Arial"/>
+          <a:sym typeface="Arial"/>
+        </a:defRPr>
+      </a:lvl2pPr>
+      <a:lvl3pPr lvl="2" marR="0" rtl="0" algn="l">
+        <a:lnSpc>
+          <a:spcPct val="100000"/>
+        </a:lnSpc>
+        <a:spcBef>
+          <a:spcPts val="0"/>
+        </a:spcBef>
+        <a:spcAft>
+          <a:spcPts val="0"/>
+        </a:spcAft>
+        <a:buClr>
+          <a:srgbClr val="000000"/>
+        </a:buClr>
+        <a:buFont typeface="Arial"/>
+        <a:defRPr b="0" i="0" sz="1400" u="none" cap="none" strike="noStrike">
+          <a:solidFill>
+            <a:srgbClr val="000000"/>
+          </a:solidFill>
+          <a:latin typeface="Arial"/>
+          <a:ea typeface="Arial"/>
+          <a:cs typeface="Arial"/>
+          <a:sym typeface="Arial"/>
+        </a:defRPr>
+      </a:lvl3pPr>
+      <a:lvl4pPr lvl="3" marR="0" rtl="0" algn="l">
+        <a:lnSpc>
+          <a:spcPct val="100000"/>
+        </a:lnSpc>
+        <a:spcBef>
+          <a:spcPts val="0"/>
+        </a:spcBef>
+        <a:spcAft>
+          <a:spcPts val="0"/>
+        </a:spcAft>
+        <a:buClr>
+          <a:srgbClr val="000000"/>
+        </a:buClr>
+        <a:buFont typeface="Arial"/>
+        <a:defRPr b="0" i="0" sz="1400" u="none" cap="none" strike="noStrike">
+          <a:solidFill>
+            <a:srgbClr val="000000"/>
+          </a:solidFill>
+          <a:latin typeface="Arial"/>
+          <a:ea typeface="Arial"/>
+          <a:cs typeface="Arial"/>
+          <a:sym typeface="Arial"/>
+        </a:defRPr>
+      </a:lvl4pPr>
+      <a:lvl5pPr lvl="4" marR="0" rtl="0" algn="l">
+        <a:lnSpc>
+          <a:spcPct val="100000"/>
+        </a:lnSpc>
+        <a:spcBef>
+          <a:spcPts val="0"/>
+        </a:spcBef>
+        <a:spcAft>
+          <a:spcPts val="0"/>
+        </a:spcAft>
+        <a:buClr>
+          <a:srgbClr val="000000"/>
+        </a:buClr>
+        <a:buFont typeface="Arial"/>
+        <a:defRPr b="0" i="0" sz="1400" u="none" cap="none" strike="noStrike">
+          <a:solidFill>
+            <a:srgbClr val="000000"/>
+          </a:solidFill>
+          <a:latin typeface="Arial"/>
+          <a:ea typeface="Arial"/>
+          <a:cs typeface="Arial"/>
+          <a:sym typeface="Arial"/>
+        </a:defRPr>
+      </a:lvl5pPr>
+      <a:lvl6pPr lvl="5" marR="0" rtl="0" algn="l">
+        <a:lnSpc>
+          <a:spcPct val="100000"/>
+        </a:lnSpc>
+        <a:spcBef>
+          <a:spcPts val="0"/>
+        </a:spcBef>
+        <a:spcAft>
+          <a:spcPts val="0"/>
+        </a:spcAft>
+        <a:buClr>
+          <a:srgbClr val="000000"/>
+        </a:buClr>
+        <a:buFont typeface="Arial"/>
+        <a:defRPr b="0" i="0" sz="1400" u="none" cap="none" strike="noStrike">
+          <a:solidFill>
+            <a:srgbClr val="000000"/>
+          </a:solidFill>
+          <a:latin typeface="Arial"/>
+          <a:ea typeface="Arial"/>
+          <a:cs typeface="Arial"/>
+          <a:sym typeface="Arial"/>
+        </a:defRPr>
+      </a:lvl6pPr>
+      <a:lvl7pPr lvl="6" marR="0" rtl="0" algn="l">
+        <a:lnSpc>
+          <a:spcPct val="100000"/>
+        </a:lnSpc>
+        <a:spcBef>
+          <a:spcPts val="0"/>
+        </a:spcBef>
+        <a:spcAft>
+          <a:spcPts val="0"/>
+        </a:spcAft>
+        <a:buClr>
+          <a:srgbClr val="000000"/>
+        </a:buClr>
+        <a:buFont typeface="Arial"/>
+        <a:defRPr b="0" i="0" sz="1400" u="none" cap="none" strike="noStrike">
+          <a:solidFill>
+            <a:srgbClr val="000000"/>
+          </a:solidFill>
+          <a:latin typeface="Arial"/>
+          <a:ea typeface="Arial"/>
+          <a:cs typeface="Arial"/>
+          <a:sym typeface="Arial"/>
+        </a:defRPr>
+      </a:lvl7pPr>
+      <a:lvl8pPr lvl="7" marR="0" rtl="0" algn="l">
+        <a:lnSpc>
+          <a:spcPct val="100000"/>
+        </a:lnSpc>
+        <a:spcBef>
+          <a:spcPts val="0"/>
+        </a:spcBef>
+        <a:spcAft>
+          <a:spcPts val="0"/>
+        </a:spcAft>
+        <a:buClr>
+          <a:srgbClr val="000000"/>
+        </a:buClr>
+        <a:buFont typeface="Arial"/>
+        <a:defRPr b="0" i="0" sz="1400" u="none" cap="none" strike="noStrike">
+          <a:solidFill>
+            <a:srgbClr val="000000"/>
+          </a:solidFill>
+          <a:latin typeface="Arial"/>
+          <a:ea typeface="Arial"/>
+          <a:cs typeface="Arial"/>
+          <a:sym typeface="Arial"/>
+        </a:defRPr>
+      </a:lvl8pPr>
+      <a:lvl9pPr lvl="8" marR="0" rtl="0" algn="l">
+        <a:lnSpc>
+          <a:spcPct val="100000"/>
+        </a:lnSpc>
+        <a:spcBef>
+          <a:spcPts val="0"/>
+        </a:spcBef>
+        <a:spcAft>
+          <a:spcPts val="0"/>
+        </a:spcAft>
+        <a:buClr>
+          <a:srgbClr val="000000"/>
+        </a:buClr>
+        <a:buFont typeface="Arial"/>
+        <a:defRPr b="0" i="0" sz="1400" u="none" cap="none" strike="noStrike">
+          <a:solidFill>
+            <a:srgbClr val="000000"/>
+          </a:solidFill>
+          <a:latin typeface="Arial"/>
+          <a:ea typeface="Arial"/>
+          <a:cs typeface="Arial"/>
+          <a:sym typeface="Arial"/>
+        </a:defRPr>
+      </a:lvl9pPr>
+    </p:bodyStyle>
+    <p:otherStyle>
+      <a:defPPr lvl="0" marR="0" rtl="0" algn="l">
+        <a:lnSpc>
+          <a:spcPct val="100000"/>
+        </a:lnSpc>
+        <a:spcBef>
+          <a:spcPts val="0"/>
+        </a:spcBef>
+        <a:spcAft>
+          <a:spcPts val="0"/>
+        </a:spcAft>
+      </a:defPPr>
+      <a:lvl1pPr lvl="0" marR="0" rtl="0" algn="l">
+        <a:lnSpc>
+          <a:spcPct val="100000"/>
+        </a:lnSpc>
+        <a:spcBef>
+          <a:spcPts val="0"/>
+        </a:spcBef>
+        <a:spcAft>
+          <a:spcPts val="0"/>
+        </a:spcAft>
+        <a:buClr>
+          <a:srgbClr val="000000"/>
+        </a:buClr>
+        <a:buFont typeface="Arial"/>
+        <a:defRPr b="0" i="0" sz="1400" u="none" cap="none" strike="noStrike">
+          <a:solidFill>
+            <a:srgbClr val="000000"/>
+          </a:solidFill>
+          <a:latin typeface="Arial"/>
+          <a:ea typeface="Arial"/>
+          <a:cs typeface="Arial"/>
+          <a:sym typeface="Arial"/>
+        </a:defRPr>
+      </a:lvl1pPr>
+      <a:lvl2pPr lvl="1" marR="0" rtl="0" algn="l">
+        <a:lnSpc>
+          <a:spcPct val="100000"/>
+        </a:lnSpc>
+        <a:spcBef>
+          <a:spcPts val="0"/>
+        </a:spcBef>
+        <a:spcAft>
+          <a:spcPts val="0"/>
+        </a:spcAft>
+        <a:buClr>
+          <a:srgbClr val="000000"/>
+        </a:buClr>
+        <a:buFont typeface="Arial"/>
+        <a:defRPr b="0" i="0" sz="1400" u="none" cap="none" strike="noStrike">
+          <a:solidFill>
+            <a:srgbClr val="000000"/>
+          </a:solidFill>
+          <a:latin typeface="Arial"/>
+          <a:ea typeface="Arial"/>
+          <a:cs typeface="Arial"/>
+          <a:sym typeface="Arial"/>
+        </a:defRPr>
+      </a:lvl2pPr>
+      <a:lvl3pPr lvl="2" marR="0" rtl="0" algn="l">
+        <a:lnSpc>
+          <a:spcPct val="100000"/>
+        </a:lnSpc>
+        <a:spcBef>
+          <a:spcPts val="0"/>
+        </a:spcBef>
+        <a:spcAft>
+          <a:spcPts val="0"/>
+        </a:spcAft>
+        <a:buClr>
+          <a:srgbClr val="000000"/>
+        </a:buClr>
+        <a:buFont typeface="Arial"/>
+        <a:defRPr b="0" i="0" sz="1400" u="none" cap="none" strike="noStrike">
+          <a:solidFill>
+            <a:srgbClr val="000000"/>
+          </a:solidFill>
+          <a:latin typeface="Arial"/>
+          <a:ea typeface="Arial"/>
+          <a:cs typeface="Arial"/>
+          <a:sym typeface="Arial"/>
+        </a:defRPr>
+      </a:lvl3pPr>
+      <a:lvl4pPr lvl="3" marR="0" rtl="0" algn="l">
+        <a:lnSpc>
+          <a:spcPct val="100000"/>
+        </a:lnSpc>
+        <a:spcBef>
+          <a:spcPts val="0"/>
+        </a:spcBef>
+        <a:spcAft>
+          <a:spcPts val="0"/>
+        </a:spcAft>
+        <a:buClr>
+          <a:srgbClr val="000000"/>
+        </a:buClr>
+        <a:buFont typeface="Arial"/>
+        <a:defRPr b="0" i="0" sz="1400" u="none" cap="none" strike="noStrike">
+          <a:solidFill>
+            <a:srgbClr val="000000"/>
+          </a:solidFill>
+          <a:latin typeface="Arial"/>
+          <a:ea typeface="Arial"/>
+          <a:cs typeface="Arial"/>
+          <a:sym typeface="Arial"/>
+        </a:defRPr>
+      </a:lvl4pPr>
+      <a:lvl5pPr lvl="4" marR="0" rtl="0" algn="l">
+        <a:lnSpc>
+          <a:spcPct val="100000"/>
+        </a:lnSpc>
+        <a:spcBef>
+          <a:spcPts val="0"/>
+        </a:spcBef>
+        <a:spcAft>
+          <a:spcPts val="0"/>
+        </a:spcAft>
+        <a:buClr>
+          <a:srgbClr val="000000"/>
+        </a:buClr>
+        <a:buFont typeface="Arial"/>
+        <a:defRPr b="0" i="0" sz="1400" u="none" cap="none" strike="noStrike">
+          <a:solidFill>
+            <a:srgbClr val="000000"/>
+          </a:solidFill>
+          <a:latin typeface="Arial"/>
+          <a:ea typeface="Arial"/>
+          <a:cs typeface="Arial"/>
+          <a:sym typeface="Arial"/>
+        </a:defRPr>
+      </a:lvl5pPr>
+      <a:lvl6pPr lvl="5" marR="0" rtl="0" algn="l">
+        <a:lnSpc>
+          <a:spcPct val="100000"/>
+        </a:lnSpc>
+        <a:spcBef>
+          <a:spcPts val="0"/>
+        </a:spcBef>
+        <a:spcAft>
+          <a:spcPts val="0"/>
+        </a:spcAft>
+        <a:buClr>
+          <a:srgbClr val="000000"/>
+        </a:buClr>
+        <a:buFont typeface="Arial"/>
+        <a:defRPr b="0" i="0" sz="1400" u="none" cap="none" strike="noStrike">
+          <a:solidFill>
+            <a:srgbClr val="000000"/>
+          </a:solidFill>
+          <a:latin typeface="Arial"/>
+          <a:ea typeface="Arial"/>
+          <a:cs typeface="Arial"/>
+          <a:sym typeface="Arial"/>
+        </a:defRPr>
+      </a:lvl6pPr>
+      <a:lvl7pPr lvl="6" marR="0" rtl="0" algn="l">
+        <a:lnSpc>
+          <a:spcPct val="100000"/>
+        </a:lnSpc>
+        <a:spcBef>
+          <a:spcPts val="0"/>
+        </a:spcBef>
+        <a:spcAft>
+          <a:spcPts val="0"/>
+        </a:spcAft>
+        <a:buClr>
+          <a:srgbClr val="000000"/>
+        </a:buClr>
+        <a:buFont typeface="Arial"/>
+        <a:defRPr b="0" i="0" sz="1400" u="none" cap="none" strike="noStrike">
+          <a:solidFill>
+            <a:srgbClr val="000000"/>
+          </a:solidFill>
+          <a:latin typeface="Arial"/>
+          <a:ea typeface="Arial"/>
+          <a:cs typeface="Arial"/>
+          <a:sym typeface="Arial"/>
+        </a:defRPr>
+      </a:lvl7pPr>
+      <a:lvl8pPr lvl="7" marR="0" rtl="0" algn="l">
+        <a:lnSpc>
+          <a:spcPct val="100000"/>
+        </a:lnSpc>
+        <a:spcBef>
+          <a:spcPts val="0"/>
+        </a:spcBef>
+        <a:spcAft>
+          <a:spcPts val="0"/>
+        </a:spcAft>
+        <a:buClr>
+          <a:srgbClr val="000000"/>
+        </a:buClr>
+        <a:buFont typeface="Arial"/>
+        <a:defRPr b="0" i="0" sz="1400" u="none" cap="none" strike="noStrike">
+          <a:solidFill>
+            <a:srgbClr val="000000"/>
+          </a:solidFill>
+          <a:latin typeface="Arial"/>
+          <a:ea typeface="Arial"/>
+          <a:cs typeface="Arial"/>
+          <a:sym typeface="Arial"/>
+        </a:defRPr>
+      </a:lvl8pPr>
+      <a:lvl9pPr lvl="8" marR="0" rtl="0" algn="l">
+        <a:lnSpc>
+          <a:spcPct val="100000"/>
+        </a:lnSpc>
+        <a:spcBef>
+          <a:spcPts val="0"/>
+        </a:spcBef>
+        <a:spcAft>
+          <a:spcPts val="0"/>
+        </a:spcAft>
+        <a:buClr>
+          <a:srgbClr val="000000"/>
+        </a:buClr>
+        <a:buFont typeface="Arial"/>
+        <a:defRPr b="0" i="0" sz="1400" u="none" cap="none" strike="noStrike">
+          <a:solidFill>
+            <a:srgbClr val="000000"/>
+          </a:solidFill>
+          <a:latin typeface="Arial"/>
+          <a:ea typeface="Arial"/>
+          <a:cs typeface="Arial"/>
+          <a:sym typeface="Arial"/>
+        </a:defRPr>
+      </a:lvl9pPr>
+    </p:otherStyle>
+  </p:txStyles>
+</p:sldMaster>
+</file>
+
+<file path=ppt/slides/slide1.xml><?xml version="1.0" encoding="utf-8"?>
+<p:sld xmlns:a="http://schemas.openxmlformats.org/drawingml/2006/main" xmlns:r="http://schemas.openxmlformats.org/officeDocument/2006/relationships" xmlns:mc="http://schemas.openxmlformats.org/markup-compatibility/2006" xmlns:mv="urn:schemas-microsoft-com:mac:vml" xmlns:p="http://schemas.openxmlformats.org/presentationml/2006/main" xmlns:c="http://schemas.openxmlformats.org/drawingml/2006/chart" xmlns:dgm="http://schemas.openxmlformats.org/drawingml/2006/diagram" xmlns:o="urn:schemas-microsoft-com:office:office" xmlns:v="urn:schemas-microsoft-com:vml" xmlns:pvml="urn:schemas-microsoft-com:office:powerpoint" xmlns:com="http://schemas.openxmlformats.org/drawingml/2006/compatibility" xmlns:p14="http://schemas.microsoft.com/office/powerpoint/2010/main" xmlns:p15="http://schemas.microsoft.com/office/powerpoint/2012/main">
+  <p:cSld>
+    <p:spTree>
+      <p:nvGrpSpPr>
+        <p:cNvPr id="98" name="Shape 98"/>
+        <p:cNvGrpSpPr/>
+        <p:nvPr/>
+      </p:nvGrpSpPr>
+      <p:grpSpPr>
+        <a:xfrm>
+          <a:off x="0" y="0"/>
+          <a:ext cx="0" cy="0"/>
+          <a:chOff x="0" y="0"/>
+          <a:chExt cx="0" cy="0"/>
+        </a:xfrm>
+      </p:grpSpPr>
+      <p:sp>
+        <p:nvSpPr>
+          <p:cNvPr id="99" name="Google Shape;99;p25"/>
           <p:cNvSpPr txBox="1"/>
           <p:nvPr>
             <p:ph type="ctrTitle"/>
@@ -5951,7 +10856,7 @@
       </p:sp>
       <p:sp>
         <p:nvSpPr>
-          <p:cNvPr id="55" name="Google Shape;55;p13"/>
+          <p:cNvPr id="100" name="Google Shape;100;p25"/>
           <p:cNvSpPr txBox="1"/>
           <p:nvPr>
             <p:ph idx="1" type="subTitle"/>
@@ -6018,7 +10923,7 @@
   <p:cSld>
     <p:spTree>
       <p:nvGrpSpPr>
-        <p:cNvPr id="59" name="Shape 59"/>
+        <p:cNvPr id="104" name="Shape 104"/>
         <p:cNvGrpSpPr/>
         <p:nvPr/>
       </p:nvGrpSpPr>
@@ -6032,7 +10937,7 @@
       </p:grpSpPr>
       <p:sp>
         <p:nvSpPr>
-          <p:cNvPr id="60" name="Google Shape;60;p14"/>
+          <p:cNvPr id="105" name="Google Shape;105;p26"/>
           <p:cNvSpPr txBox="1"/>
           <p:nvPr>
             <p:ph type="title"/>
@@ -6072,7 +10977,7 @@
       </p:sp>
       <p:sp>
         <p:nvSpPr>
-          <p:cNvPr id="61" name="Google Shape;61;p14"/>
+          <p:cNvPr id="106" name="Google Shape;106;p26"/>
           <p:cNvSpPr txBox="1"/>
           <p:nvPr>
             <p:ph idx="1" type="body"/>
@@ -6274,7 +11179,7 @@
                                           </p:stCondLst>
                                         </p:cTn>
                                         <p:tgtEl>
-                                          <p:spTgt spid="61">
+                                          <p:spTgt spid="106">
                                             <p:txEl>
                                               <p:pRg end="0" st="0"/>
                                             </p:txEl>
@@ -6323,7 +11228,7 @@
                                           </p:stCondLst>
                                         </p:cTn>
                                         <p:tgtEl>
-                                          <p:spTgt spid="61">
+                                          <p:spTgt spid="106">
                                             <p:txEl>
                                               <p:pRg end="1" st="1"/>
                                             </p:txEl>
@@ -6372,7 +11277,7 @@
                                           </p:stCondLst>
                                         </p:cTn>
                                         <p:tgtEl>
-                                          <p:spTgt spid="61">
+                                          <p:spTgt spid="106">
                                             <p:txEl>
                                               <p:pRg end="2" st="2"/>
                                             </p:txEl>
@@ -6421,7 +11326,7 @@
                                           </p:stCondLst>
                                         </p:cTn>
                                         <p:tgtEl>
-                                          <p:spTgt spid="61">
+                                          <p:spTgt spid="106">
                                             <p:txEl>
                                               <p:pRg end="3" st="3"/>
                                             </p:txEl>
@@ -6474,7 +11379,7 @@
   <p:cSld>
     <p:spTree>
       <p:nvGrpSpPr>
-        <p:cNvPr id="65" name="Shape 65"/>
+        <p:cNvPr id="110" name="Shape 110"/>
         <p:cNvGrpSpPr/>
         <p:nvPr/>
       </p:nvGrpSpPr>
@@ -6488,7 +11393,7 @@
       </p:grpSpPr>
       <p:sp>
         <p:nvSpPr>
-          <p:cNvPr id="66" name="Google Shape;66;p15"/>
+          <p:cNvPr id="111" name="Google Shape;111;p27"/>
           <p:cNvSpPr txBox="1"/>
           <p:nvPr>
             <p:ph type="title"/>
@@ -6528,7 +11433,7 @@
       </p:sp>
       <p:sp>
         <p:nvSpPr>
-          <p:cNvPr id="67" name="Google Shape;67;p15"/>
+          <p:cNvPr id="112" name="Google Shape;112;p27"/>
           <p:cNvSpPr txBox="1"/>
           <p:nvPr>
             <p:ph idx="1" type="body"/>
@@ -6743,7 +11648,7 @@
   <p:cSld>
     <p:spTree>
       <p:nvGrpSpPr>
-        <p:cNvPr id="71" name="Shape 71"/>
+        <p:cNvPr id="116" name="Shape 116"/>
         <p:cNvGrpSpPr/>
         <p:nvPr/>
       </p:nvGrpSpPr>
@@ -6757,7 +11662,7 @@
       </p:grpSpPr>
       <p:sp>
         <p:nvSpPr>
-          <p:cNvPr id="72" name="Google Shape;72;p16"/>
+          <p:cNvPr id="117" name="Google Shape;117;p28"/>
           <p:cNvSpPr txBox="1"/>
           <p:nvPr/>
         </p:nvSpPr>
@@ -6799,7 +11704,7 @@
       </p:sp>
       <p:pic>
         <p:nvPicPr>
-          <p:cNvPr id="73" name="Google Shape;73;p16"/>
+          <p:cNvPr id="118" name="Google Shape;118;p28"/>
           <p:cNvPicPr preferRelativeResize="0"/>
           <p:nvPr/>
         </p:nvPicPr>
@@ -6827,7 +11732,7 @@
       </p:pic>
       <p:pic>
         <p:nvPicPr>
-          <p:cNvPr id="74" name="Google Shape;74;p16"/>
+          <p:cNvPr id="119" name="Google Shape;119;p28"/>
           <p:cNvPicPr preferRelativeResize="0"/>
           <p:nvPr/>
         </p:nvPicPr>
@@ -6866,7 +11771,7 @@
   <p:cSld>
     <p:spTree>
       <p:nvGrpSpPr>
-        <p:cNvPr id="78" name="Shape 78"/>
+        <p:cNvPr id="123" name="Shape 123"/>
         <p:cNvGrpSpPr/>
         <p:nvPr/>
       </p:nvGrpSpPr>
@@ -6880,7 +11785,7 @@
       </p:grpSpPr>
       <p:sp>
         <p:nvSpPr>
-          <p:cNvPr id="79" name="Google Shape;79;p17"/>
+          <p:cNvPr id="124" name="Google Shape;124;p29"/>
           <p:cNvSpPr txBox="1"/>
           <p:nvPr>
             <p:ph type="title"/>
@@ -6920,7 +11825,7 @@
       </p:sp>
       <p:sp>
         <p:nvSpPr>
-          <p:cNvPr id="80" name="Google Shape;80;p17"/>
+          <p:cNvPr id="125" name="Google Shape;125;p29"/>
           <p:cNvSpPr txBox="1"/>
           <p:nvPr/>
         </p:nvSpPr>
@@ -6962,7 +11867,7 @@
       </p:sp>
       <p:pic>
         <p:nvPicPr>
-          <p:cNvPr id="81" name="Google Shape;81;p17"/>
+          <p:cNvPr id="126" name="Google Shape;126;p29"/>
           <p:cNvPicPr preferRelativeResize="0"/>
           <p:nvPr/>
         </p:nvPicPr>
@@ -6999,9 +11904,16 @@
 <file path=ppt/slides/slide6.xml><?xml version="1.0" encoding="utf-8"?>
 <p:sld xmlns:a="http://schemas.openxmlformats.org/drawingml/2006/main" xmlns:r="http://schemas.openxmlformats.org/officeDocument/2006/relationships" xmlns:mc="http://schemas.openxmlformats.org/markup-compatibility/2006" xmlns:mv="urn:schemas-microsoft-com:mac:vml" xmlns:p="http://schemas.openxmlformats.org/presentationml/2006/main" xmlns:c="http://schemas.openxmlformats.org/drawingml/2006/chart" xmlns:dgm="http://schemas.openxmlformats.org/drawingml/2006/diagram" xmlns:o="urn:schemas-microsoft-com:office:office" xmlns:v="urn:schemas-microsoft-com:vml" xmlns:pvml="urn:schemas-microsoft-com:office:powerpoint" xmlns:com="http://schemas.openxmlformats.org/drawingml/2006/compatibility" xmlns:p14="http://schemas.microsoft.com/office/powerpoint/2010/main" xmlns:p15="http://schemas.microsoft.com/office/powerpoint/2012/main">
   <p:cSld>
+    <p:bg>
+      <p:bgPr>
+        <a:solidFill>
+          <a:schemeClr val="dk1"/>
+        </a:solidFill>
+      </p:bgPr>
+    </p:bg>
     <p:spTree>
       <p:nvGrpSpPr>
-        <p:cNvPr id="85" name="Shape 85"/>
+        <p:cNvPr id="130" name="Shape 130"/>
         <p:cNvGrpSpPr/>
         <p:nvPr/>
       </p:nvGrpSpPr>
@@ -7015,7 +11927,346 @@
       </p:grpSpPr>
       <p:sp>
         <p:nvSpPr>
-          <p:cNvPr id="86" name="Google Shape;86;p18"/>
+          <p:cNvPr id="131" name="Google Shape;131;p30"/>
+          <p:cNvSpPr txBox="1"/>
+          <p:nvPr>
+            <p:ph type="title"/>
+          </p:nvPr>
+        </p:nvSpPr>
+        <p:spPr>
+          <a:xfrm>
+            <a:off x="311700" y="445025"/>
+            <a:ext cx="8520600" cy="572700"/>
+          </a:xfrm>
+          <a:prstGeom prst="rect">
+            <a:avLst/>
+          </a:prstGeom>
+        </p:spPr>
+        <p:txBody>
+          <a:bodyPr anchorCtr="0" anchor="t" bIns="91425" lIns="91425" spcFirstLastPara="1" rIns="91425" wrap="square" tIns="91425">
+            <a:noAutofit/>
+          </a:bodyPr>
+          <a:lstStyle/>
+          <a:p>
+            <a:pPr indent="0" lvl="0" marL="0" rtl="0" algn="ctr">
+              <a:spcBef>
+                <a:spcPts val="0"/>
+              </a:spcBef>
+              <a:spcAft>
+                <a:spcPts val="0"/>
+              </a:spcAft>
+              <a:buNone/>
+            </a:pPr>
+            <a:r>
+              <a:rPr lang="en">
+                <a:solidFill>
+                  <a:srgbClr val="000000"/>
+                </a:solidFill>
+              </a:rPr>
+              <a:t>Cancer dependency map reveals essential genes</a:t>
+            </a:r>
+            <a:endParaRPr>
+              <a:solidFill>
+                <a:srgbClr val="000000"/>
+              </a:solidFill>
+            </a:endParaRPr>
+          </a:p>
+        </p:txBody>
+      </p:sp>
+      <p:sp>
+        <p:nvSpPr>
+          <p:cNvPr id="132" name="Google Shape;132;p30"/>
+          <p:cNvSpPr txBox="1"/>
+          <p:nvPr>
+            <p:ph idx="12" type="sldNum"/>
+          </p:nvPr>
+        </p:nvSpPr>
+        <p:spPr>
+          <a:xfrm>
+            <a:off x="8472458" y="4663217"/>
+            <a:ext cx="548700" cy="393600"/>
+          </a:xfrm>
+          <a:prstGeom prst="rect">
+            <a:avLst/>
+          </a:prstGeom>
+        </p:spPr>
+        <p:txBody>
+          <a:bodyPr anchorCtr="0" anchor="ctr" bIns="91425" lIns="91425" spcFirstLastPara="1" rIns="91425" wrap="square" tIns="91425">
+            <a:noAutofit/>
+          </a:bodyPr>
+          <a:lstStyle/>
+          <a:p>
+            <a:pPr indent="0" lvl="0" marL="0" rtl="0" algn="r">
+              <a:spcBef>
+                <a:spcPts val="0"/>
+              </a:spcBef>
+              <a:spcAft>
+                <a:spcPts val="0"/>
+              </a:spcAft>
+              <a:buNone/>
+            </a:pPr>
+            <a:fld id="{00000000-1234-1234-1234-123412341234}" type="slidenum">
+              <a:rPr lang="en"/>
+              <a:t>‹#›</a:t>
+            </a:fld>
+            <a:endParaRPr/>
+          </a:p>
+        </p:txBody>
+      </p:sp>
+      <p:sp>
+        <p:nvSpPr>
+          <p:cNvPr id="133" name="Google Shape;133;p30"/>
+          <p:cNvSpPr txBox="1"/>
+          <p:nvPr/>
+        </p:nvSpPr>
+        <p:spPr>
+          <a:xfrm>
+            <a:off x="2790000" y="4803000"/>
+            <a:ext cx="3564000" cy="340500"/>
+          </a:xfrm>
+          <a:prstGeom prst="rect">
+            <a:avLst/>
+          </a:prstGeom>
+          <a:noFill/>
+          <a:ln>
+            <a:noFill/>
+          </a:ln>
+        </p:spPr>
+        <p:txBody>
+          <a:bodyPr anchorCtr="0" anchor="t" bIns="91425" lIns="91425" spcFirstLastPara="1" rIns="91425" wrap="square" tIns="91425">
+            <a:noAutofit/>
+          </a:bodyPr>
+          <a:lstStyle/>
+          <a:p>
+            <a:pPr indent="0" lvl="0" marL="0" rtl="0" algn="l">
+              <a:spcBef>
+                <a:spcPts val="0"/>
+              </a:spcBef>
+              <a:spcAft>
+                <a:spcPts val="0"/>
+              </a:spcAft>
+              <a:buNone/>
+            </a:pPr>
+            <a:r>
+              <a:rPr lang="en" sz="800"/>
+              <a:t>Source: Tsherniak et al. (2017).</a:t>
+            </a:r>
+            <a:r>
+              <a:rPr i="1" lang="en" sz="800"/>
+              <a:t> Defining a cancer dependency map</a:t>
+            </a:r>
+            <a:r>
+              <a:rPr lang="en" sz="800"/>
+              <a:t>. Cell.</a:t>
+            </a:r>
+            <a:endParaRPr sz="800"/>
+          </a:p>
+        </p:txBody>
+      </p:sp>
+      <p:pic>
+        <p:nvPicPr>
+          <p:cNvPr id="134" name="Google Shape;134;p30"/>
+          <p:cNvPicPr preferRelativeResize="0"/>
+          <p:nvPr/>
+        </p:nvPicPr>
+        <p:blipFill>
+          <a:blip r:embed="rId3">
+            <a:alphaModFix/>
+          </a:blip>
+          <a:stretch>
+            <a:fillRect/>
+          </a:stretch>
+        </p:blipFill>
+        <p:spPr>
+          <a:xfrm>
+            <a:off x="1952720" y="1136713"/>
+            <a:ext cx="5238555" cy="3547301"/>
+          </a:xfrm>
+          <a:prstGeom prst="rect">
+            <a:avLst/>
+          </a:prstGeom>
+          <a:noFill/>
+          <a:ln>
+            <a:noFill/>
+          </a:ln>
+        </p:spPr>
+      </p:pic>
+    </p:spTree>
+  </p:cSld>
+  <p:clrMapOvr>
+    <a:masterClrMapping/>
+  </p:clrMapOvr>
+</p:sld>
+</file>
+
+<file path=ppt/slides/slide7.xml><?xml version="1.0" encoding="utf-8"?>
+<p:sld xmlns:a="http://schemas.openxmlformats.org/drawingml/2006/main" xmlns:r="http://schemas.openxmlformats.org/officeDocument/2006/relationships" xmlns:mc="http://schemas.openxmlformats.org/markup-compatibility/2006" xmlns:mv="urn:schemas-microsoft-com:mac:vml" xmlns:p="http://schemas.openxmlformats.org/presentationml/2006/main" xmlns:c="http://schemas.openxmlformats.org/drawingml/2006/chart" xmlns:dgm="http://schemas.openxmlformats.org/drawingml/2006/diagram" xmlns:o="urn:schemas-microsoft-com:office:office" xmlns:v="urn:schemas-microsoft-com:vml" xmlns:pvml="urn:schemas-microsoft-com:office:powerpoint" xmlns:com="http://schemas.openxmlformats.org/drawingml/2006/compatibility" xmlns:p14="http://schemas.microsoft.com/office/powerpoint/2010/main" xmlns:p15="http://schemas.microsoft.com/office/powerpoint/2012/main">
+  <p:cSld>
+    <p:bg>
+      <p:bgPr>
+        <a:solidFill>
+          <a:schemeClr val="dk1"/>
+        </a:solidFill>
+      </p:bgPr>
+    </p:bg>
+    <p:spTree>
+      <p:nvGrpSpPr>
+        <p:cNvPr id="138" name="Shape 138"/>
+        <p:cNvGrpSpPr/>
+        <p:nvPr/>
+      </p:nvGrpSpPr>
+      <p:grpSpPr>
+        <a:xfrm>
+          <a:off x="0" y="0"/>
+          <a:ext cx="0" cy="0"/>
+          <a:chOff x="0" y="0"/>
+          <a:chExt cx="0" cy="0"/>
+        </a:xfrm>
+      </p:grpSpPr>
+      <p:sp>
+        <p:nvSpPr>
+          <p:cNvPr id="139" name="Google Shape;139;p31"/>
+          <p:cNvSpPr txBox="1"/>
+          <p:nvPr>
+            <p:ph type="title"/>
+          </p:nvPr>
+        </p:nvSpPr>
+        <p:spPr>
+          <a:xfrm>
+            <a:off x="311700" y="445025"/>
+            <a:ext cx="8520600" cy="572700"/>
+          </a:xfrm>
+          <a:prstGeom prst="rect">
+            <a:avLst/>
+          </a:prstGeom>
+        </p:spPr>
+        <p:txBody>
+          <a:bodyPr anchorCtr="0" anchor="t" bIns="91425" lIns="91425" spcFirstLastPara="1" rIns="91425" wrap="square" tIns="91425">
+            <a:noAutofit/>
+          </a:bodyPr>
+          <a:lstStyle/>
+          <a:p>
+            <a:pPr indent="0" lvl="0" marL="0" rtl="0" algn="ctr">
+              <a:spcBef>
+                <a:spcPts val="0"/>
+              </a:spcBef>
+              <a:spcAft>
+                <a:spcPts val="0"/>
+              </a:spcAft>
+              <a:buNone/>
+            </a:pPr>
+            <a:r>
+              <a:rPr lang="en">
+                <a:solidFill>
+                  <a:srgbClr val="000000"/>
+                </a:solidFill>
+              </a:rPr>
+              <a:t>Cancer dependency map reveals essential genes</a:t>
+            </a:r>
+            <a:endParaRPr>
+              <a:solidFill>
+                <a:srgbClr val="000000"/>
+              </a:solidFill>
+            </a:endParaRPr>
+          </a:p>
+        </p:txBody>
+      </p:sp>
+      <p:sp>
+        <p:nvSpPr>
+          <p:cNvPr id="140" name="Google Shape;140;p31"/>
+          <p:cNvSpPr txBox="1"/>
+          <p:nvPr>
+            <p:ph idx="12" type="sldNum"/>
+          </p:nvPr>
+        </p:nvSpPr>
+        <p:spPr>
+          <a:xfrm>
+            <a:off x="8472458" y="4663217"/>
+            <a:ext cx="548700" cy="393600"/>
+          </a:xfrm>
+          <a:prstGeom prst="rect">
+            <a:avLst/>
+          </a:prstGeom>
+        </p:spPr>
+        <p:txBody>
+          <a:bodyPr anchorCtr="0" anchor="ctr" bIns="91425" lIns="91425" spcFirstLastPara="1" rIns="91425" wrap="square" tIns="91425">
+            <a:noAutofit/>
+          </a:bodyPr>
+          <a:lstStyle/>
+          <a:p>
+            <a:pPr indent="0" lvl="0" marL="0" rtl="0" algn="r">
+              <a:spcBef>
+                <a:spcPts val="0"/>
+              </a:spcBef>
+              <a:spcAft>
+                <a:spcPts val="0"/>
+              </a:spcAft>
+              <a:buNone/>
+            </a:pPr>
+            <a:fld id="{00000000-1234-1234-1234-123412341234}" type="slidenum">
+              <a:rPr lang="en"/>
+              <a:t>‹#›</a:t>
+            </a:fld>
+            <a:endParaRPr/>
+          </a:p>
+        </p:txBody>
+      </p:sp>
+      <p:pic>
+        <p:nvPicPr>
+          <p:cNvPr id="141" name="Google Shape;141;p31"/>
+          <p:cNvPicPr preferRelativeResize="0"/>
+          <p:nvPr/>
+        </p:nvPicPr>
+        <p:blipFill>
+          <a:blip r:embed="rId3">
+            <a:alphaModFix/>
+          </a:blip>
+          <a:stretch>
+            <a:fillRect/>
+          </a:stretch>
+        </p:blipFill>
+        <p:spPr>
+          <a:xfrm>
+            <a:off x="729413" y="1143275"/>
+            <a:ext cx="7685174" cy="3820975"/>
+          </a:xfrm>
+          <a:prstGeom prst="rect">
+            <a:avLst/>
+          </a:prstGeom>
+          <a:noFill/>
+          <a:ln>
+            <a:noFill/>
+          </a:ln>
+        </p:spPr>
+      </p:pic>
+    </p:spTree>
+  </p:cSld>
+  <p:clrMapOvr>
+    <a:masterClrMapping/>
+  </p:clrMapOvr>
+</p:sld>
+</file>
+
+<file path=ppt/slides/slide8.xml><?xml version="1.0" encoding="utf-8"?>
+<p:sld xmlns:a="http://schemas.openxmlformats.org/drawingml/2006/main" xmlns:r="http://schemas.openxmlformats.org/officeDocument/2006/relationships" xmlns:mc="http://schemas.openxmlformats.org/markup-compatibility/2006" xmlns:mv="urn:schemas-microsoft-com:mac:vml" xmlns:p="http://schemas.openxmlformats.org/presentationml/2006/main" xmlns:c="http://schemas.openxmlformats.org/drawingml/2006/chart" xmlns:dgm="http://schemas.openxmlformats.org/drawingml/2006/diagram" xmlns:o="urn:schemas-microsoft-com:office:office" xmlns:v="urn:schemas-microsoft-com:vml" xmlns:pvml="urn:schemas-microsoft-com:office:powerpoint" xmlns:com="http://schemas.openxmlformats.org/drawingml/2006/compatibility" xmlns:p14="http://schemas.microsoft.com/office/powerpoint/2010/main" xmlns:p15="http://schemas.microsoft.com/office/powerpoint/2012/main">
+  <p:cSld>
+    <p:spTree>
+      <p:nvGrpSpPr>
+        <p:cNvPr id="145" name="Shape 145"/>
+        <p:cNvGrpSpPr/>
+        <p:nvPr/>
+      </p:nvGrpSpPr>
+      <p:grpSpPr>
+        <a:xfrm>
+          <a:off x="0" y="0"/>
+          <a:ext cx="0" cy="0"/>
+          <a:chOff x="0" y="0"/>
+          <a:chExt cx="0" cy="0"/>
+        </a:xfrm>
+      </p:grpSpPr>
+      <p:sp>
+        <p:nvSpPr>
+          <p:cNvPr id="146" name="Google Shape;146;p32"/>
           <p:cNvSpPr txBox="1"/>
           <p:nvPr>
             <p:ph type="title"/>
@@ -7055,7 +12306,7 @@
       </p:sp>
       <p:sp>
         <p:nvSpPr>
-          <p:cNvPr id="87" name="Google Shape;87;p18"/>
+          <p:cNvPr id="147" name="Google Shape;147;p32"/>
           <p:cNvSpPr txBox="1"/>
           <p:nvPr>
             <p:ph idx="1" type="body"/>
@@ -7231,7 +12482,7 @@
                                           </p:stCondLst>
                                         </p:cTn>
                                         <p:tgtEl>
-                                          <p:spTgt spid="87">
+                                          <p:spTgt spid="147">
                                             <p:txEl>
                                               <p:pRg end="0" st="0"/>
                                             </p:txEl>
@@ -7280,7 +12531,7 @@
                                           </p:stCondLst>
                                         </p:cTn>
                                         <p:tgtEl>
-                                          <p:spTgt spid="87">
+                                          <p:spTgt spid="147">
                                             <p:txEl>
                                               <p:pRg end="1" st="1"/>
                                             </p:txEl>
@@ -7329,7 +12580,7 @@
                                           </p:stCondLst>
                                         </p:cTn>
                                         <p:tgtEl>
-                                          <p:spTgt spid="87">
+                                          <p:spTgt spid="147">
                                             <p:txEl>
                                               <p:pRg end="2" st="2"/>
                                             </p:txEl>
@@ -7378,7 +12629,7 @@
                                           </p:stCondLst>
                                         </p:cTn>
                                         <p:tgtEl>
-                                          <p:spTgt spid="87">
+                                          <p:spTgt spid="147">
                                             <p:txEl>
                                               <p:pRg end="3" st="3"/>
                                             </p:txEl>
@@ -7427,6 +12678,285 @@
 </file>
 
 <file path=ppt/theme/theme1.xml><?xml version="1.0" encoding="utf-8"?>
+<a:theme xmlns:a="http://schemas.openxmlformats.org/drawingml/2006/main" xmlns:r="http://schemas.openxmlformats.org/officeDocument/2006/relationships">
+  <a:themeElements>
+    <a:clrScheme name="Default">
+      <a:dk1>
+        <a:srgbClr val="000000"/>
+      </a:dk1>
+      <a:lt1>
+        <a:srgbClr val="FFFFFF"/>
+      </a:lt1>
+      <a:dk2>
+        <a:srgbClr val="158158"/>
+      </a:dk2>
+      <a:lt2>
+        <a:srgbClr val="F3F3F3"/>
+      </a:lt2>
+      <a:accent1>
+        <a:srgbClr val="058DC7"/>
+      </a:accent1>
+      <a:accent2>
+        <a:srgbClr val="50B432"/>
+      </a:accent2>
+      <a:accent3>
+        <a:srgbClr val="ED561B"/>
+      </a:accent3>
+      <a:accent4>
+        <a:srgbClr val="EDEF00"/>
+      </a:accent4>
+      <a:accent5>
+        <a:srgbClr val="24CBE5"/>
+      </a:accent5>
+      <a:accent6>
+        <a:srgbClr val="64E572"/>
+      </a:accent6>
+      <a:hlink>
+        <a:srgbClr val="2200CC"/>
+      </a:hlink>
+      <a:folHlink>
+        <a:srgbClr val="551A8B"/>
+      </a:folHlink>
+    </a:clrScheme>
+    <a:fontScheme name="Office">
+      <a:majorFont>
+        <a:latin typeface="Arial"/>
+        <a:ea typeface=""/>
+        <a:cs typeface=""/>
+        <a:font script="Jpan" typeface="ＭＳ Ｐゴシック"/>
+        <a:font script="Hang" typeface="맑은 고딕"/>
+        <a:font script="Hans" typeface="宋体"/>
+        <a:font script="Hant" typeface="新細明體"/>
+        <a:font script="Arab" typeface="Times New Roman"/>
+        <a:font script="Hebr" typeface="Times New Roman"/>
+        <a:font script="Thai" typeface="Angsana New"/>
+        <a:font script="Ethi" typeface="Nyala"/>
+        <a:font script="Beng" typeface="Vrinda"/>
+        <a:font script="Gujr" typeface="Shruti"/>
+        <a:font script="Khmr" typeface="MoolBoran"/>
+        <a:font script="Knda" typeface="Tunga"/>
+        <a:font script="Guru" typeface="Raavi"/>
+        <a:font script="Cans" typeface="Euphemia"/>
+        <a:font script="Cher" typeface="Plantagenet Cherokee"/>
+        <a:font script="Yiii" typeface="Microsoft Yi Baiti"/>
+        <a:font script="Tibt" typeface="Microsoft Himalaya"/>
+        <a:font script="Thaa" typeface="MV Boli"/>
+        <a:font script="Deva" typeface="Mangal"/>
+        <a:font script="Telu" typeface="Gautami"/>
+        <a:font script="Taml" typeface="Latha"/>
+        <a:font script="Syrc" typeface="Estrangelo Edessa"/>
+        <a:font script="Orya" typeface="Kalinga"/>
+        <a:font script="Mlym" typeface="Kartika"/>
+        <a:font script="Laoo" typeface="DokChampa"/>
+        <a:font script="Sinh" typeface="Iskoola Pota"/>
+        <a:font script="Mong" typeface="Mongolian Baiti"/>
+        <a:font script="Viet" typeface="Times New Roman"/>
+        <a:font script="Uigh" typeface="Microsoft Uighur"/>
+        <a:font script="Geor" typeface="Sylfaen"/>
+      </a:majorFont>
+      <a:minorFont>
+        <a:latin typeface="Arial"/>
+        <a:ea typeface=""/>
+        <a:cs typeface=""/>
+        <a:font script="Jpan" typeface="ＭＳ Ｐゴシック"/>
+        <a:font script="Hang" typeface="맑은 고딕"/>
+        <a:font script="Hans" typeface="宋体"/>
+        <a:font script="Hant" typeface="新細明體"/>
+        <a:font script="Arab" typeface="Arial"/>
+        <a:font script="Hebr" typeface="Arial"/>
+        <a:font script="Thai" typeface="Cordia New"/>
+        <a:font script="Ethi" typeface="Nyala"/>
+        <a:font script="Beng" typeface="Vrinda"/>
+        <a:font script="Gujr" typeface="Shruti"/>
+        <a:font script="Khmr" typeface="DaunPenh"/>
+        <a:font script="Knda" typeface="Tunga"/>
+        <a:font script="Guru" typeface="Raavi"/>
+        <a:font script="Cans" typeface="Euphemia"/>
+        <a:font script="Cher" typeface="Plantagenet Cherokee"/>
+        <a:font script="Yiii" typeface="Microsoft Yi Baiti"/>
+        <a:font script="Tibt" typeface="Microsoft Himalaya"/>
+        <a:font script="Thaa" typeface="MV Boli"/>
+        <a:font script="Deva" typeface="Mangal"/>
+        <a:font script="Telu" typeface="Gautami"/>
+        <a:font script="Taml" typeface="Latha"/>
+        <a:font script="Syrc" typeface="Estrangelo Edessa"/>
+        <a:font script="Orya" typeface="Kalinga"/>
+        <a:font script="Mlym" typeface="Kartika"/>
+        <a:font script="Laoo" typeface="DokChampa"/>
+        <a:font script="Sinh" typeface="Iskoola Pota"/>
+        <a:font script="Mong" typeface="Mongolian Baiti"/>
+        <a:font script="Viet" typeface="Arial"/>
+        <a:font script="Uigh" typeface="Microsoft Uighur"/>
+        <a:font script="Geor" typeface="Sylfaen"/>
+      </a:minorFont>
+    </a:fontScheme>
+    <a:fmtScheme name="Office">
+      <a:fillStyleLst>
+        <a:solidFill>
+          <a:schemeClr val="phClr"/>
+        </a:solidFill>
+        <a:gradFill rotWithShape="1">
+          <a:gsLst>
+            <a:gs pos="0">
+              <a:schemeClr val="phClr">
+                <a:tint val="50000"/>
+                <a:satMod val="300000"/>
+              </a:schemeClr>
+            </a:gs>
+            <a:gs pos="35000">
+              <a:schemeClr val="phClr">
+                <a:tint val="37000"/>
+                <a:satMod val="300000"/>
+              </a:schemeClr>
+            </a:gs>
+            <a:gs pos="100000">
+              <a:schemeClr val="phClr">
+                <a:tint val="15000"/>
+                <a:satMod val="350000"/>
+              </a:schemeClr>
+            </a:gs>
+          </a:gsLst>
+          <a:lin ang="16200000" scaled="1"/>
+        </a:gradFill>
+        <a:gradFill rotWithShape="1">
+          <a:gsLst>
+            <a:gs pos="0">
+              <a:schemeClr val="phClr">
+                <a:tint val="100000"/>
+                <a:shade val="100000"/>
+                <a:satMod val="130000"/>
+              </a:schemeClr>
+            </a:gs>
+            <a:gs pos="100000">
+              <a:schemeClr val="phClr">
+                <a:tint val="50000"/>
+                <a:shade val="100000"/>
+                <a:satMod val="350000"/>
+              </a:schemeClr>
+            </a:gs>
+          </a:gsLst>
+          <a:lin ang="16200000" scaled="0"/>
+        </a:gradFill>
+      </a:fillStyleLst>
+      <a:lnStyleLst>
+        <a:ln w="9525" cap="flat" cmpd="sng" algn="ctr">
+          <a:solidFill>
+            <a:schemeClr val="phClr">
+              <a:shade val="95000"/>
+              <a:satMod val="105000"/>
+            </a:schemeClr>
+          </a:solidFill>
+          <a:prstDash val="solid"/>
+        </a:ln>
+        <a:ln w="25400" cap="flat" cmpd="sng" algn="ctr">
+          <a:solidFill>
+            <a:schemeClr val="phClr"/>
+          </a:solidFill>
+          <a:prstDash val="solid"/>
+        </a:ln>
+        <a:ln w="38100" cap="flat" cmpd="sng" algn="ctr">
+          <a:solidFill>
+            <a:schemeClr val="phClr"/>
+          </a:solidFill>
+          <a:prstDash val="solid"/>
+        </a:ln>
+      </a:lnStyleLst>
+      <a:effectStyleLst>
+        <a:effectStyle>
+          <a:effectLst>
+            <a:outerShdw blurRad="40000" dist="20000" dir="5400000" rotWithShape="0">
+              <a:srgbClr val="000000">
+                <a:alpha val="38000"/>
+              </a:srgbClr>
+            </a:outerShdw>
+          </a:effectLst>
+        </a:effectStyle>
+        <a:effectStyle>
+          <a:effectLst>
+            <a:outerShdw blurRad="40000" dist="23000" dir="5400000" rotWithShape="0">
+              <a:srgbClr val="000000">
+                <a:alpha val="35000"/>
+              </a:srgbClr>
+            </a:outerShdw>
+          </a:effectLst>
+        </a:effectStyle>
+        <a:effectStyle>
+          <a:effectLst>
+            <a:outerShdw blurRad="40000" dist="23000" dir="5400000" rotWithShape="0">
+              <a:srgbClr val="000000">
+                <a:alpha val="35000"/>
+              </a:srgbClr>
+            </a:outerShdw>
+          </a:effectLst>
+          <a:scene3d>
+            <a:camera prst="orthographicFront">
+              <a:rot lat="0" lon="0" rev="0"/>
+            </a:camera>
+            <a:lightRig rig="threePt" dir="t">
+              <a:rot lat="0" lon="0" rev="1200000"/>
+            </a:lightRig>
+          </a:scene3d>
+          <a:sp3d>
+            <a:bevelT w="63500" h="25400"/>
+          </a:sp3d>
+        </a:effectStyle>
+      </a:effectStyleLst>
+      <a:bgFillStyleLst>
+        <a:solidFill>
+          <a:schemeClr val="phClr"/>
+        </a:solidFill>
+        <a:gradFill rotWithShape="1">
+          <a:gsLst>
+            <a:gs pos="0">
+              <a:schemeClr val="phClr">
+                <a:tint val="40000"/>
+                <a:satMod val="350000"/>
+              </a:schemeClr>
+            </a:gs>
+            <a:gs pos="40000">
+              <a:schemeClr val="phClr">
+                <a:tint val="45000"/>
+                <a:shade val="99000"/>
+                <a:satMod val="350000"/>
+              </a:schemeClr>
+            </a:gs>
+            <a:gs pos="100000">
+              <a:schemeClr val="phClr">
+                <a:shade val="20000"/>
+                <a:satMod val="255000"/>
+              </a:schemeClr>
+            </a:gs>
+          </a:gsLst>
+          <a:path path="circle">
+            <a:fillToRect l="50000" t="-80000" r="50000" b="180000"/>
+          </a:path>
+        </a:gradFill>
+        <a:gradFill rotWithShape="1">
+          <a:gsLst>
+            <a:gs pos="0">
+              <a:schemeClr val="phClr">
+                <a:tint val="80000"/>
+                <a:satMod val="300000"/>
+              </a:schemeClr>
+            </a:gs>
+            <a:gs pos="100000">
+              <a:schemeClr val="phClr">
+                <a:shade val="30000"/>
+                <a:satMod val="200000"/>
+              </a:schemeClr>
+            </a:gs>
+          </a:gsLst>
+          <a:path path="circle">
+            <a:fillToRect l="50000" t="50000" r="50000" b="50000"/>
+          </a:path>
+        </a:gradFill>
+      </a:bgFillStyleLst>
+    </a:fmtScheme>
+  </a:themeElements>
+</a:theme>
+</file>
+
+<file path=ppt/theme/theme2.xml><?xml version="1.0" encoding="utf-8"?>
 <a:theme xmlns:a="http://schemas.openxmlformats.org/drawingml/2006/main" xmlns:r="http://schemas.openxmlformats.org/officeDocument/2006/relationships" name="Simple Light">
   <a:themeElements>
     <a:clrScheme name="Simple Light">
@@ -7705,45 +13235,45 @@
 </a:theme>
 </file>
 
-<file path=ppt/theme/theme2.xml><?xml version="1.0" encoding="utf-8"?>
-<a:theme xmlns:a="http://schemas.openxmlformats.org/drawingml/2006/main" xmlns:r="http://schemas.openxmlformats.org/officeDocument/2006/relationships">
+<file path=ppt/theme/theme3.xml><?xml version="1.0" encoding="utf-8"?>
+<a:theme xmlns:a="http://schemas.openxmlformats.org/drawingml/2006/main" xmlns:r="http://schemas.openxmlformats.org/officeDocument/2006/relationships" name="Simple Dark">
   <a:themeElements>
-    <a:clrScheme name="Default">
+    <a:clrScheme name="Simple Dark">
       <a:dk1>
-        <a:srgbClr val="000000"/>
+        <a:srgbClr val="FFFFFF"/>
       </a:dk1>
       <a:lt1>
-        <a:srgbClr val="FFFFFF"/>
+        <a:srgbClr val="212121"/>
       </a:lt1>
       <a:dk2>
-        <a:srgbClr val="158158"/>
+        <a:srgbClr val="303030"/>
       </a:dk2>
       <a:lt2>
-        <a:srgbClr val="F3F3F3"/>
+        <a:srgbClr val="ADADAD"/>
       </a:lt2>
       <a:accent1>
-        <a:srgbClr val="058DC7"/>
+        <a:srgbClr val="009688"/>
       </a:accent1>
       <a:accent2>
-        <a:srgbClr val="50B432"/>
+        <a:srgbClr val="EEEEEE"/>
       </a:accent2>
       <a:accent3>
-        <a:srgbClr val="ED561B"/>
+        <a:srgbClr val="78909C"/>
       </a:accent3>
       <a:accent4>
-        <a:srgbClr val="EDEF00"/>
+        <a:srgbClr val="FFAB40"/>
       </a:accent4>
       <a:accent5>
-        <a:srgbClr val="24CBE5"/>
+        <a:srgbClr val="4DD0E1"/>
       </a:accent5>
       <a:accent6>
-        <a:srgbClr val="64E572"/>
+        <a:srgbClr val="EEFF41"/>
       </a:accent6>
       <a:hlink>
-        <a:srgbClr val="2200CC"/>
+        <a:srgbClr val="4DD0E1"/>
       </a:hlink>
       <a:folHlink>
-        <a:srgbClr val="551A8B"/>
+        <a:srgbClr val="4DD0E1"/>
       </a:folHlink>
     </a:clrScheme>
     <a:fontScheme name="Office">
